--- a/ENSE 470 - Milestone 3.pptx
+++ b/ENSE 470 - Milestone 3.pptx
@@ -2,24 +2,24 @@
 <file path=ppt/presentation.xml><?xml version="1.0" encoding="utf-8"?>
 <p:presentation xmlns:a="http://schemas.openxmlformats.org/drawingml/2006/main" xmlns:r="http://schemas.openxmlformats.org/officeDocument/2006/relationships" xmlns:p="http://schemas.openxmlformats.org/presentationml/2006/main">
   <p:sldMasterIdLst>
-    <p:sldMasterId id="2147483648" r:id="rId1"/>
+    <p:sldMasterId id="2147483648" r:id="rId5"/>
   </p:sldMasterIdLst>
   <p:notesMasterIdLst>
-    <p:notesMasterId r:id="rId12"/>
+    <p:notesMasterId r:id="rId7"/>
   </p:notesMasterIdLst>
   <p:sldIdLst>
-    <p:sldId id="256" r:id="rId2"/>
-    <p:sldId id="266" r:id="rId3"/>
-    <p:sldId id="267" r:id="rId4"/>
-    <p:sldId id="271" r:id="rId5"/>
-    <p:sldId id="272" r:id="rId6"/>
-    <p:sldId id="273" r:id="rId7"/>
-    <p:sldId id="274" r:id="rId8"/>
-    <p:sldId id="275" r:id="rId9"/>
-    <p:sldId id="279" r:id="rId10"/>
-    <p:sldId id="280" r:id="rId11"/>
+    <p:sldId id="256" r:id="rId8"/>
+    <p:sldId id="257" r:id="rId9"/>
+    <p:sldId id="258" r:id="rId10"/>
+    <p:sldId id="259" r:id="rId11"/>
+    <p:sldId id="260" r:id="rId12"/>
+    <p:sldId id="261" r:id="rId13"/>
+    <p:sldId id="262" r:id="rId14"/>
+    <p:sldId id="263" r:id="rId15"/>
+    <p:sldId id="264" r:id="rId16"/>
+    <p:sldId id="265" r:id="rId17"/>
   </p:sldIdLst>
-  <p:sldSz cx="9144000" cy="5143500" type="screen16x9"/>
+  <p:sldSz cx="9144000" cy="5143500"/>
   <p:notesSz cx="6858000" cy="9144000"/>
   <p:defaultTextStyle>
     <a:defPPr marL="0" marR="0" indent="0" algn="l" defTabSz="914400" rtl="0" fontAlgn="auto" latinLnBrk="1" hangingPunct="0">
@@ -37,7 +37,7 @@
       <a:buFontTx/>
       <a:buNone/>
       <a:tabLst/>
-      <a:defRPr kumimoji="0" sz="1800" b="0" i="0" u="none" strike="noStrike" cap="none" spc="0" normalizeH="0" baseline="0">
+      <a:defRPr b="0" baseline="0" cap="none" i="0" spc="0" strike="noStrike" sz="1800" u="none" kumimoji="0" normalizeH="0">
         <a:ln>
           <a:noFill/>
         </a:ln>
@@ -63,19 +63,19 @@
       <a:buFontTx/>
       <a:buNone/>
       <a:tabLst/>
-      <a:defRPr kumimoji="0" sz="1400" b="0" i="0" u="none" strike="noStrike" cap="none" spc="0" normalizeH="0" baseline="0">
+      <a:defRPr b="0" baseline="0" cap="none" i="0" spc="0" strike="noStrike" sz="1400" u="none" kumimoji="0" normalizeH="0">
         <a:ln>
           <a:noFill/>
         </a:ln>
         <a:solidFill>
-          <a:srgbClr val="2A3990"/>
+          <a:srgbClr val="FFFFFF"/>
         </a:solidFill>
         <a:effectLst/>
         <a:uFillTx/>
-        <a:latin typeface="Arial"/>
-        <a:ea typeface="Arial"/>
-        <a:cs typeface="Arial"/>
-        <a:sym typeface="Arial"/>
+        <a:latin typeface="+mn-lt"/>
+        <a:ea typeface="+mn-ea"/>
+        <a:cs typeface="+mn-cs"/>
+        <a:sym typeface="Helvetica Neue"/>
       </a:defRPr>
     </a:lvl1pPr>
     <a:lvl2pPr marL="0" marR="0" indent="0" algn="l" defTabSz="914400" rtl="0" fontAlgn="auto" latinLnBrk="0" hangingPunct="0">
@@ -93,19 +93,19 @@
       <a:buFontTx/>
       <a:buNone/>
       <a:tabLst/>
-      <a:defRPr kumimoji="0" sz="1400" b="0" i="0" u="none" strike="noStrike" cap="none" spc="0" normalizeH="0" baseline="0">
+      <a:defRPr b="0" baseline="0" cap="none" i="0" spc="0" strike="noStrike" sz="1400" u="none" kumimoji="0" normalizeH="0">
         <a:ln>
           <a:noFill/>
         </a:ln>
         <a:solidFill>
-          <a:srgbClr val="2A3990"/>
+          <a:srgbClr val="FFFFFF"/>
         </a:solidFill>
         <a:effectLst/>
         <a:uFillTx/>
-        <a:latin typeface="Arial"/>
-        <a:ea typeface="Arial"/>
-        <a:cs typeface="Arial"/>
-        <a:sym typeface="Arial"/>
+        <a:latin typeface="+mn-lt"/>
+        <a:ea typeface="+mn-ea"/>
+        <a:cs typeface="+mn-cs"/>
+        <a:sym typeface="Helvetica Neue"/>
       </a:defRPr>
     </a:lvl2pPr>
     <a:lvl3pPr marL="0" marR="0" indent="0" algn="l" defTabSz="914400" rtl="0" fontAlgn="auto" latinLnBrk="0" hangingPunct="0">
@@ -123,19 +123,19 @@
       <a:buFontTx/>
       <a:buNone/>
       <a:tabLst/>
-      <a:defRPr kumimoji="0" sz="1400" b="0" i="0" u="none" strike="noStrike" cap="none" spc="0" normalizeH="0" baseline="0">
+      <a:defRPr b="0" baseline="0" cap="none" i="0" spc="0" strike="noStrike" sz="1400" u="none" kumimoji="0" normalizeH="0">
         <a:ln>
           <a:noFill/>
         </a:ln>
         <a:solidFill>
-          <a:srgbClr val="2A3990"/>
+          <a:srgbClr val="FFFFFF"/>
         </a:solidFill>
         <a:effectLst/>
         <a:uFillTx/>
-        <a:latin typeface="Arial"/>
-        <a:ea typeface="Arial"/>
-        <a:cs typeface="Arial"/>
-        <a:sym typeface="Arial"/>
+        <a:latin typeface="+mn-lt"/>
+        <a:ea typeface="+mn-ea"/>
+        <a:cs typeface="+mn-cs"/>
+        <a:sym typeface="Helvetica Neue"/>
       </a:defRPr>
     </a:lvl3pPr>
     <a:lvl4pPr marL="0" marR="0" indent="0" algn="l" defTabSz="914400" rtl="0" fontAlgn="auto" latinLnBrk="0" hangingPunct="0">
@@ -153,19 +153,19 @@
       <a:buFontTx/>
       <a:buNone/>
       <a:tabLst/>
-      <a:defRPr kumimoji="0" sz="1400" b="0" i="0" u="none" strike="noStrike" cap="none" spc="0" normalizeH="0" baseline="0">
+      <a:defRPr b="0" baseline="0" cap="none" i="0" spc="0" strike="noStrike" sz="1400" u="none" kumimoji="0" normalizeH="0">
         <a:ln>
           <a:noFill/>
         </a:ln>
         <a:solidFill>
-          <a:srgbClr val="2A3990"/>
+          <a:srgbClr val="FFFFFF"/>
         </a:solidFill>
         <a:effectLst/>
         <a:uFillTx/>
-        <a:latin typeface="Arial"/>
-        <a:ea typeface="Arial"/>
-        <a:cs typeface="Arial"/>
-        <a:sym typeface="Arial"/>
+        <a:latin typeface="+mn-lt"/>
+        <a:ea typeface="+mn-ea"/>
+        <a:cs typeface="+mn-cs"/>
+        <a:sym typeface="Helvetica Neue"/>
       </a:defRPr>
     </a:lvl4pPr>
     <a:lvl5pPr marL="0" marR="0" indent="0" algn="l" defTabSz="914400" rtl="0" fontAlgn="auto" latinLnBrk="0" hangingPunct="0">
@@ -183,19 +183,19 @@
       <a:buFontTx/>
       <a:buNone/>
       <a:tabLst/>
-      <a:defRPr kumimoji="0" sz="1400" b="0" i="0" u="none" strike="noStrike" cap="none" spc="0" normalizeH="0" baseline="0">
+      <a:defRPr b="0" baseline="0" cap="none" i="0" spc="0" strike="noStrike" sz="1400" u="none" kumimoji="0" normalizeH="0">
         <a:ln>
           <a:noFill/>
         </a:ln>
         <a:solidFill>
-          <a:srgbClr val="2A3990"/>
+          <a:srgbClr val="FFFFFF"/>
         </a:solidFill>
         <a:effectLst/>
         <a:uFillTx/>
-        <a:latin typeface="Arial"/>
-        <a:ea typeface="Arial"/>
-        <a:cs typeface="Arial"/>
-        <a:sym typeface="Arial"/>
+        <a:latin typeface="+mn-lt"/>
+        <a:ea typeface="+mn-ea"/>
+        <a:cs typeface="+mn-cs"/>
+        <a:sym typeface="Helvetica Neue"/>
       </a:defRPr>
     </a:lvl5pPr>
     <a:lvl6pPr marL="0" marR="0" indent="0" algn="l" defTabSz="914400" rtl="0" fontAlgn="auto" latinLnBrk="0" hangingPunct="0">
@@ -213,19 +213,19 @@
       <a:buFontTx/>
       <a:buNone/>
       <a:tabLst/>
-      <a:defRPr kumimoji="0" sz="1400" b="0" i="0" u="none" strike="noStrike" cap="none" spc="0" normalizeH="0" baseline="0">
+      <a:defRPr b="0" baseline="0" cap="none" i="0" spc="0" strike="noStrike" sz="1400" u="none" kumimoji="0" normalizeH="0">
         <a:ln>
           <a:noFill/>
         </a:ln>
         <a:solidFill>
-          <a:srgbClr val="2A3990"/>
+          <a:srgbClr val="FFFFFF"/>
         </a:solidFill>
         <a:effectLst/>
         <a:uFillTx/>
-        <a:latin typeface="Arial"/>
-        <a:ea typeface="Arial"/>
-        <a:cs typeface="Arial"/>
-        <a:sym typeface="Arial"/>
+        <a:latin typeface="+mn-lt"/>
+        <a:ea typeface="+mn-ea"/>
+        <a:cs typeface="+mn-cs"/>
+        <a:sym typeface="Helvetica Neue"/>
       </a:defRPr>
     </a:lvl6pPr>
     <a:lvl7pPr marL="0" marR="0" indent="0" algn="l" defTabSz="914400" rtl="0" fontAlgn="auto" latinLnBrk="0" hangingPunct="0">
@@ -243,19 +243,19 @@
       <a:buFontTx/>
       <a:buNone/>
       <a:tabLst/>
-      <a:defRPr kumimoji="0" sz="1400" b="0" i="0" u="none" strike="noStrike" cap="none" spc="0" normalizeH="0" baseline="0">
+      <a:defRPr b="0" baseline="0" cap="none" i="0" spc="0" strike="noStrike" sz="1400" u="none" kumimoji="0" normalizeH="0">
         <a:ln>
           <a:noFill/>
         </a:ln>
         <a:solidFill>
-          <a:srgbClr val="2A3990"/>
+          <a:srgbClr val="FFFFFF"/>
         </a:solidFill>
         <a:effectLst/>
         <a:uFillTx/>
-        <a:latin typeface="Arial"/>
-        <a:ea typeface="Arial"/>
-        <a:cs typeface="Arial"/>
-        <a:sym typeface="Arial"/>
+        <a:latin typeface="+mn-lt"/>
+        <a:ea typeface="+mn-ea"/>
+        <a:cs typeface="+mn-cs"/>
+        <a:sym typeface="Helvetica Neue"/>
       </a:defRPr>
     </a:lvl7pPr>
     <a:lvl8pPr marL="0" marR="0" indent="0" algn="l" defTabSz="914400" rtl="0" fontAlgn="auto" latinLnBrk="0" hangingPunct="0">
@@ -273,19 +273,19 @@
       <a:buFontTx/>
       <a:buNone/>
       <a:tabLst/>
-      <a:defRPr kumimoji="0" sz="1400" b="0" i="0" u="none" strike="noStrike" cap="none" spc="0" normalizeH="0" baseline="0">
+      <a:defRPr b="0" baseline="0" cap="none" i="0" spc="0" strike="noStrike" sz="1400" u="none" kumimoji="0" normalizeH="0">
         <a:ln>
           <a:noFill/>
         </a:ln>
         <a:solidFill>
-          <a:srgbClr val="2A3990"/>
+          <a:srgbClr val="FFFFFF"/>
         </a:solidFill>
         <a:effectLst/>
         <a:uFillTx/>
-        <a:latin typeface="Arial"/>
-        <a:ea typeface="Arial"/>
-        <a:cs typeface="Arial"/>
-        <a:sym typeface="Arial"/>
+        <a:latin typeface="+mn-lt"/>
+        <a:ea typeface="+mn-ea"/>
+        <a:cs typeface="+mn-cs"/>
+        <a:sym typeface="Helvetica Neue"/>
       </a:defRPr>
     </a:lvl8pPr>
     <a:lvl9pPr marL="0" marR="0" indent="0" algn="l" defTabSz="914400" rtl="0" fontAlgn="auto" latinLnBrk="0" hangingPunct="0">
@@ -303,33 +303,32 @@
       <a:buFontTx/>
       <a:buNone/>
       <a:tabLst/>
-      <a:defRPr kumimoji="0" sz="1400" b="0" i="0" u="none" strike="noStrike" cap="none" spc="0" normalizeH="0" baseline="0">
+      <a:defRPr b="0" baseline="0" cap="none" i="0" spc="0" strike="noStrike" sz="1400" u="none" kumimoji="0" normalizeH="0">
         <a:ln>
           <a:noFill/>
         </a:ln>
         <a:solidFill>
-          <a:srgbClr val="2A3990"/>
+          <a:srgbClr val="FFFFFF"/>
         </a:solidFill>
         <a:effectLst/>
         <a:uFillTx/>
-        <a:latin typeface="Arial"/>
-        <a:ea typeface="Arial"/>
-        <a:cs typeface="Arial"/>
-        <a:sym typeface="Arial"/>
+        <a:latin typeface="+mn-lt"/>
+        <a:ea typeface="+mn-ea"/>
+        <a:cs typeface="+mn-cs"/>
+        <a:sym typeface="Helvetica Neue"/>
       </a:defRPr>
     </a:lvl9pPr>
   </p:defaultTextStyle>
 </p:presentation>
 </file>
 
+<file path=ppt/commentAuthors.xml><?xml version="1.0" encoding="utf-8"?>
+<p:cmAuthorLst xmlns:a="http://schemas.openxmlformats.org/drawingml/2006/main" xmlns:r="http://schemas.openxmlformats.org/officeDocument/2006/relationships" xmlns:p="http://schemas.openxmlformats.org/presentationml/2006/main"/>
+</file>
+
 <file path=ppt/notesMasters/notesMaster1.xml><?xml version="1.0" encoding="utf-8"?>
 <p:notesMaster xmlns:a="http://schemas.openxmlformats.org/drawingml/2006/main" xmlns:r="http://schemas.openxmlformats.org/officeDocument/2006/relationships" xmlns:p="http://schemas.openxmlformats.org/presentationml/2006/main">
   <p:cSld>
-    <p:bg>
-      <p:bgRef idx="1001">
-        <a:schemeClr val="bg1"/>
-      </p:bgRef>
-    </p:bg>
     <p:spTree>
       <p:nvGrpSpPr>
         <p:cNvPr id="1" name=""/>
@@ -347,9 +346,7 @@
       <p:sp>
         <p:nvSpPr>
           <p:cNvPr id="137" name="Shape 137"/>
-          <p:cNvSpPr>
-            <a:spLocks noGrp="1" noRot="1" noChangeAspect="1"/>
-          </p:cNvSpPr>
+          <p:cNvSpPr/>
           <p:nvPr>
             <p:ph type="sldImg"/>
           </p:nvPr>
@@ -367,16 +364,14 @@
           <a:bodyPr/>
           <a:lstStyle/>
           <a:p>
-            <a:endParaRPr dirty="0"/>
+            <a:pPr/>
           </a:p>
         </p:txBody>
       </p:sp>
       <p:sp>
         <p:nvSpPr>
           <p:cNvPr id="138" name="Shape 138"/>
-          <p:cNvSpPr>
-            <a:spLocks noGrp="1"/>
-          </p:cNvSpPr>
+          <p:cNvSpPr/>
           <p:nvPr>
             <p:ph type="body" sz="quarter" idx="1"/>
           </p:nvPr>
@@ -394,16 +389,11 @@
           <a:bodyPr/>
           <a:lstStyle/>
           <a:p>
-            <a:endParaRPr/>
+            <a:pPr/>
           </a:p>
         </p:txBody>
       </p:sp>
     </p:spTree>
-    <p:extLst>
-      <p:ext uri="{BB962C8B-B14F-4D97-AF65-F5344CB8AC3E}">
-        <p14:creationId xmlns:p14="http://schemas.microsoft.com/office/powerpoint/2010/main" val="2976944477"/>
-      </p:ext>
-    </p:extLst>
   </p:cSld>
   <p:clrMap bg1="lt1" tx1="dk1" bg2="lt2" tx2="dk2" accent1="accent1" accent2="accent2" accent3="accent3" accent4="accent4" accent5="accent5" accent6="accent6" hlink="hlink" folHlink="folHlink"/>
   <p:notesStyle>
@@ -484,7 +474,7 @@
 </file>
 
 <file path=ppt/notesSlides/notesSlide1.xml><?xml version="1.0" encoding="utf-8"?>
-<p:notes xmlns:a="http://schemas.openxmlformats.org/drawingml/2006/main" xmlns:r="http://schemas.openxmlformats.org/officeDocument/2006/relationships" xmlns:p="http://schemas.openxmlformats.org/presentationml/2006/main">
+<p:notes xmlns:a="http://schemas.openxmlformats.org/drawingml/2006/main" xmlns:r="http://schemas.openxmlformats.org/officeDocument/2006/relationships" xmlns:p="http://schemas.openxmlformats.org/presentationml/2006/main" showMasterSp="1" showMasterPhAnim="1">
   <p:cSld>
     <p:spTree>
       <p:nvGrpSpPr>
@@ -502,50 +492,50 @@
       </p:grpSpPr>
       <p:sp>
         <p:nvSpPr>
-          <p:cNvPr id="2" name="Slide Image Placeholder 1"/>
-          <p:cNvSpPr>
-            <a:spLocks noGrp="1" noRot="1" noChangeAspect="1"/>
-          </p:cNvSpPr>
+          <p:cNvPr id="145" name="Shape 145"/>
+          <p:cNvSpPr/>
           <p:nvPr>
             <p:ph type="sldImg"/>
           </p:nvPr>
         </p:nvSpPr>
         <p:spPr>
-          <a:xfrm>
-            <a:off x="381000" y="685800"/>
-            <a:ext cx="6096000" cy="3429000"/>
-          </a:xfrm>
+          <a:prstGeom prst="rect">
+            <a:avLst/>
+          </a:prstGeom>
         </p:spPr>
+        <p:txBody>
+          <a:bodyPr/>
+          <a:lstStyle/>
+          <a:p>
+            <a:pPr/>
+          </a:p>
+        </p:txBody>
       </p:sp>
       <p:sp>
         <p:nvSpPr>
-          <p:cNvPr id="3" name="Notes Placeholder 2"/>
-          <p:cNvSpPr>
-            <a:spLocks noGrp="1"/>
-          </p:cNvSpPr>
+          <p:cNvPr id="146" name="Shape 146"/>
+          <p:cNvSpPr/>
           <p:nvPr>
-            <p:ph type="body" idx="1"/>
+            <p:ph type="body" sz="quarter" idx="1"/>
           </p:nvPr>
         </p:nvSpPr>
-        <p:spPr/>
+        <p:spPr>
+          <a:prstGeom prst="rect">
+            <a:avLst/>
+          </a:prstGeom>
+        </p:spPr>
         <p:txBody>
           <a:bodyPr/>
           <a:lstStyle/>
           <a:p>
-            <a:r>
-              <a:rPr lang="en-CA" dirty="0" smtClean="0"/>
+            <a:pPr/>
+            <a:r>
               <a:t>Thiago</a:t>
             </a:r>
-            <a:endParaRPr lang="en-CA" dirty="0"/>
           </a:p>
         </p:txBody>
       </p:sp>
     </p:spTree>
-    <p:extLst>
-      <p:ext uri="{BB962C8B-B14F-4D97-AF65-F5344CB8AC3E}">
-        <p14:creationId xmlns:p14="http://schemas.microsoft.com/office/powerpoint/2010/main" val="3841347126"/>
-      </p:ext>
-    </p:extLst>
   </p:cSld>
   <p:clrMapOvr>
     <a:masterClrMapping/>
@@ -554,7 +544,7 @@
 </file>
 
 <file path=ppt/notesSlides/notesSlide2.xml><?xml version="1.0" encoding="utf-8"?>
-<p:notes xmlns:a="http://schemas.openxmlformats.org/drawingml/2006/main" xmlns:r="http://schemas.openxmlformats.org/officeDocument/2006/relationships" xmlns:p="http://schemas.openxmlformats.org/presentationml/2006/main">
+<p:notes xmlns:a="http://schemas.openxmlformats.org/drawingml/2006/main" xmlns:r="http://schemas.openxmlformats.org/officeDocument/2006/relationships" xmlns:p="http://schemas.openxmlformats.org/presentationml/2006/main" showMasterSp="1" showMasterPhAnim="1">
   <p:cSld>
     <p:spTree>
       <p:nvGrpSpPr>
@@ -572,50 +562,50 @@
       </p:grpSpPr>
       <p:sp>
         <p:nvSpPr>
-          <p:cNvPr id="2" name="Slide Image Placeholder 1"/>
-          <p:cNvSpPr>
-            <a:spLocks noGrp="1" noRot="1" noChangeAspect="1"/>
-          </p:cNvSpPr>
+          <p:cNvPr id="176" name="Shape 176"/>
+          <p:cNvSpPr/>
           <p:nvPr>
             <p:ph type="sldImg"/>
           </p:nvPr>
         </p:nvSpPr>
         <p:spPr>
-          <a:xfrm>
-            <a:off x="381000" y="685800"/>
-            <a:ext cx="6096000" cy="3429000"/>
-          </a:xfrm>
+          <a:prstGeom prst="rect">
+            <a:avLst/>
+          </a:prstGeom>
         </p:spPr>
+        <p:txBody>
+          <a:bodyPr/>
+          <a:lstStyle/>
+          <a:p>
+            <a:pPr/>
+          </a:p>
+        </p:txBody>
       </p:sp>
       <p:sp>
         <p:nvSpPr>
-          <p:cNvPr id="3" name="Notes Placeholder 2"/>
-          <p:cNvSpPr>
-            <a:spLocks noGrp="1"/>
-          </p:cNvSpPr>
+          <p:cNvPr id="177" name="Shape 177"/>
+          <p:cNvSpPr/>
           <p:nvPr>
-            <p:ph type="body" idx="1"/>
+            <p:ph type="body" sz="quarter" idx="1"/>
           </p:nvPr>
         </p:nvSpPr>
-        <p:spPr/>
+        <p:spPr>
+          <a:prstGeom prst="rect">
+            <a:avLst/>
+          </a:prstGeom>
+        </p:spPr>
         <p:txBody>
           <a:bodyPr/>
           <a:lstStyle/>
           <a:p>
-            <a:r>
-              <a:rPr lang="en-CA" dirty="0" err="1" smtClean="0"/>
+            <a:pPr/>
+            <a:r>
               <a:t>Vincnet</a:t>
             </a:r>
-            <a:endParaRPr lang="en-CA" dirty="0"/>
           </a:p>
         </p:txBody>
       </p:sp>
     </p:spTree>
-    <p:extLst>
-      <p:ext uri="{BB962C8B-B14F-4D97-AF65-F5344CB8AC3E}">
-        <p14:creationId xmlns:p14="http://schemas.microsoft.com/office/powerpoint/2010/main" val="2670921952"/>
-      </p:ext>
-    </p:extLst>
   </p:cSld>
   <p:clrMapOvr>
     <a:masterClrMapping/>
@@ -624,7 +614,7 @@
 </file>
 
 <file path=ppt/notesSlides/notesSlide3.xml><?xml version="1.0" encoding="utf-8"?>
-<p:notes xmlns:a="http://schemas.openxmlformats.org/drawingml/2006/main" xmlns:r="http://schemas.openxmlformats.org/officeDocument/2006/relationships" xmlns:p="http://schemas.openxmlformats.org/presentationml/2006/main">
+<p:notes xmlns:a="http://schemas.openxmlformats.org/drawingml/2006/main" xmlns:r="http://schemas.openxmlformats.org/officeDocument/2006/relationships" xmlns:p="http://schemas.openxmlformats.org/presentationml/2006/main" showMasterSp="1" showMasterPhAnim="1">
   <p:cSld>
     <p:spTree>
       <p:nvGrpSpPr>
@@ -642,50 +632,50 @@
       </p:grpSpPr>
       <p:sp>
         <p:nvSpPr>
-          <p:cNvPr id="2" name="Slide Image Placeholder 1"/>
-          <p:cNvSpPr>
-            <a:spLocks noGrp="1" noRot="1" noChangeAspect="1"/>
-          </p:cNvSpPr>
+          <p:cNvPr id="192" name="Shape 192"/>
+          <p:cNvSpPr/>
           <p:nvPr>
             <p:ph type="sldImg"/>
           </p:nvPr>
         </p:nvSpPr>
         <p:spPr>
-          <a:xfrm>
-            <a:off x="381000" y="685800"/>
-            <a:ext cx="6096000" cy="3429000"/>
-          </a:xfrm>
+          <a:prstGeom prst="rect">
+            <a:avLst/>
+          </a:prstGeom>
         </p:spPr>
+        <p:txBody>
+          <a:bodyPr/>
+          <a:lstStyle/>
+          <a:p>
+            <a:pPr/>
+          </a:p>
+        </p:txBody>
       </p:sp>
       <p:sp>
         <p:nvSpPr>
-          <p:cNvPr id="3" name="Notes Placeholder 2"/>
-          <p:cNvSpPr>
-            <a:spLocks noGrp="1"/>
-          </p:cNvSpPr>
+          <p:cNvPr id="193" name="Shape 193"/>
+          <p:cNvSpPr/>
           <p:nvPr>
-            <p:ph type="body" idx="1"/>
+            <p:ph type="body" sz="quarter" idx="1"/>
           </p:nvPr>
         </p:nvSpPr>
-        <p:spPr/>
+        <p:spPr>
+          <a:prstGeom prst="rect">
+            <a:avLst/>
+          </a:prstGeom>
+        </p:spPr>
         <p:txBody>
           <a:bodyPr/>
           <a:lstStyle/>
           <a:p>
-            <a:r>
-              <a:rPr lang="en-CA" smtClean="0"/>
+            <a:pPr/>
+            <a:r>
               <a:t>Joe</a:t>
             </a:r>
-            <a:endParaRPr lang="en-CA"/>
           </a:p>
         </p:txBody>
       </p:sp>
     </p:spTree>
-    <p:extLst>
-      <p:ext uri="{BB962C8B-B14F-4D97-AF65-F5344CB8AC3E}">
-        <p14:creationId xmlns:p14="http://schemas.microsoft.com/office/powerpoint/2010/main" val="1034945463"/>
-      </p:ext>
-    </p:extLst>
   </p:cSld>
   <p:clrMapOvr>
     <a:masterClrMapping/>
@@ -694,7 +684,7 @@
 </file>
 
 <file path=ppt/notesSlides/notesSlide4.xml><?xml version="1.0" encoding="utf-8"?>
-<p:notes xmlns:a="http://schemas.openxmlformats.org/drawingml/2006/main" xmlns:r="http://schemas.openxmlformats.org/officeDocument/2006/relationships" xmlns:p="http://schemas.openxmlformats.org/presentationml/2006/main">
+<p:notes xmlns:a="http://schemas.openxmlformats.org/drawingml/2006/main" xmlns:r="http://schemas.openxmlformats.org/officeDocument/2006/relationships" xmlns:p="http://schemas.openxmlformats.org/presentationml/2006/main" showMasterSp="1" showMasterPhAnim="1">
   <p:cSld>
     <p:spTree>
       <p:nvGrpSpPr>
@@ -712,50 +702,50 @@
       </p:grpSpPr>
       <p:sp>
         <p:nvSpPr>
-          <p:cNvPr id="2" name="Slide Image Placeholder 1"/>
-          <p:cNvSpPr>
-            <a:spLocks noGrp="1" noRot="1" noChangeAspect="1"/>
-          </p:cNvSpPr>
+          <p:cNvPr id="204" name="Shape 204"/>
+          <p:cNvSpPr/>
           <p:nvPr>
             <p:ph type="sldImg"/>
           </p:nvPr>
         </p:nvSpPr>
         <p:spPr>
-          <a:xfrm>
-            <a:off x="381000" y="685800"/>
-            <a:ext cx="6096000" cy="3429000"/>
-          </a:xfrm>
+          <a:prstGeom prst="rect">
+            <a:avLst/>
+          </a:prstGeom>
         </p:spPr>
+        <p:txBody>
+          <a:bodyPr/>
+          <a:lstStyle/>
+          <a:p>
+            <a:pPr/>
+          </a:p>
+        </p:txBody>
       </p:sp>
       <p:sp>
         <p:nvSpPr>
-          <p:cNvPr id="3" name="Notes Placeholder 2"/>
-          <p:cNvSpPr>
-            <a:spLocks noGrp="1"/>
-          </p:cNvSpPr>
+          <p:cNvPr id="205" name="Shape 205"/>
+          <p:cNvSpPr/>
           <p:nvPr>
-            <p:ph type="body" idx="1"/>
+            <p:ph type="body" sz="quarter" idx="1"/>
           </p:nvPr>
         </p:nvSpPr>
-        <p:spPr/>
+        <p:spPr>
+          <a:prstGeom prst="rect">
+            <a:avLst/>
+          </a:prstGeom>
+        </p:spPr>
         <p:txBody>
           <a:bodyPr/>
           <a:lstStyle/>
           <a:p>
-            <a:r>
-              <a:rPr lang="en-CA" dirty="0" err="1" smtClean="0"/>
+            <a:pPr/>
+            <a:r>
               <a:t>Shuaihao</a:t>
             </a:r>
-            <a:endParaRPr lang="en-CA" dirty="0"/>
           </a:p>
         </p:txBody>
       </p:sp>
     </p:spTree>
-    <p:extLst>
-      <p:ext uri="{BB962C8B-B14F-4D97-AF65-F5344CB8AC3E}">
-        <p14:creationId xmlns:p14="http://schemas.microsoft.com/office/powerpoint/2010/main" val="1653428545"/>
-      </p:ext>
-    </p:extLst>
   </p:cSld>
   <p:clrMapOvr>
     <a:masterClrMapping/>
@@ -764,14 +754,13 @@
 </file>
 
 <file path=ppt/slideLayouts/slideLayout1.xml><?xml version="1.0" encoding="utf-8"?>
-<p:sldLayout xmlns:a="http://schemas.openxmlformats.org/drawingml/2006/main" xmlns:r="http://schemas.openxmlformats.org/officeDocument/2006/relationships" xmlns:p="http://schemas.openxmlformats.org/presentationml/2006/main" showMasterSp="0" type="title">
+<p:sldLayout xmlns:a="http://schemas.openxmlformats.org/drawingml/2006/main" xmlns:r="http://schemas.openxmlformats.org/officeDocument/2006/relationships" xmlns:p="http://schemas.openxmlformats.org/presentationml/2006/main" type="title" showMasterSp="0" showMasterPhAnim="1">
   <p:cSld name="Title slide">
     <p:bg>
       <p:bgPr>
         <a:solidFill>
           <a:srgbClr val="2A3990"/>
         </a:solidFill>
-        <a:effectLst/>
       </p:bgPr>
     </p:bg>
     <p:spTree>
@@ -796,10 +785,10 @@
         </p:nvGrpSpPr>
         <p:grpSpPr>
           <a:xfrm>
-            <a:off x="6098375" y="0"/>
-            <a:ext cx="3045631" cy="2030580"/>
+            <a:off x="6098375" y="-1"/>
+            <a:ext cx="3045632" cy="2030583"/>
             <a:chOff x="0" y="0"/>
-            <a:chExt cx="3045630" cy="2030579"/>
+            <a:chExt cx="3045631" cy="2030581"/>
           </a:xfrm>
         </p:grpSpPr>
         <p:sp>
@@ -810,8 +799,8 @@
           </p:nvSpPr>
           <p:spPr>
             <a:xfrm>
-              <a:off x="2030427" y="10"/>
-              <a:ext cx="1015204" cy="1015208"/>
+              <a:off x="2030427" y="9"/>
+              <a:ext cx="1015205" cy="1015209"/>
             </a:xfrm>
             <a:prstGeom prst="rect">
               <a:avLst/>
@@ -826,20 +815,18 @@
             <a:effectLst/>
           </p:spPr>
           <p:txBody>
-            <a:bodyPr wrap="square" lIns="45719" tIns="45719" rIns="45719" bIns="45719" numCol="1" anchor="ctr">
+            <a:bodyPr wrap="square" lIns="45718" tIns="45718" rIns="45718" bIns="45718" numCol="1" anchor="ctr">
               <a:noAutofit/>
             </a:bodyPr>
             <a:lstStyle/>
             <a:p>
               <a:pPr>
                 <a:defRPr>
-                  <a:latin typeface="+mn-lt"/>
-                  <a:ea typeface="+mn-ea"/>
-                  <a:cs typeface="+mn-cs"/>
-                  <a:sym typeface="Helvetica Neue"/>
+                  <a:solidFill>
+                    <a:srgbClr val="2A3990"/>
+                  </a:solidFill>
                 </a:defRPr>
               </a:pPr>
-              <a:endParaRPr dirty="0"/>
             </a:p>
           </p:txBody>
         </p:sp>
@@ -851,8 +838,8 @@
           </p:nvSpPr>
           <p:spPr>
             <a:xfrm flipH="1">
-              <a:off x="1015086" y="0"/>
-              <a:ext cx="1015206" cy="1015209"/>
+              <a:off x="1015086" y="-1"/>
+              <a:ext cx="1015207" cy="1015211"/>
             </a:xfrm>
             <a:custGeom>
               <a:avLst/>
@@ -874,7 +861,7 @@
               </a:cxnLst>
               <a:rect l="0" t="0" r="r" b="b"/>
               <a:pathLst>
-                <a:path w="21600" h="21600" extrusionOk="0">
+                <a:path w="21600" h="21600" fill="norm" stroke="1" extrusionOk="0">
                   <a:moveTo>
                     <a:pt x="0" y="21600"/>
                   </a:moveTo>
@@ -898,20 +885,18 @@
             <a:effectLst/>
           </p:spPr>
           <p:txBody>
-            <a:bodyPr wrap="square" lIns="45719" tIns="45719" rIns="45719" bIns="45719" numCol="1" anchor="ctr">
+            <a:bodyPr wrap="square" lIns="45718" tIns="45718" rIns="45718" bIns="45718" numCol="1" anchor="ctr">
               <a:noAutofit/>
             </a:bodyPr>
             <a:lstStyle/>
             <a:p>
               <a:pPr>
                 <a:defRPr>
-                  <a:latin typeface="+mn-lt"/>
-                  <a:ea typeface="+mn-ea"/>
-                  <a:cs typeface="+mn-cs"/>
-                  <a:sym typeface="Helvetica Neue"/>
+                  <a:solidFill>
+                    <a:srgbClr val="2A3990"/>
+                  </a:solidFill>
                 </a:defRPr>
               </a:pPr>
-              <a:endParaRPr dirty="0"/>
             </a:p>
           </p:txBody>
         </p:sp>
@@ -922,9 +907,9 @@
             <p:nvPr/>
           </p:nvSpPr>
           <p:spPr>
-            <a:xfrm rot="10800000" flipH="1">
+            <a:xfrm flipH="1" rot="10800000">
               <a:off x="1015211" y="104"/>
-              <a:ext cx="1015205" cy="1015206"/>
+              <a:ext cx="1015206" cy="1015207"/>
             </a:xfrm>
             <a:custGeom>
               <a:avLst/>
@@ -946,7 +931,7 @@
               </a:cxnLst>
               <a:rect l="0" t="0" r="r" b="b"/>
               <a:pathLst>
-                <a:path w="21600" h="21600" extrusionOk="0">
+                <a:path w="21600" h="21600" fill="norm" stroke="1" extrusionOk="0">
                   <a:moveTo>
                     <a:pt x="0" y="21600"/>
                   </a:moveTo>
@@ -970,20 +955,18 @@
             <a:effectLst/>
           </p:spPr>
           <p:txBody>
-            <a:bodyPr wrap="square" lIns="45719" tIns="45719" rIns="45719" bIns="45719" numCol="1" anchor="ctr">
+            <a:bodyPr wrap="square" lIns="45718" tIns="45718" rIns="45718" bIns="45718" numCol="1" anchor="ctr">
               <a:noAutofit/>
             </a:bodyPr>
             <a:lstStyle/>
             <a:p>
               <a:pPr>
                 <a:defRPr>
-                  <a:latin typeface="+mn-lt"/>
-                  <a:ea typeface="+mn-ea"/>
-                  <a:cs typeface="+mn-cs"/>
-                  <a:sym typeface="Helvetica Neue"/>
+                  <a:solidFill>
+                    <a:srgbClr val="2A3990"/>
+                  </a:solidFill>
                 </a:defRPr>
               </a:pPr>
-              <a:endParaRPr dirty="0"/>
             </a:p>
           </p:txBody>
         </p:sp>
@@ -996,7 +979,7 @@
           <p:spPr>
             <a:xfrm rot="10800000">
               <a:off x="0" y="94"/>
-              <a:ext cx="1015206" cy="1015206"/>
+              <a:ext cx="1015207" cy="1015207"/>
             </a:xfrm>
             <a:custGeom>
               <a:avLst/>
@@ -1018,7 +1001,7 @@
               </a:cxnLst>
               <a:rect l="0" t="0" r="r" b="b"/>
               <a:pathLst>
-                <a:path w="21600" h="21600" extrusionOk="0">
+                <a:path w="21600" h="21600" fill="norm" stroke="1" extrusionOk="0">
                   <a:moveTo>
                     <a:pt x="0" y="21600"/>
                   </a:moveTo>
@@ -1042,20 +1025,18 @@
             <a:effectLst/>
           </p:spPr>
           <p:txBody>
-            <a:bodyPr wrap="square" lIns="45719" tIns="45719" rIns="45719" bIns="45719" numCol="1" anchor="ctr">
+            <a:bodyPr wrap="square" lIns="45718" tIns="45718" rIns="45718" bIns="45718" numCol="1" anchor="ctr">
               <a:noAutofit/>
             </a:bodyPr>
             <a:lstStyle/>
             <a:p>
               <a:pPr>
                 <a:defRPr>
-                  <a:latin typeface="+mn-lt"/>
-                  <a:ea typeface="+mn-ea"/>
-                  <a:cs typeface="+mn-cs"/>
-                  <a:sym typeface="Helvetica Neue"/>
+                  <a:solidFill>
+                    <a:srgbClr val="2A3990"/>
+                  </a:solidFill>
                 </a:defRPr>
               </a:pPr>
-              <a:endParaRPr dirty="0"/>
             </a:p>
           </p:txBody>
         </p:sp>
@@ -1068,7 +1049,7 @@
           <p:spPr>
             <a:xfrm rot="10800000">
               <a:off x="2030413" y="1015373"/>
-              <a:ext cx="1015207" cy="1015207"/>
+              <a:ext cx="1015208" cy="1015208"/>
             </a:xfrm>
             <a:custGeom>
               <a:avLst/>
@@ -1090,7 +1071,7 @@
               </a:cxnLst>
               <a:rect l="0" t="0" r="r" b="b"/>
               <a:pathLst>
-                <a:path w="21600" h="21600" extrusionOk="0">
+                <a:path w="21600" h="21600" fill="norm" stroke="1" extrusionOk="0">
                   <a:moveTo>
                     <a:pt x="0" y="21600"/>
                   </a:moveTo>
@@ -1114,20 +1095,18 @@
             <a:effectLst/>
           </p:spPr>
           <p:txBody>
-            <a:bodyPr wrap="square" lIns="45719" tIns="45719" rIns="45719" bIns="45719" numCol="1" anchor="ctr">
+            <a:bodyPr wrap="square" lIns="45718" tIns="45718" rIns="45718" bIns="45718" numCol="1" anchor="ctr">
               <a:noAutofit/>
             </a:bodyPr>
             <a:lstStyle/>
             <a:p>
               <a:pPr>
                 <a:defRPr>
-                  <a:latin typeface="+mn-lt"/>
-                  <a:ea typeface="+mn-ea"/>
-                  <a:cs typeface="+mn-cs"/>
-                  <a:sym typeface="Helvetica Neue"/>
+                  <a:solidFill>
+                    <a:srgbClr val="2A3990"/>
+                  </a:solidFill>
                 </a:defRPr>
               </a:pPr>
-              <a:endParaRPr dirty="0"/>
             </a:p>
           </p:txBody>
         </p:sp>
@@ -1135,9 +1114,7 @@
       <p:sp>
         <p:nvSpPr>
           <p:cNvPr id="23" name="Title Text"/>
-          <p:cNvSpPr txBox="1">
-            <a:spLocks noGrp="1"/>
-          </p:cNvSpPr>
+          <p:cNvSpPr txBox="1"/>
           <p:nvPr>
             <p:ph type="title"/>
           </p:nvPr>
@@ -1145,7 +1122,7 @@
         <p:spPr>
           <a:xfrm>
             <a:off x="598100" y="1775222"/>
-            <a:ext cx="8222100" cy="838804"/>
+            <a:ext cx="8222100" cy="838805"/>
           </a:xfrm>
           <a:prstGeom prst="rect">
             <a:avLst/>
@@ -1163,6 +1140,7 @@
             </a:lvl1pPr>
           </a:lstStyle>
           <a:p>
+            <a:pPr/>
             <a:r>
               <a:t>Title Text</a:t>
             </a:r>
@@ -1172,9 +1150,7 @@
       <p:sp>
         <p:nvSpPr>
           <p:cNvPr id="24" name="Body Level One…"/>
-          <p:cNvSpPr txBox="1">
-            <a:spLocks noGrp="1"/>
-          </p:cNvSpPr>
+          <p:cNvSpPr txBox="1"/>
           <p:nvPr>
             <p:ph type="body" sz="quarter" idx="1"/>
           </p:nvPr>
@@ -1182,7 +1158,7 @@
         <p:spPr>
           <a:xfrm>
             <a:off x="598088" y="2715909"/>
-            <a:ext cx="8222100" cy="432904"/>
+            <a:ext cx="8222100" cy="432905"/>
           </a:xfrm>
           <a:prstGeom prst="rect">
             <a:avLst/>
@@ -1191,7 +1167,7 @@
         <p:txBody>
           <a:bodyPr/>
           <a:lstStyle>
-            <a:lvl1pPr marL="228600" indent="0">
+            <a:lvl1pPr marL="0" indent="228600">
               <a:lnSpc>
                 <a:spcPct val="100000"/>
               </a:lnSpc>
@@ -1205,7 +1181,7 @@
                 </a:solidFill>
               </a:defRPr>
             </a:lvl1pPr>
-            <a:lvl2pPr marL="228600" indent="457200">
+            <a:lvl2pPr marL="0" indent="228600">
               <a:lnSpc>
                 <a:spcPct val="100000"/>
               </a:lnSpc>
@@ -1219,7 +1195,7 @@
                 </a:solidFill>
               </a:defRPr>
             </a:lvl2pPr>
-            <a:lvl3pPr marL="228600" indent="914400">
+            <a:lvl3pPr marL="0" indent="228600">
               <a:lnSpc>
                 <a:spcPct val="100000"/>
               </a:lnSpc>
@@ -1233,7 +1209,7 @@
                 </a:solidFill>
               </a:defRPr>
             </a:lvl3pPr>
-            <a:lvl4pPr marL="228600" indent="1371600">
+            <a:lvl4pPr marL="0" indent="228600">
               <a:lnSpc>
                 <a:spcPct val="100000"/>
               </a:lnSpc>
@@ -1247,7 +1223,7 @@
                 </a:solidFill>
               </a:defRPr>
             </a:lvl4pPr>
-            <a:lvl5pPr marL="228600" indent="1828800">
+            <a:lvl5pPr marL="0" indent="228600">
               <a:lnSpc>
                 <a:spcPct val="100000"/>
               </a:lnSpc>
@@ -1263,6 +1239,7 @@
             </a:lvl5pPr>
           </a:lstStyle>
           <a:p>
+            <a:pPr/>
             <a:r>
               <a:t>Body Level One</a:t>
             </a:r>
@@ -1296,9 +1273,7 @@
       <p:sp>
         <p:nvSpPr>
           <p:cNvPr id="25" name="Slide Number"/>
-          <p:cNvSpPr txBox="1">
-            <a:spLocks noGrp="1"/>
-          </p:cNvSpPr>
+          <p:cNvSpPr txBox="1"/>
           <p:nvPr>
             <p:ph type="sldNum" sz="quarter" idx="2"/>
           </p:nvPr>
@@ -1312,10 +1287,8 @@
           <a:bodyPr/>
           <a:lstStyle/>
           <a:p>
-            <a:fld id="{86CB4B4D-7CA3-9044-876B-883B54F8677D}" type="slidenum">
-              <a:t>‹#›</a:t>
-            </a:fld>
-            <a:endParaRPr dirty="0"/>
+            <a:pPr/>
+            <a:fld id="{86CB4B4D-7CA3-9044-876B-883B54F8677D}" type="slidenum"/>
           </a:p>
         </p:txBody>
       </p:sp>
@@ -1324,19 +1297,18 @@
   <p:clrMapOvr>
     <a:masterClrMapping/>
   </p:clrMapOvr>
-  <p:transition spd="med"/>
+  <p:transition xmlns:p14="http://schemas.microsoft.com/office/powerpoint/2010/main" spd="med" advClick="1"/>
 </p:sldLayout>
 </file>
 
 <file path=ppt/slideLayouts/slideLayout10.xml><?xml version="1.0" encoding="utf-8"?>
-<p:sldLayout xmlns:a="http://schemas.openxmlformats.org/drawingml/2006/main" xmlns:r="http://schemas.openxmlformats.org/officeDocument/2006/relationships" xmlns:p="http://schemas.openxmlformats.org/presentationml/2006/main" showMasterSp="0" type="tx">
+<p:sldLayout xmlns:a="http://schemas.openxmlformats.org/drawingml/2006/main" xmlns:r="http://schemas.openxmlformats.org/officeDocument/2006/relationships" xmlns:p="http://schemas.openxmlformats.org/presentationml/2006/main" type="tx" showMasterSp="0" showMasterPhAnim="1">
   <p:cSld name="Big number">
     <p:bg>
       <p:bgPr>
         <a:solidFill>
           <a:srgbClr val="2A3990"/>
         </a:solidFill>
-        <a:effectLst/>
       </p:bgPr>
     </p:bg>
     <p:spTree>
@@ -1361,10 +1333,10 @@
         </p:nvGrpSpPr>
         <p:grpSpPr>
           <a:xfrm>
-            <a:off x="6098375" y="0"/>
-            <a:ext cx="3045631" cy="2030580"/>
+            <a:off x="6098375" y="-1"/>
+            <a:ext cx="3045632" cy="2030583"/>
             <a:chOff x="0" y="0"/>
-            <a:chExt cx="3045630" cy="2030579"/>
+            <a:chExt cx="3045631" cy="2030581"/>
           </a:xfrm>
         </p:grpSpPr>
         <p:sp>
@@ -1375,8 +1347,8 @@
           </p:nvSpPr>
           <p:spPr>
             <a:xfrm>
-              <a:off x="2030427" y="10"/>
-              <a:ext cx="1015204" cy="1015208"/>
+              <a:off x="2030427" y="9"/>
+              <a:ext cx="1015205" cy="1015209"/>
             </a:xfrm>
             <a:prstGeom prst="rect">
               <a:avLst/>
@@ -1391,20 +1363,18 @@
             <a:effectLst/>
           </p:spPr>
           <p:txBody>
-            <a:bodyPr wrap="square" lIns="45719" tIns="45719" rIns="45719" bIns="45719" numCol="1" anchor="ctr">
+            <a:bodyPr wrap="square" lIns="45718" tIns="45718" rIns="45718" bIns="45718" numCol="1" anchor="ctr">
               <a:noAutofit/>
             </a:bodyPr>
             <a:lstStyle/>
             <a:p>
               <a:pPr>
                 <a:defRPr>
-                  <a:latin typeface="+mn-lt"/>
-                  <a:ea typeface="+mn-ea"/>
-                  <a:cs typeface="+mn-cs"/>
-                  <a:sym typeface="Helvetica Neue"/>
+                  <a:solidFill>
+                    <a:srgbClr val="2A3990"/>
+                  </a:solidFill>
                 </a:defRPr>
               </a:pPr>
-              <a:endParaRPr dirty="0"/>
             </a:p>
           </p:txBody>
         </p:sp>
@@ -1416,8 +1386,8 @@
           </p:nvSpPr>
           <p:spPr>
             <a:xfrm flipH="1">
-              <a:off x="1015086" y="0"/>
-              <a:ext cx="1015206" cy="1015209"/>
+              <a:off x="1015086" y="-1"/>
+              <a:ext cx="1015207" cy="1015211"/>
             </a:xfrm>
             <a:custGeom>
               <a:avLst/>
@@ -1439,7 +1409,7 @@
               </a:cxnLst>
               <a:rect l="0" t="0" r="r" b="b"/>
               <a:pathLst>
-                <a:path w="21600" h="21600" extrusionOk="0">
+                <a:path w="21600" h="21600" fill="norm" stroke="1" extrusionOk="0">
                   <a:moveTo>
                     <a:pt x="0" y="21600"/>
                   </a:moveTo>
@@ -1463,20 +1433,18 @@
             <a:effectLst/>
           </p:spPr>
           <p:txBody>
-            <a:bodyPr wrap="square" lIns="45719" tIns="45719" rIns="45719" bIns="45719" numCol="1" anchor="ctr">
+            <a:bodyPr wrap="square" lIns="45718" tIns="45718" rIns="45718" bIns="45718" numCol="1" anchor="ctr">
               <a:noAutofit/>
             </a:bodyPr>
             <a:lstStyle/>
             <a:p>
               <a:pPr>
                 <a:defRPr>
-                  <a:latin typeface="+mn-lt"/>
-                  <a:ea typeface="+mn-ea"/>
-                  <a:cs typeface="+mn-cs"/>
-                  <a:sym typeface="Helvetica Neue"/>
+                  <a:solidFill>
+                    <a:srgbClr val="2A3990"/>
+                  </a:solidFill>
                 </a:defRPr>
               </a:pPr>
-              <a:endParaRPr dirty="0"/>
             </a:p>
           </p:txBody>
         </p:sp>
@@ -1487,9 +1455,9 @@
             <p:nvPr/>
           </p:nvSpPr>
           <p:spPr>
-            <a:xfrm rot="10800000" flipH="1">
+            <a:xfrm flipH="1" rot="10800000">
               <a:off x="1015211" y="104"/>
-              <a:ext cx="1015205" cy="1015206"/>
+              <a:ext cx="1015206" cy="1015207"/>
             </a:xfrm>
             <a:custGeom>
               <a:avLst/>
@@ -1511,7 +1479,7 @@
               </a:cxnLst>
               <a:rect l="0" t="0" r="r" b="b"/>
               <a:pathLst>
-                <a:path w="21600" h="21600" extrusionOk="0">
+                <a:path w="21600" h="21600" fill="norm" stroke="1" extrusionOk="0">
                   <a:moveTo>
                     <a:pt x="0" y="21600"/>
                   </a:moveTo>
@@ -1535,20 +1503,18 @@
             <a:effectLst/>
           </p:spPr>
           <p:txBody>
-            <a:bodyPr wrap="square" lIns="45719" tIns="45719" rIns="45719" bIns="45719" numCol="1" anchor="ctr">
+            <a:bodyPr wrap="square" lIns="45718" tIns="45718" rIns="45718" bIns="45718" numCol="1" anchor="ctr">
               <a:noAutofit/>
             </a:bodyPr>
             <a:lstStyle/>
             <a:p>
               <a:pPr>
                 <a:defRPr>
-                  <a:latin typeface="+mn-lt"/>
-                  <a:ea typeface="+mn-ea"/>
-                  <a:cs typeface="+mn-cs"/>
-                  <a:sym typeface="Helvetica Neue"/>
+                  <a:solidFill>
+                    <a:srgbClr val="2A3990"/>
+                  </a:solidFill>
                 </a:defRPr>
               </a:pPr>
-              <a:endParaRPr dirty="0"/>
             </a:p>
           </p:txBody>
         </p:sp>
@@ -1561,7 +1527,7 @@
           <p:spPr>
             <a:xfrm rot="10800000">
               <a:off x="0" y="94"/>
-              <a:ext cx="1015206" cy="1015206"/>
+              <a:ext cx="1015207" cy="1015207"/>
             </a:xfrm>
             <a:custGeom>
               <a:avLst/>
@@ -1583,7 +1549,7 @@
               </a:cxnLst>
               <a:rect l="0" t="0" r="r" b="b"/>
               <a:pathLst>
-                <a:path w="21600" h="21600" extrusionOk="0">
+                <a:path w="21600" h="21600" fill="norm" stroke="1" extrusionOk="0">
                   <a:moveTo>
                     <a:pt x="0" y="21600"/>
                   </a:moveTo>
@@ -1607,20 +1573,18 @@
             <a:effectLst/>
           </p:spPr>
           <p:txBody>
-            <a:bodyPr wrap="square" lIns="45719" tIns="45719" rIns="45719" bIns="45719" numCol="1" anchor="ctr">
+            <a:bodyPr wrap="square" lIns="45718" tIns="45718" rIns="45718" bIns="45718" numCol="1" anchor="ctr">
               <a:noAutofit/>
             </a:bodyPr>
             <a:lstStyle/>
             <a:p>
               <a:pPr>
                 <a:defRPr>
-                  <a:latin typeface="+mn-lt"/>
-                  <a:ea typeface="+mn-ea"/>
-                  <a:cs typeface="+mn-cs"/>
-                  <a:sym typeface="Helvetica Neue"/>
+                  <a:solidFill>
+                    <a:srgbClr val="2A3990"/>
+                  </a:solidFill>
                 </a:defRPr>
               </a:pPr>
-              <a:endParaRPr dirty="0"/>
             </a:p>
           </p:txBody>
         </p:sp>
@@ -1633,7 +1597,7 @@
           <p:spPr>
             <a:xfrm rot="10800000">
               <a:off x="2030413" y="1015373"/>
-              <a:ext cx="1015207" cy="1015207"/>
+              <a:ext cx="1015208" cy="1015208"/>
             </a:xfrm>
             <a:custGeom>
               <a:avLst/>
@@ -1655,7 +1619,7 @@
               </a:cxnLst>
               <a:rect l="0" t="0" r="r" b="b"/>
               <a:pathLst>
-                <a:path w="21600" h="21600" extrusionOk="0">
+                <a:path w="21600" h="21600" fill="norm" stroke="1" extrusionOk="0">
                   <a:moveTo>
                     <a:pt x="0" y="21600"/>
                   </a:moveTo>
@@ -1679,20 +1643,18 @@
             <a:effectLst/>
           </p:spPr>
           <p:txBody>
-            <a:bodyPr wrap="square" lIns="45719" tIns="45719" rIns="45719" bIns="45719" numCol="1" anchor="ctr">
+            <a:bodyPr wrap="square" lIns="45718" tIns="45718" rIns="45718" bIns="45718" numCol="1" anchor="ctr">
               <a:noAutofit/>
             </a:bodyPr>
             <a:lstStyle/>
             <a:p>
               <a:pPr>
                 <a:defRPr>
-                  <a:latin typeface="+mn-lt"/>
-                  <a:ea typeface="+mn-ea"/>
-                  <a:cs typeface="+mn-cs"/>
-                  <a:sym typeface="Helvetica Neue"/>
+                  <a:solidFill>
+                    <a:srgbClr val="2A3990"/>
+                  </a:solidFill>
                 </a:defRPr>
               </a:pPr>
-              <a:endParaRPr dirty="0"/>
             </a:p>
           </p:txBody>
         </p:sp>
@@ -1700,9 +1662,7 @@
       <p:sp>
         <p:nvSpPr>
           <p:cNvPr id="122" name="Title Text"/>
-          <p:cNvSpPr txBox="1">
-            <a:spLocks noGrp="1"/>
-          </p:cNvSpPr>
+          <p:cNvSpPr txBox="1"/>
           <p:nvPr>
             <p:ph type="title"/>
           </p:nvPr>
@@ -1728,6 +1688,7 @@
             </a:lvl1pPr>
           </a:lstStyle>
           <a:p>
+            <a:pPr/>
             <a:r>
               <a:t>Title Text</a:t>
             </a:r>
@@ -1737,9 +1698,7 @@
       <p:sp>
         <p:nvSpPr>
           <p:cNvPr id="123" name="Body Level One…"/>
-          <p:cNvSpPr txBox="1">
-            <a:spLocks noGrp="1"/>
-          </p:cNvSpPr>
+          <p:cNvSpPr txBox="1"/>
           <p:nvPr>
             <p:ph type="body" sz="half" idx="1"/>
           </p:nvPr>
@@ -1747,7 +1706,7 @@
         <p:spPr>
           <a:xfrm>
             <a:off x="311698" y="3369224"/>
-            <a:ext cx="8520604" cy="1281904"/>
+            <a:ext cx="8520604" cy="1281905"/>
           </a:xfrm>
           <a:prstGeom prst="rect">
             <a:avLst/>
@@ -1808,6 +1767,7 @@
             </a:lvl5pPr>
           </a:lstStyle>
           <a:p>
+            <a:pPr/>
             <a:r>
               <a:t>Body Level One</a:t>
             </a:r>
@@ -1841,9 +1801,7 @@
       <p:sp>
         <p:nvSpPr>
           <p:cNvPr id="124" name="Slide Number"/>
-          <p:cNvSpPr txBox="1">
-            <a:spLocks noGrp="1"/>
-          </p:cNvSpPr>
+          <p:cNvSpPr txBox="1"/>
           <p:nvPr>
             <p:ph type="sldNum" sz="quarter" idx="2"/>
           </p:nvPr>
@@ -1857,10 +1815,8 @@
           <a:bodyPr/>
           <a:lstStyle/>
           <a:p>
-            <a:fld id="{86CB4B4D-7CA3-9044-876B-883B54F8677D}" type="slidenum">
-              <a:t>‹#›</a:t>
-            </a:fld>
-            <a:endParaRPr dirty="0"/>
+            <a:pPr/>
+            <a:fld id="{86CB4B4D-7CA3-9044-876B-883B54F8677D}" type="slidenum"/>
           </a:p>
         </p:txBody>
       </p:sp>
@@ -1869,12 +1825,12 @@
   <p:clrMapOvr>
     <a:masterClrMapping/>
   </p:clrMapOvr>
-  <p:transition spd="med"/>
+  <p:transition xmlns:p14="http://schemas.microsoft.com/office/powerpoint/2010/main" spd="med" advClick="1"/>
 </p:sldLayout>
 </file>
 
 <file path=ppt/slideLayouts/slideLayout11.xml><?xml version="1.0" encoding="utf-8"?>
-<p:sldLayout xmlns:a="http://schemas.openxmlformats.org/drawingml/2006/main" xmlns:r="http://schemas.openxmlformats.org/officeDocument/2006/relationships" xmlns:p="http://schemas.openxmlformats.org/presentationml/2006/main" showMasterSp="0" type="tx">
+<p:sldLayout xmlns:a="http://schemas.openxmlformats.org/drawingml/2006/main" xmlns:r="http://schemas.openxmlformats.org/officeDocument/2006/relationships" xmlns:p="http://schemas.openxmlformats.org/presentationml/2006/main" type="tx" showMasterSp="0" showMasterPhAnim="1">
   <p:cSld name="Blank">
     <p:spTree>
       <p:nvGrpSpPr>
@@ -1893,9 +1849,7 @@
       <p:sp>
         <p:nvSpPr>
           <p:cNvPr id="131" name="Slide Number"/>
-          <p:cNvSpPr txBox="1">
-            <a:spLocks noGrp="1"/>
-          </p:cNvSpPr>
+          <p:cNvSpPr txBox="1"/>
           <p:nvPr>
             <p:ph type="sldNum" sz="quarter" idx="2"/>
           </p:nvPr>
@@ -1917,10 +1871,8 @@
             </a:lvl1pPr>
           </a:lstStyle>
           <a:p>
-            <a:fld id="{86CB4B4D-7CA3-9044-876B-883B54F8677D}" type="slidenum">
-              <a:t>‹#›</a:t>
-            </a:fld>
-            <a:endParaRPr dirty="0"/>
+            <a:pPr/>
+            <a:fld id="{86CB4B4D-7CA3-9044-876B-883B54F8677D}" type="slidenum"/>
           </a:p>
         </p:txBody>
       </p:sp>
@@ -1929,12 +1881,12 @@
   <p:clrMapOvr>
     <a:masterClrMapping/>
   </p:clrMapOvr>
-  <p:transition spd="med"/>
+  <p:transition xmlns:p14="http://schemas.microsoft.com/office/powerpoint/2010/main" spd="med" advClick="1"/>
 </p:sldLayout>
 </file>
 
 <file path=ppt/slideLayouts/slideLayout2.xml><?xml version="1.0" encoding="utf-8"?>
-<p:sldLayout xmlns:a="http://schemas.openxmlformats.org/drawingml/2006/main" xmlns:r="http://schemas.openxmlformats.org/officeDocument/2006/relationships" xmlns:p="http://schemas.openxmlformats.org/presentationml/2006/main" type="tx">
+<p:sldLayout xmlns:a="http://schemas.openxmlformats.org/drawingml/2006/main" xmlns:r="http://schemas.openxmlformats.org/officeDocument/2006/relationships" xmlns:p="http://schemas.openxmlformats.org/presentationml/2006/main" type="tx" showMasterSp="1" showMasterPhAnim="1">
   <p:cSld name="Title and body">
     <p:spTree>
       <p:nvGrpSpPr>
@@ -1953,9 +1905,7 @@
       <p:sp>
         <p:nvSpPr>
           <p:cNvPr id="32" name="Title Text"/>
-          <p:cNvSpPr txBox="1">
-            <a:spLocks noGrp="1"/>
-          </p:cNvSpPr>
+          <p:cNvSpPr txBox="1"/>
           <p:nvPr>
             <p:ph type="title"/>
           </p:nvPr>
@@ -1969,6 +1919,7 @@
           <a:bodyPr/>
           <a:lstStyle/>
           <a:p>
+            <a:pPr/>
             <a:r>
               <a:t>Title Text</a:t>
             </a:r>
@@ -1978,9 +1929,7 @@
       <p:sp>
         <p:nvSpPr>
           <p:cNvPr id="33" name="Body Level One…"/>
-          <p:cNvSpPr txBox="1">
-            <a:spLocks noGrp="1"/>
-          </p:cNvSpPr>
+          <p:cNvSpPr txBox="1"/>
           <p:nvPr>
             <p:ph type="body" idx="1"/>
           </p:nvPr>
@@ -1994,6 +1943,7 @@
           <a:bodyPr/>
           <a:lstStyle/>
           <a:p>
+            <a:pPr/>
             <a:r>
               <a:t>Body Level One</a:t>
             </a:r>
@@ -2027,9 +1977,7 @@
       <p:sp>
         <p:nvSpPr>
           <p:cNvPr id="34" name="Slide Number"/>
-          <p:cNvSpPr txBox="1">
-            <a:spLocks noGrp="1"/>
-          </p:cNvSpPr>
+          <p:cNvSpPr txBox="1"/>
           <p:nvPr>
             <p:ph type="sldNum" sz="quarter" idx="2"/>
           </p:nvPr>
@@ -2043,10 +1991,8 @@
           <a:bodyPr/>
           <a:lstStyle/>
           <a:p>
-            <a:fld id="{86CB4B4D-7CA3-9044-876B-883B54F8677D}" type="slidenum">
-              <a:t>‹#›</a:t>
-            </a:fld>
-            <a:endParaRPr dirty="0"/>
+            <a:pPr/>
+            <a:fld id="{86CB4B4D-7CA3-9044-876B-883B54F8677D}" type="slidenum"/>
           </a:p>
         </p:txBody>
       </p:sp>
@@ -2055,19 +2001,18 @@
   <p:clrMapOvr>
     <a:masterClrMapping/>
   </p:clrMapOvr>
-  <p:transition spd="med"/>
+  <p:transition xmlns:p14="http://schemas.microsoft.com/office/powerpoint/2010/main" spd="med" advClick="1"/>
 </p:sldLayout>
 </file>
 
 <file path=ppt/slideLayouts/slideLayout3.xml><?xml version="1.0" encoding="utf-8"?>
-<p:sldLayout xmlns:a="http://schemas.openxmlformats.org/drawingml/2006/main" xmlns:r="http://schemas.openxmlformats.org/officeDocument/2006/relationships" xmlns:p="http://schemas.openxmlformats.org/presentationml/2006/main" showMasterSp="0" type="tx">
+<p:sldLayout xmlns:a="http://schemas.openxmlformats.org/drawingml/2006/main" xmlns:r="http://schemas.openxmlformats.org/officeDocument/2006/relationships" xmlns:p="http://schemas.openxmlformats.org/presentationml/2006/main" type="tx" showMasterSp="0" showMasterPhAnim="1">
   <p:cSld name="Section header">
     <p:bg>
       <p:bgPr>
         <a:solidFill>
           <a:srgbClr val="2A3990"/>
         </a:solidFill>
-        <a:effectLst/>
       </p:bgPr>
     </p:bg>
     <p:spTree>
@@ -2092,10 +2037,10 @@
         </p:nvGrpSpPr>
         <p:grpSpPr>
           <a:xfrm>
-            <a:off x="6098375" y="0"/>
-            <a:ext cx="3045631" cy="2030580"/>
+            <a:off x="6098375" y="-1"/>
+            <a:ext cx="3045632" cy="2030583"/>
             <a:chOff x="0" y="0"/>
-            <a:chExt cx="3045630" cy="2030579"/>
+            <a:chExt cx="3045631" cy="2030581"/>
           </a:xfrm>
         </p:grpSpPr>
         <p:sp>
@@ -2106,8 +2051,8 @@
           </p:nvSpPr>
           <p:spPr>
             <a:xfrm>
-              <a:off x="2030427" y="10"/>
-              <a:ext cx="1015204" cy="1015208"/>
+              <a:off x="2030427" y="9"/>
+              <a:ext cx="1015205" cy="1015209"/>
             </a:xfrm>
             <a:prstGeom prst="rect">
               <a:avLst/>
@@ -2122,20 +2067,18 @@
             <a:effectLst/>
           </p:spPr>
           <p:txBody>
-            <a:bodyPr wrap="square" lIns="45719" tIns="45719" rIns="45719" bIns="45719" numCol="1" anchor="ctr">
+            <a:bodyPr wrap="square" lIns="45718" tIns="45718" rIns="45718" bIns="45718" numCol="1" anchor="ctr">
               <a:noAutofit/>
             </a:bodyPr>
             <a:lstStyle/>
             <a:p>
               <a:pPr>
                 <a:defRPr>
-                  <a:latin typeface="+mn-lt"/>
-                  <a:ea typeface="+mn-ea"/>
-                  <a:cs typeface="+mn-cs"/>
-                  <a:sym typeface="Helvetica Neue"/>
+                  <a:solidFill>
+                    <a:srgbClr val="2A3990"/>
+                  </a:solidFill>
                 </a:defRPr>
               </a:pPr>
-              <a:endParaRPr dirty="0"/>
             </a:p>
           </p:txBody>
         </p:sp>
@@ -2147,8 +2090,8 @@
           </p:nvSpPr>
           <p:spPr>
             <a:xfrm flipH="1">
-              <a:off x="1015086" y="0"/>
-              <a:ext cx="1015206" cy="1015209"/>
+              <a:off x="1015086" y="-1"/>
+              <a:ext cx="1015207" cy="1015211"/>
             </a:xfrm>
             <a:custGeom>
               <a:avLst/>
@@ -2170,7 +2113,7 @@
               </a:cxnLst>
               <a:rect l="0" t="0" r="r" b="b"/>
               <a:pathLst>
-                <a:path w="21600" h="21600" extrusionOk="0">
+                <a:path w="21600" h="21600" fill="norm" stroke="1" extrusionOk="0">
                   <a:moveTo>
                     <a:pt x="0" y="21600"/>
                   </a:moveTo>
@@ -2194,20 +2137,18 @@
             <a:effectLst/>
           </p:spPr>
           <p:txBody>
-            <a:bodyPr wrap="square" lIns="45719" tIns="45719" rIns="45719" bIns="45719" numCol="1" anchor="ctr">
+            <a:bodyPr wrap="square" lIns="45718" tIns="45718" rIns="45718" bIns="45718" numCol="1" anchor="ctr">
               <a:noAutofit/>
             </a:bodyPr>
             <a:lstStyle/>
             <a:p>
               <a:pPr>
                 <a:defRPr>
-                  <a:latin typeface="+mn-lt"/>
-                  <a:ea typeface="+mn-ea"/>
-                  <a:cs typeface="+mn-cs"/>
-                  <a:sym typeface="Helvetica Neue"/>
+                  <a:solidFill>
+                    <a:srgbClr val="2A3990"/>
+                  </a:solidFill>
                 </a:defRPr>
               </a:pPr>
-              <a:endParaRPr dirty="0"/>
             </a:p>
           </p:txBody>
         </p:sp>
@@ -2218,9 +2159,9 @@
             <p:nvPr/>
           </p:nvSpPr>
           <p:spPr>
-            <a:xfrm rot="10800000" flipH="1">
+            <a:xfrm flipH="1" rot="10800000">
               <a:off x="1015211" y="104"/>
-              <a:ext cx="1015205" cy="1015206"/>
+              <a:ext cx="1015206" cy="1015207"/>
             </a:xfrm>
             <a:custGeom>
               <a:avLst/>
@@ -2242,7 +2183,7 @@
               </a:cxnLst>
               <a:rect l="0" t="0" r="r" b="b"/>
               <a:pathLst>
-                <a:path w="21600" h="21600" extrusionOk="0">
+                <a:path w="21600" h="21600" fill="norm" stroke="1" extrusionOk="0">
                   <a:moveTo>
                     <a:pt x="0" y="21600"/>
                   </a:moveTo>
@@ -2266,20 +2207,18 @@
             <a:effectLst/>
           </p:spPr>
           <p:txBody>
-            <a:bodyPr wrap="square" lIns="45719" tIns="45719" rIns="45719" bIns="45719" numCol="1" anchor="ctr">
+            <a:bodyPr wrap="square" lIns="45718" tIns="45718" rIns="45718" bIns="45718" numCol="1" anchor="ctr">
               <a:noAutofit/>
             </a:bodyPr>
             <a:lstStyle/>
             <a:p>
               <a:pPr>
                 <a:defRPr>
-                  <a:latin typeface="+mn-lt"/>
-                  <a:ea typeface="+mn-ea"/>
-                  <a:cs typeface="+mn-cs"/>
-                  <a:sym typeface="Helvetica Neue"/>
+                  <a:solidFill>
+                    <a:srgbClr val="2A3990"/>
+                  </a:solidFill>
                 </a:defRPr>
               </a:pPr>
-              <a:endParaRPr dirty="0"/>
             </a:p>
           </p:txBody>
         </p:sp>
@@ -2292,7 +2231,7 @@
           <p:spPr>
             <a:xfrm rot="10800000">
               <a:off x="0" y="94"/>
-              <a:ext cx="1015206" cy="1015206"/>
+              <a:ext cx="1015207" cy="1015207"/>
             </a:xfrm>
             <a:custGeom>
               <a:avLst/>
@@ -2314,7 +2253,7 @@
               </a:cxnLst>
               <a:rect l="0" t="0" r="r" b="b"/>
               <a:pathLst>
-                <a:path w="21600" h="21600" extrusionOk="0">
+                <a:path w="21600" h="21600" fill="norm" stroke="1" extrusionOk="0">
                   <a:moveTo>
                     <a:pt x="0" y="21600"/>
                   </a:moveTo>
@@ -2338,20 +2277,18 @@
             <a:effectLst/>
           </p:spPr>
           <p:txBody>
-            <a:bodyPr wrap="square" lIns="45719" tIns="45719" rIns="45719" bIns="45719" numCol="1" anchor="ctr">
+            <a:bodyPr wrap="square" lIns="45718" tIns="45718" rIns="45718" bIns="45718" numCol="1" anchor="ctr">
               <a:noAutofit/>
             </a:bodyPr>
             <a:lstStyle/>
             <a:p>
               <a:pPr>
                 <a:defRPr>
-                  <a:latin typeface="+mn-lt"/>
-                  <a:ea typeface="+mn-ea"/>
-                  <a:cs typeface="+mn-cs"/>
-                  <a:sym typeface="Helvetica Neue"/>
+                  <a:solidFill>
+                    <a:srgbClr val="2A3990"/>
+                  </a:solidFill>
                 </a:defRPr>
               </a:pPr>
-              <a:endParaRPr dirty="0"/>
             </a:p>
           </p:txBody>
         </p:sp>
@@ -2364,7 +2301,7 @@
           <p:spPr>
             <a:xfrm rot="10800000">
               <a:off x="2030413" y="1015373"/>
-              <a:ext cx="1015207" cy="1015207"/>
+              <a:ext cx="1015208" cy="1015208"/>
             </a:xfrm>
             <a:custGeom>
               <a:avLst/>
@@ -2386,7 +2323,7 @@
               </a:cxnLst>
               <a:rect l="0" t="0" r="r" b="b"/>
               <a:pathLst>
-                <a:path w="21600" h="21600" extrusionOk="0">
+                <a:path w="21600" h="21600" fill="norm" stroke="1" extrusionOk="0">
                   <a:moveTo>
                     <a:pt x="0" y="21600"/>
                   </a:moveTo>
@@ -2410,20 +2347,18 @@
             <a:effectLst/>
           </p:spPr>
           <p:txBody>
-            <a:bodyPr wrap="square" lIns="45719" tIns="45719" rIns="45719" bIns="45719" numCol="1" anchor="ctr">
+            <a:bodyPr wrap="square" lIns="45718" tIns="45718" rIns="45718" bIns="45718" numCol="1" anchor="ctr">
               <a:noAutofit/>
             </a:bodyPr>
             <a:lstStyle/>
             <a:p>
               <a:pPr>
                 <a:defRPr>
-                  <a:latin typeface="+mn-lt"/>
-                  <a:ea typeface="+mn-ea"/>
-                  <a:cs typeface="+mn-cs"/>
-                  <a:sym typeface="Helvetica Neue"/>
+                  <a:solidFill>
+                    <a:srgbClr val="2A3990"/>
+                  </a:solidFill>
                 </a:defRPr>
               </a:pPr>
-              <a:endParaRPr dirty="0"/>
             </a:p>
           </p:txBody>
         </p:sp>
@@ -2431,9 +2366,7 @@
       <p:sp>
         <p:nvSpPr>
           <p:cNvPr id="47" name="Title Text"/>
-          <p:cNvSpPr txBox="1">
-            <a:spLocks noGrp="1"/>
-          </p:cNvSpPr>
+          <p:cNvSpPr txBox="1"/>
           <p:nvPr>
             <p:ph type="title"/>
           </p:nvPr>
@@ -2459,6 +2392,7 @@
             </a:lvl1pPr>
           </a:lstStyle>
           <a:p>
+            <a:pPr/>
             <a:r>
               <a:t>Title Text</a:t>
             </a:r>
@@ -2468,9 +2402,7 @@
       <p:sp>
         <p:nvSpPr>
           <p:cNvPr id="48" name="Slide Number"/>
-          <p:cNvSpPr txBox="1">
-            <a:spLocks noGrp="1"/>
-          </p:cNvSpPr>
+          <p:cNvSpPr txBox="1"/>
           <p:nvPr>
             <p:ph type="sldNum" sz="quarter" idx="2"/>
           </p:nvPr>
@@ -2484,10 +2416,8 @@
           <a:bodyPr/>
           <a:lstStyle/>
           <a:p>
-            <a:fld id="{86CB4B4D-7CA3-9044-876B-883B54F8677D}" type="slidenum">
-              <a:t>‹#›</a:t>
-            </a:fld>
-            <a:endParaRPr dirty="0"/>
+            <a:pPr/>
+            <a:fld id="{86CB4B4D-7CA3-9044-876B-883B54F8677D}" type="slidenum"/>
           </a:p>
         </p:txBody>
       </p:sp>
@@ -2496,12 +2426,12 @@
   <p:clrMapOvr>
     <a:masterClrMapping/>
   </p:clrMapOvr>
-  <p:transition spd="med"/>
+  <p:transition xmlns:p14="http://schemas.microsoft.com/office/powerpoint/2010/main" spd="med" advClick="1"/>
 </p:sldLayout>
 </file>
 
 <file path=ppt/slideLayouts/slideLayout4.xml><?xml version="1.0" encoding="utf-8"?>
-<p:sldLayout xmlns:a="http://schemas.openxmlformats.org/drawingml/2006/main" xmlns:r="http://schemas.openxmlformats.org/officeDocument/2006/relationships" xmlns:p="http://schemas.openxmlformats.org/presentationml/2006/main" showMasterSp="0" type="tx">
+<p:sldLayout xmlns:a="http://schemas.openxmlformats.org/drawingml/2006/main" xmlns:r="http://schemas.openxmlformats.org/officeDocument/2006/relationships" xmlns:p="http://schemas.openxmlformats.org/presentationml/2006/main" type="tx" showMasterSp="0" showMasterPhAnim="1">
   <p:cSld name="Title and two columns">
     <p:spTree>
       <p:nvGrpSpPr>
@@ -2520,9 +2450,7 @@
       <p:sp>
         <p:nvSpPr>
           <p:cNvPr id="55" name="Title Text"/>
-          <p:cNvSpPr txBox="1">
-            <a:spLocks noGrp="1"/>
-          </p:cNvSpPr>
+          <p:cNvSpPr txBox="1"/>
           <p:nvPr>
             <p:ph type="title"/>
           </p:nvPr>
@@ -2536,6 +2464,7 @@
           <a:bodyPr/>
           <a:lstStyle/>
           <a:p>
+            <a:pPr/>
             <a:r>
               <a:t>Title Text</a:t>
             </a:r>
@@ -2545,9 +2474,7 @@
       <p:sp>
         <p:nvSpPr>
           <p:cNvPr id="56" name="Body Level One…"/>
-          <p:cNvSpPr txBox="1">
-            <a:spLocks noGrp="1"/>
-          </p:cNvSpPr>
+          <p:cNvSpPr txBox="1"/>
           <p:nvPr>
             <p:ph type="body" sz="half" idx="1"/>
           </p:nvPr>
@@ -2586,6 +2513,7 @@
             </a:lvl5pPr>
           </a:lstStyle>
           <a:p>
+            <a:pPr/>
             <a:r>
               <a:t>Body Level One</a:t>
             </a:r>
@@ -2619,9 +2547,7 @@
       <p:sp>
         <p:nvSpPr>
           <p:cNvPr id="57" name="Shape 41"/>
-          <p:cNvSpPr txBox="1">
-            <a:spLocks noGrp="1"/>
-          </p:cNvSpPr>
+          <p:cNvSpPr txBox="1"/>
           <p:nvPr>
             <p:ph type="body" sz="half" idx="13"/>
           </p:nvPr>
@@ -2629,7 +2555,7 @@
         <p:spPr>
           <a:xfrm>
             <a:off x="4832396" y="1229971"/>
-            <a:ext cx="3999906" cy="3339007"/>
+            <a:ext cx="3999906" cy="3339008"/>
           </a:xfrm>
           <a:prstGeom prst="rect">
             <a:avLst/>
@@ -2639,16 +2565,14 @@
           <a:bodyPr/>
           <a:lstStyle/>
           <a:p>
-            <a:endParaRPr/>
+            <a:pPr/>
           </a:p>
         </p:txBody>
       </p:sp>
       <p:sp>
         <p:nvSpPr>
           <p:cNvPr id="58" name="Slide Number"/>
-          <p:cNvSpPr txBox="1">
-            <a:spLocks noGrp="1"/>
-          </p:cNvSpPr>
+          <p:cNvSpPr txBox="1"/>
           <p:nvPr>
             <p:ph type="sldNum" sz="quarter" idx="2"/>
           </p:nvPr>
@@ -2670,10 +2594,8 @@
             </a:lvl1pPr>
           </a:lstStyle>
           <a:p>
-            <a:fld id="{86CB4B4D-7CA3-9044-876B-883B54F8677D}" type="slidenum">
-              <a:t>‹#›</a:t>
-            </a:fld>
-            <a:endParaRPr dirty="0"/>
+            <a:pPr/>
+            <a:fld id="{86CB4B4D-7CA3-9044-876B-883B54F8677D}" type="slidenum"/>
           </a:p>
         </p:txBody>
       </p:sp>
@@ -2682,12 +2604,12 @@
   <p:clrMapOvr>
     <a:masterClrMapping/>
   </p:clrMapOvr>
-  <p:transition spd="med"/>
+  <p:transition xmlns:p14="http://schemas.microsoft.com/office/powerpoint/2010/main" spd="med" advClick="1"/>
 </p:sldLayout>
 </file>
 
 <file path=ppt/slideLayouts/slideLayout5.xml><?xml version="1.0" encoding="utf-8"?>
-<p:sldLayout xmlns:a="http://schemas.openxmlformats.org/drawingml/2006/main" xmlns:r="http://schemas.openxmlformats.org/officeDocument/2006/relationships" xmlns:p="http://schemas.openxmlformats.org/presentationml/2006/main" showMasterSp="0" type="tx">
+<p:sldLayout xmlns:a="http://schemas.openxmlformats.org/drawingml/2006/main" xmlns:r="http://schemas.openxmlformats.org/officeDocument/2006/relationships" xmlns:p="http://schemas.openxmlformats.org/presentationml/2006/main" type="tx" showMasterSp="0" showMasterPhAnim="1">
   <p:cSld name="Title only">
     <p:spTree>
       <p:nvGrpSpPr>
@@ -2706,9 +2628,7 @@
       <p:sp>
         <p:nvSpPr>
           <p:cNvPr id="65" name="Title Text"/>
-          <p:cNvSpPr txBox="1">
-            <a:spLocks noGrp="1"/>
-          </p:cNvSpPr>
+          <p:cNvSpPr txBox="1"/>
           <p:nvPr>
             <p:ph type="title"/>
           </p:nvPr>
@@ -2722,6 +2642,7 @@
           <a:bodyPr/>
           <a:lstStyle/>
           <a:p>
+            <a:pPr/>
             <a:r>
               <a:t>Title Text</a:t>
             </a:r>
@@ -2731,9 +2652,7 @@
       <p:sp>
         <p:nvSpPr>
           <p:cNvPr id="66" name="Slide Number"/>
-          <p:cNvSpPr txBox="1">
-            <a:spLocks noGrp="1"/>
-          </p:cNvSpPr>
+          <p:cNvSpPr txBox="1"/>
           <p:nvPr>
             <p:ph type="sldNum" sz="quarter" idx="2"/>
           </p:nvPr>
@@ -2755,10 +2674,8 @@
             </a:lvl1pPr>
           </a:lstStyle>
           <a:p>
-            <a:fld id="{86CB4B4D-7CA3-9044-876B-883B54F8677D}" type="slidenum">
-              <a:t>‹#›</a:t>
-            </a:fld>
-            <a:endParaRPr dirty="0"/>
+            <a:pPr/>
+            <a:fld id="{86CB4B4D-7CA3-9044-876B-883B54F8677D}" type="slidenum"/>
           </a:p>
         </p:txBody>
       </p:sp>
@@ -2767,12 +2684,12 @@
   <p:clrMapOvr>
     <a:masterClrMapping/>
   </p:clrMapOvr>
-  <p:transition spd="med"/>
+  <p:transition xmlns:p14="http://schemas.microsoft.com/office/powerpoint/2010/main" spd="med" advClick="1"/>
 </p:sldLayout>
 </file>
 
 <file path=ppt/slideLayouts/slideLayout6.xml><?xml version="1.0" encoding="utf-8"?>
-<p:sldLayout xmlns:a="http://schemas.openxmlformats.org/drawingml/2006/main" xmlns:r="http://schemas.openxmlformats.org/officeDocument/2006/relationships" xmlns:p="http://schemas.openxmlformats.org/presentationml/2006/main" showMasterSp="0" type="tx">
+<p:sldLayout xmlns:a="http://schemas.openxmlformats.org/drawingml/2006/main" xmlns:r="http://schemas.openxmlformats.org/officeDocument/2006/relationships" xmlns:p="http://schemas.openxmlformats.org/presentationml/2006/main" type="tx" showMasterSp="0" showMasterPhAnim="1">
   <p:cSld name="One column text">
     <p:spTree>
       <p:nvGrpSpPr>
@@ -2791,9 +2708,7 @@
       <p:sp>
         <p:nvSpPr>
           <p:cNvPr id="73" name="Title Text"/>
-          <p:cNvSpPr txBox="1">
-            <a:spLocks noGrp="1"/>
-          </p:cNvSpPr>
+          <p:cNvSpPr txBox="1"/>
           <p:nvPr>
             <p:ph type="title"/>
           </p:nvPr>
@@ -2815,6 +2730,7 @@
             </a:lvl1pPr>
           </a:lstStyle>
           <a:p>
+            <a:pPr/>
             <a:r>
               <a:t>Title Text</a:t>
             </a:r>
@@ -2824,9 +2740,7 @@
       <p:sp>
         <p:nvSpPr>
           <p:cNvPr id="74" name="Body Level One…"/>
-          <p:cNvSpPr txBox="1">
-            <a:spLocks noGrp="1"/>
-          </p:cNvSpPr>
+          <p:cNvSpPr txBox="1"/>
           <p:nvPr>
             <p:ph type="body" sz="quarter" idx="1"/>
           </p:nvPr>
@@ -2865,6 +2779,7 @@
             </a:lvl5pPr>
           </a:lstStyle>
           <a:p>
+            <a:pPr/>
             <a:r>
               <a:t>Body Level One</a:t>
             </a:r>
@@ -2898,9 +2813,7 @@
       <p:sp>
         <p:nvSpPr>
           <p:cNvPr id="75" name="Slide Number"/>
-          <p:cNvSpPr txBox="1">
-            <a:spLocks noGrp="1"/>
-          </p:cNvSpPr>
+          <p:cNvSpPr txBox="1"/>
           <p:nvPr>
             <p:ph type="sldNum" sz="quarter" idx="2"/>
           </p:nvPr>
@@ -2922,10 +2835,8 @@
             </a:lvl1pPr>
           </a:lstStyle>
           <a:p>
-            <a:fld id="{86CB4B4D-7CA3-9044-876B-883B54F8677D}" type="slidenum">
-              <a:t>‹#›</a:t>
-            </a:fld>
-            <a:endParaRPr dirty="0"/>
+            <a:pPr/>
+            <a:fld id="{86CB4B4D-7CA3-9044-876B-883B54F8677D}" type="slidenum"/>
           </a:p>
         </p:txBody>
       </p:sp>
@@ -2934,19 +2845,18 @@
   <p:clrMapOvr>
     <a:masterClrMapping/>
   </p:clrMapOvr>
-  <p:transition spd="med"/>
+  <p:transition xmlns:p14="http://schemas.microsoft.com/office/powerpoint/2010/main" spd="med" advClick="1"/>
 </p:sldLayout>
 </file>
 
 <file path=ppt/slideLayouts/slideLayout7.xml><?xml version="1.0" encoding="utf-8"?>
-<p:sldLayout xmlns:a="http://schemas.openxmlformats.org/drawingml/2006/main" xmlns:r="http://schemas.openxmlformats.org/officeDocument/2006/relationships" xmlns:p="http://schemas.openxmlformats.org/presentationml/2006/main" showMasterSp="0" type="tx">
+<p:sldLayout xmlns:a="http://schemas.openxmlformats.org/drawingml/2006/main" xmlns:r="http://schemas.openxmlformats.org/officeDocument/2006/relationships" xmlns:p="http://schemas.openxmlformats.org/presentationml/2006/main" type="tx" showMasterSp="0" showMasterPhAnim="1">
   <p:cSld name="Main point">
     <p:bg>
       <p:bgPr>
         <a:solidFill>
           <a:schemeClr val="accent4"/>
         </a:solidFill>
-        <a:effectLst/>
       </p:bgPr>
     </p:bg>
     <p:spTree>
@@ -2971,10 +2881,10 @@
         </p:nvGrpSpPr>
         <p:grpSpPr>
           <a:xfrm>
-            <a:off x="6098375" y="0"/>
-            <a:ext cx="3045631" cy="2030580"/>
+            <a:off x="6098375" y="-1"/>
+            <a:ext cx="3045632" cy="2030583"/>
             <a:chOff x="0" y="0"/>
-            <a:chExt cx="3045630" cy="2030579"/>
+            <a:chExt cx="3045631" cy="2030581"/>
           </a:xfrm>
         </p:grpSpPr>
         <p:sp>
@@ -2985,8 +2895,8 @@
           </p:nvSpPr>
           <p:spPr>
             <a:xfrm>
-              <a:off x="2030427" y="10"/>
-              <a:ext cx="1015204" cy="1015208"/>
+              <a:off x="2030427" y="9"/>
+              <a:ext cx="1015205" cy="1015209"/>
             </a:xfrm>
             <a:prstGeom prst="rect">
               <a:avLst/>
@@ -3001,20 +2911,18 @@
             <a:effectLst/>
           </p:spPr>
           <p:txBody>
-            <a:bodyPr wrap="square" lIns="45719" tIns="45719" rIns="45719" bIns="45719" numCol="1" anchor="ctr">
+            <a:bodyPr wrap="square" lIns="45718" tIns="45718" rIns="45718" bIns="45718" numCol="1" anchor="ctr">
               <a:noAutofit/>
             </a:bodyPr>
             <a:lstStyle/>
             <a:p>
               <a:pPr>
                 <a:defRPr>
-                  <a:latin typeface="+mn-lt"/>
-                  <a:ea typeface="+mn-ea"/>
-                  <a:cs typeface="+mn-cs"/>
-                  <a:sym typeface="Helvetica Neue"/>
+                  <a:solidFill>
+                    <a:srgbClr val="2A3990"/>
+                  </a:solidFill>
                 </a:defRPr>
               </a:pPr>
-              <a:endParaRPr dirty="0"/>
             </a:p>
           </p:txBody>
         </p:sp>
@@ -3026,8 +2934,8 @@
           </p:nvSpPr>
           <p:spPr>
             <a:xfrm flipH="1">
-              <a:off x="1015086" y="0"/>
-              <a:ext cx="1015206" cy="1015209"/>
+              <a:off x="1015086" y="-1"/>
+              <a:ext cx="1015207" cy="1015211"/>
             </a:xfrm>
             <a:custGeom>
               <a:avLst/>
@@ -3049,7 +2957,7 @@
               </a:cxnLst>
               <a:rect l="0" t="0" r="r" b="b"/>
               <a:pathLst>
-                <a:path w="21600" h="21600" extrusionOk="0">
+                <a:path w="21600" h="21600" fill="norm" stroke="1" extrusionOk="0">
                   <a:moveTo>
                     <a:pt x="0" y="21600"/>
                   </a:moveTo>
@@ -3073,20 +2981,18 @@
             <a:effectLst/>
           </p:spPr>
           <p:txBody>
-            <a:bodyPr wrap="square" lIns="45719" tIns="45719" rIns="45719" bIns="45719" numCol="1" anchor="ctr">
+            <a:bodyPr wrap="square" lIns="45718" tIns="45718" rIns="45718" bIns="45718" numCol="1" anchor="ctr">
               <a:noAutofit/>
             </a:bodyPr>
             <a:lstStyle/>
             <a:p>
               <a:pPr>
                 <a:defRPr>
-                  <a:latin typeface="+mn-lt"/>
-                  <a:ea typeface="+mn-ea"/>
-                  <a:cs typeface="+mn-cs"/>
-                  <a:sym typeface="Helvetica Neue"/>
+                  <a:solidFill>
+                    <a:srgbClr val="2A3990"/>
+                  </a:solidFill>
                 </a:defRPr>
               </a:pPr>
-              <a:endParaRPr dirty="0"/>
             </a:p>
           </p:txBody>
         </p:sp>
@@ -3097,9 +3003,9 @@
             <p:nvPr/>
           </p:nvSpPr>
           <p:spPr>
-            <a:xfrm rot="10800000" flipH="1">
+            <a:xfrm flipH="1" rot="10800000">
               <a:off x="1015211" y="104"/>
-              <a:ext cx="1015205" cy="1015206"/>
+              <a:ext cx="1015206" cy="1015207"/>
             </a:xfrm>
             <a:custGeom>
               <a:avLst/>
@@ -3121,7 +3027,7 @@
               </a:cxnLst>
               <a:rect l="0" t="0" r="r" b="b"/>
               <a:pathLst>
-                <a:path w="21600" h="21600" extrusionOk="0">
+                <a:path w="21600" h="21600" fill="norm" stroke="1" extrusionOk="0">
                   <a:moveTo>
                     <a:pt x="0" y="21600"/>
                   </a:moveTo>
@@ -3145,20 +3051,18 @@
             <a:effectLst/>
           </p:spPr>
           <p:txBody>
-            <a:bodyPr wrap="square" lIns="45719" tIns="45719" rIns="45719" bIns="45719" numCol="1" anchor="ctr">
+            <a:bodyPr wrap="square" lIns="45718" tIns="45718" rIns="45718" bIns="45718" numCol="1" anchor="ctr">
               <a:noAutofit/>
             </a:bodyPr>
             <a:lstStyle/>
             <a:p>
               <a:pPr>
                 <a:defRPr>
-                  <a:latin typeface="+mn-lt"/>
-                  <a:ea typeface="+mn-ea"/>
-                  <a:cs typeface="+mn-cs"/>
-                  <a:sym typeface="Helvetica Neue"/>
+                  <a:solidFill>
+                    <a:srgbClr val="2A3990"/>
+                  </a:solidFill>
                 </a:defRPr>
               </a:pPr>
-              <a:endParaRPr dirty="0"/>
             </a:p>
           </p:txBody>
         </p:sp>
@@ -3171,7 +3075,7 @@
           <p:spPr>
             <a:xfrm rot="10800000">
               <a:off x="0" y="94"/>
-              <a:ext cx="1015206" cy="1015206"/>
+              <a:ext cx="1015207" cy="1015207"/>
             </a:xfrm>
             <a:custGeom>
               <a:avLst/>
@@ -3193,7 +3097,7 @@
               </a:cxnLst>
               <a:rect l="0" t="0" r="r" b="b"/>
               <a:pathLst>
-                <a:path w="21600" h="21600" extrusionOk="0">
+                <a:path w="21600" h="21600" fill="norm" stroke="1" extrusionOk="0">
                   <a:moveTo>
                     <a:pt x="0" y="21600"/>
                   </a:moveTo>
@@ -3217,20 +3121,18 @@
             <a:effectLst/>
           </p:spPr>
           <p:txBody>
-            <a:bodyPr wrap="square" lIns="45719" tIns="45719" rIns="45719" bIns="45719" numCol="1" anchor="ctr">
+            <a:bodyPr wrap="square" lIns="45718" tIns="45718" rIns="45718" bIns="45718" numCol="1" anchor="ctr">
               <a:noAutofit/>
             </a:bodyPr>
             <a:lstStyle/>
             <a:p>
               <a:pPr>
                 <a:defRPr>
-                  <a:latin typeface="+mn-lt"/>
-                  <a:ea typeface="+mn-ea"/>
-                  <a:cs typeface="+mn-cs"/>
-                  <a:sym typeface="Helvetica Neue"/>
+                  <a:solidFill>
+                    <a:srgbClr val="2A3990"/>
+                  </a:solidFill>
                 </a:defRPr>
               </a:pPr>
-              <a:endParaRPr dirty="0"/>
             </a:p>
           </p:txBody>
         </p:sp>
@@ -3243,7 +3145,7 @@
           <p:spPr>
             <a:xfrm rot="10800000">
               <a:off x="2030413" y="1015373"/>
-              <a:ext cx="1015207" cy="1015207"/>
+              <a:ext cx="1015208" cy="1015208"/>
             </a:xfrm>
             <a:custGeom>
               <a:avLst/>
@@ -3265,7 +3167,7 @@
               </a:cxnLst>
               <a:rect l="0" t="0" r="r" b="b"/>
               <a:pathLst>
-                <a:path w="21600" h="21600" extrusionOk="0">
+                <a:path w="21600" h="21600" fill="norm" stroke="1" extrusionOk="0">
                   <a:moveTo>
                     <a:pt x="0" y="21600"/>
                   </a:moveTo>
@@ -3289,20 +3191,18 @@
             <a:effectLst/>
           </p:spPr>
           <p:txBody>
-            <a:bodyPr wrap="square" lIns="45719" tIns="45719" rIns="45719" bIns="45719" numCol="1" anchor="ctr">
+            <a:bodyPr wrap="square" lIns="45718" tIns="45718" rIns="45718" bIns="45718" numCol="1" anchor="ctr">
               <a:noAutofit/>
             </a:bodyPr>
             <a:lstStyle/>
             <a:p>
               <a:pPr>
                 <a:defRPr>
-                  <a:latin typeface="+mn-lt"/>
-                  <a:ea typeface="+mn-ea"/>
-                  <a:cs typeface="+mn-cs"/>
-                  <a:sym typeface="Helvetica Neue"/>
+                  <a:solidFill>
+                    <a:srgbClr val="2A3990"/>
+                  </a:solidFill>
                 </a:defRPr>
               </a:pPr>
-              <a:endParaRPr dirty="0"/>
             </a:p>
           </p:txBody>
         </p:sp>
@@ -3310,9 +3210,7 @@
       <p:sp>
         <p:nvSpPr>
           <p:cNvPr id="88" name="Title Text"/>
-          <p:cNvSpPr txBox="1">
-            <a:spLocks noGrp="1"/>
-          </p:cNvSpPr>
+          <p:cNvSpPr txBox="1"/>
           <p:nvPr>
             <p:ph type="title"/>
           </p:nvPr>
@@ -3338,6 +3236,7 @@
             </a:lvl1pPr>
           </a:lstStyle>
           <a:p>
+            <a:pPr/>
             <a:r>
               <a:t>Title Text</a:t>
             </a:r>
@@ -3347,9 +3246,7 @@
       <p:sp>
         <p:nvSpPr>
           <p:cNvPr id="89" name="Slide Number"/>
-          <p:cNvSpPr txBox="1">
-            <a:spLocks noGrp="1"/>
-          </p:cNvSpPr>
+          <p:cNvSpPr txBox="1"/>
           <p:nvPr>
             <p:ph type="sldNum" sz="quarter" idx="2"/>
           </p:nvPr>
@@ -3363,10 +3260,8 @@
           <a:bodyPr/>
           <a:lstStyle/>
           <a:p>
-            <a:fld id="{86CB4B4D-7CA3-9044-876B-883B54F8677D}" type="slidenum">
-              <a:t>‹#›</a:t>
-            </a:fld>
-            <a:endParaRPr dirty="0"/>
+            <a:pPr/>
+            <a:fld id="{86CB4B4D-7CA3-9044-876B-883B54F8677D}" type="slidenum"/>
           </a:p>
         </p:txBody>
       </p:sp>
@@ -3375,12 +3270,12 @@
   <p:clrMapOvr>
     <a:masterClrMapping/>
   </p:clrMapOvr>
-  <p:transition spd="med"/>
+  <p:transition xmlns:p14="http://schemas.microsoft.com/office/powerpoint/2010/main" spd="med" advClick="1"/>
 </p:sldLayout>
 </file>
 
 <file path=ppt/slideLayouts/slideLayout8.xml><?xml version="1.0" encoding="utf-8"?>
-<p:sldLayout xmlns:a="http://schemas.openxmlformats.org/drawingml/2006/main" xmlns:r="http://schemas.openxmlformats.org/officeDocument/2006/relationships" xmlns:p="http://schemas.openxmlformats.org/presentationml/2006/main" showMasterSp="0" type="tx">
+<p:sldLayout xmlns:a="http://schemas.openxmlformats.org/drawingml/2006/main" xmlns:r="http://schemas.openxmlformats.org/officeDocument/2006/relationships" xmlns:p="http://schemas.openxmlformats.org/presentationml/2006/main" type="tx" showMasterSp="0" showMasterPhAnim="1">
   <p:cSld name="Section title and description">
     <p:spTree>
       <p:nvGrpSpPr>
@@ -3418,18 +3313,16 @@
           </a:ln>
         </p:spPr>
         <p:txBody>
-          <a:bodyPr lIns="45719" rIns="45719" anchor="ctr"/>
+          <a:bodyPr lIns="45718" tIns="45718" rIns="45718" bIns="45718" anchor="ctr"/>
           <a:lstStyle/>
           <a:p>
             <a:pPr>
               <a:defRPr>
-                <a:latin typeface="+mn-lt"/>
-                <a:ea typeface="+mn-ea"/>
-                <a:cs typeface="+mn-cs"/>
-                <a:sym typeface="Helvetica Neue"/>
+                <a:solidFill>
+                  <a:srgbClr val="2A3990"/>
+                </a:solidFill>
               </a:defRPr>
             </a:pPr>
-            <a:endParaRPr dirty="0"/>
           </a:p>
         </p:txBody>
       </p:sp>
@@ -3442,7 +3335,7 @@
         <p:spPr>
           <a:xfrm>
             <a:off x="5029675" y="4495500"/>
-            <a:ext cx="468304" cy="4"/>
+            <a:ext cx="468305" cy="5"/>
           </a:xfrm>
           <a:prstGeom prst="line">
             <a:avLst/>
@@ -3454,19 +3347,23 @@
           </a:ln>
         </p:spPr>
         <p:txBody>
-          <a:bodyPr lIns="45719" rIns="45719"/>
+          <a:bodyPr lIns="45718" tIns="45718" rIns="45718" bIns="45718"/>
           <a:lstStyle/>
           <a:p>
-            <a:endParaRPr dirty="0"/>
+            <a:pPr>
+              <a:defRPr>
+                <a:solidFill>
+                  <a:srgbClr val="2A3990"/>
+                </a:solidFill>
+              </a:defRPr>
+            </a:pPr>
           </a:p>
         </p:txBody>
       </p:sp>
       <p:sp>
         <p:nvSpPr>
           <p:cNvPr id="98" name="Title Text"/>
-          <p:cNvSpPr txBox="1">
-            <a:spLocks noGrp="1"/>
-          </p:cNvSpPr>
+          <p:cNvSpPr txBox="1"/>
           <p:nvPr>
             <p:ph type="title"/>
           </p:nvPr>
@@ -3488,6 +3385,7 @@
             </a:lvl1pPr>
           </a:lstStyle>
           <a:p>
+            <a:pPr/>
             <a:r>
               <a:t>Title Text</a:t>
             </a:r>
@@ -3497,9 +3395,7 @@
       <p:sp>
         <p:nvSpPr>
           <p:cNvPr id="99" name="Body Level One…"/>
-          <p:cNvSpPr txBox="1">
-            <a:spLocks noGrp="1"/>
-          </p:cNvSpPr>
+          <p:cNvSpPr txBox="1"/>
           <p:nvPr>
             <p:ph type="body" sz="quarter" idx="1"/>
           </p:nvPr>
@@ -3516,7 +3412,7 @@
         <p:txBody>
           <a:bodyPr/>
           <a:lstStyle>
-            <a:lvl1pPr marL="228600" indent="0" algn="ctr">
+            <a:lvl1pPr marL="0" indent="228600" algn="ctr">
               <a:lnSpc>
                 <a:spcPct val="100000"/>
               </a:lnSpc>
@@ -3526,7 +3422,7 @@
               <a:buNone/>
               <a:defRPr sz="2100"/>
             </a:lvl1pPr>
-            <a:lvl2pPr marL="228600" indent="457200" algn="ctr">
+            <a:lvl2pPr marL="0" indent="228600" algn="ctr">
               <a:lnSpc>
                 <a:spcPct val="100000"/>
               </a:lnSpc>
@@ -3536,7 +3432,7 @@
               <a:buNone/>
               <a:defRPr sz="2100"/>
             </a:lvl2pPr>
-            <a:lvl3pPr marL="228600" indent="914400" algn="ctr">
+            <a:lvl3pPr marL="0" indent="228600" algn="ctr">
               <a:lnSpc>
                 <a:spcPct val="100000"/>
               </a:lnSpc>
@@ -3546,7 +3442,7 @@
               <a:buNone/>
               <a:defRPr sz="2100"/>
             </a:lvl3pPr>
-            <a:lvl4pPr marL="228600" indent="1371600" algn="ctr">
+            <a:lvl4pPr marL="0" indent="228600" algn="ctr">
               <a:lnSpc>
                 <a:spcPct val="100000"/>
               </a:lnSpc>
@@ -3556,7 +3452,7 @@
               <a:buNone/>
               <a:defRPr sz="2100"/>
             </a:lvl4pPr>
-            <a:lvl5pPr marL="228600" indent="1828800" algn="ctr">
+            <a:lvl5pPr marL="0" indent="228600" algn="ctr">
               <a:lnSpc>
                 <a:spcPct val="100000"/>
               </a:lnSpc>
@@ -3568,6 +3464,7 @@
             </a:lvl5pPr>
           </a:lstStyle>
           <a:p>
+            <a:pPr/>
             <a:r>
               <a:t>Body Level One</a:t>
             </a:r>
@@ -3601,9 +3498,7 @@
       <p:sp>
         <p:nvSpPr>
           <p:cNvPr id="100" name="Shape 64"/>
-          <p:cNvSpPr txBox="1">
-            <a:spLocks noGrp="1"/>
-          </p:cNvSpPr>
+          <p:cNvSpPr txBox="1"/>
           <p:nvPr>
             <p:ph type="body" sz="half" idx="13"/>
           </p:nvPr>
@@ -3621,16 +3516,14 @@
           <a:bodyPr anchor="ctr"/>
           <a:lstStyle/>
           <a:p>
-            <a:endParaRPr/>
+            <a:pPr/>
           </a:p>
         </p:txBody>
       </p:sp>
       <p:sp>
         <p:nvSpPr>
           <p:cNvPr id="101" name="Slide Number"/>
-          <p:cNvSpPr txBox="1">
-            <a:spLocks noGrp="1"/>
-          </p:cNvSpPr>
+          <p:cNvSpPr txBox="1"/>
           <p:nvPr>
             <p:ph type="sldNum" sz="quarter" idx="2"/>
           </p:nvPr>
@@ -3644,10 +3537,8 @@
           <a:bodyPr/>
           <a:lstStyle/>
           <a:p>
-            <a:fld id="{86CB4B4D-7CA3-9044-876B-883B54F8677D}" type="slidenum">
-              <a:t>‹#›</a:t>
-            </a:fld>
-            <a:endParaRPr dirty="0"/>
+            <a:pPr/>
+            <a:fld id="{86CB4B4D-7CA3-9044-876B-883B54F8677D}" type="slidenum"/>
           </a:p>
         </p:txBody>
       </p:sp>
@@ -3656,12 +3547,12 @@
   <p:clrMapOvr>
     <a:masterClrMapping/>
   </p:clrMapOvr>
-  <p:transition spd="med"/>
+  <p:transition xmlns:p14="http://schemas.microsoft.com/office/powerpoint/2010/main" spd="med" advClick="1"/>
 </p:sldLayout>
 </file>
 
 <file path=ppt/slideLayouts/slideLayout9.xml><?xml version="1.0" encoding="utf-8"?>
-<p:sldLayout xmlns:a="http://schemas.openxmlformats.org/drawingml/2006/main" xmlns:r="http://schemas.openxmlformats.org/officeDocument/2006/relationships" xmlns:p="http://schemas.openxmlformats.org/presentationml/2006/main" showMasterSp="0" type="tx">
+<p:sldLayout xmlns:a="http://schemas.openxmlformats.org/drawingml/2006/main" xmlns:r="http://schemas.openxmlformats.org/officeDocument/2006/relationships" xmlns:p="http://schemas.openxmlformats.org/presentationml/2006/main" type="tx" showMasterSp="0" showMasterPhAnim="1">
   <p:cSld name="Caption">
     <p:spTree>
       <p:nvGrpSpPr>
@@ -3680,9 +3571,7 @@
       <p:sp>
         <p:nvSpPr>
           <p:cNvPr id="108" name="Body Level One…"/>
-          <p:cNvSpPr txBox="1">
-            <a:spLocks noGrp="1"/>
-          </p:cNvSpPr>
+          <p:cNvSpPr txBox="1"/>
           <p:nvPr>
             <p:ph type="body" sz="quarter" idx="1"/>
           </p:nvPr>
@@ -3690,7 +3579,7 @@
         <p:spPr>
           <a:xfrm>
             <a:off x="319499" y="4230575"/>
-            <a:ext cx="5998803" cy="598804"/>
+            <a:ext cx="5998803" cy="598805"/>
           </a:xfrm>
           <a:prstGeom prst="rect">
             <a:avLst/>
@@ -3699,7 +3588,7 @@
         <p:txBody>
           <a:bodyPr anchor="ctr"/>
           <a:lstStyle>
-            <a:lvl1pPr marL="228600" indent="0">
+            <a:lvl1pPr marL="0" indent="228600">
               <a:lnSpc>
                 <a:spcPct val="100000"/>
               </a:lnSpc>
@@ -3738,6 +3627,7 @@
             </a:lvl5pPr>
           </a:lstStyle>
           <a:p>
+            <a:pPr/>
             <a:r>
               <a:t>Body Level One</a:t>
             </a:r>
@@ -3771,9 +3661,7 @@
       <p:sp>
         <p:nvSpPr>
           <p:cNvPr id="109" name="Slide Number"/>
-          <p:cNvSpPr txBox="1">
-            <a:spLocks noGrp="1"/>
-          </p:cNvSpPr>
+          <p:cNvSpPr txBox="1"/>
           <p:nvPr>
             <p:ph type="sldNum" sz="quarter" idx="2"/>
           </p:nvPr>
@@ -3795,10 +3683,8 @@
             </a:lvl1pPr>
           </a:lstStyle>
           <a:p>
-            <a:fld id="{86CB4B4D-7CA3-9044-876B-883B54F8677D}" type="slidenum">
-              <a:t>‹#›</a:t>
-            </a:fld>
-            <a:endParaRPr dirty="0"/>
+            <a:pPr/>
+            <a:fld id="{86CB4B4D-7CA3-9044-876B-883B54F8677D}" type="slidenum"/>
           </a:p>
         </p:txBody>
       </p:sp>
@@ -3807,7 +3693,7 @@
   <p:clrMapOvr>
     <a:masterClrMapping/>
   </p:clrMapOvr>
-  <p:transition spd="med"/>
+  <p:transition xmlns:p14="http://schemas.microsoft.com/office/powerpoint/2010/main" spd="med" advClick="1"/>
 </p:sldLayout>
 </file>
 
@@ -3819,7 +3705,6 @@
         <a:solidFill>
           <a:srgbClr val="FFFFFF"/>
         </a:solidFill>
-        <a:effectLst/>
       </p:bgPr>
     </p:bg>
     <p:spTree>
@@ -3844,10 +3729,10 @@
         </p:nvGrpSpPr>
         <p:grpSpPr>
           <a:xfrm>
-            <a:off x="0" y="3903667"/>
-            <a:ext cx="9144000" cy="1239932"/>
+            <a:off x="0" y="3903666"/>
+            <a:ext cx="9144000" cy="1239934"/>
             <a:chOff x="0" y="0"/>
-            <a:chExt cx="9144000" cy="1239931"/>
+            <a:chExt cx="9144000" cy="1239933"/>
           </a:xfrm>
         </p:grpSpPr>
         <p:sp>
@@ -3859,7 +3744,7 @@
           <p:spPr>
             <a:xfrm>
               <a:off x="8154895" y="-1"/>
-              <a:ext cx="989104" cy="987907"/>
+              <a:ext cx="989104" cy="987908"/>
             </a:xfrm>
             <a:custGeom>
               <a:avLst/>
@@ -3881,7 +3766,7 @@
               </a:cxnLst>
               <a:rect l="0" t="0" r="r" b="b"/>
               <a:pathLst>
-                <a:path w="21600" h="21600" extrusionOk="0">
+                <a:path w="21600" h="21600" fill="norm" stroke="1" extrusionOk="0">
                   <a:moveTo>
                     <a:pt x="0" y="21600"/>
                   </a:moveTo>
@@ -3905,20 +3790,18 @@
             <a:effectLst/>
           </p:spPr>
           <p:txBody>
-            <a:bodyPr wrap="square" lIns="45719" tIns="45719" rIns="45719" bIns="45719" numCol="1" anchor="ctr">
+            <a:bodyPr wrap="square" lIns="45718" tIns="45718" rIns="45718" bIns="45718" numCol="1" anchor="ctr">
               <a:noAutofit/>
             </a:bodyPr>
             <a:lstStyle/>
             <a:p>
               <a:pPr>
                 <a:defRPr>
-                  <a:latin typeface="+mn-lt"/>
-                  <a:ea typeface="+mn-ea"/>
-                  <a:cs typeface="+mn-cs"/>
-                  <a:sym typeface="Helvetica Neue"/>
+                  <a:solidFill>
+                    <a:srgbClr val="2A3990"/>
+                  </a:solidFill>
                 </a:defRPr>
               </a:pPr>
-              <a:endParaRPr dirty="0"/>
             </a:p>
           </p:txBody>
         </p:sp>
@@ -3930,8 +3813,8 @@
           </p:nvSpPr>
           <p:spPr>
             <a:xfrm flipH="1">
-              <a:off x="6181162" y="-1"/>
-              <a:ext cx="989105" cy="987907"/>
+              <a:off x="6181161" y="-1"/>
+              <a:ext cx="989107" cy="987908"/>
             </a:xfrm>
             <a:custGeom>
               <a:avLst/>
@@ -3953,7 +3836,7 @@
               </a:cxnLst>
               <a:rect l="0" t="0" r="r" b="b"/>
               <a:pathLst>
-                <a:path w="21600" h="21600" extrusionOk="0">
+                <a:path w="21600" h="21600" fill="norm" stroke="1" extrusionOk="0">
                   <a:moveTo>
                     <a:pt x="0" y="21600"/>
                   </a:moveTo>
@@ -3977,20 +3860,18 @@
             <a:effectLst/>
           </p:spPr>
           <p:txBody>
-            <a:bodyPr wrap="square" lIns="45719" tIns="45719" rIns="45719" bIns="45719" numCol="1" anchor="ctr">
+            <a:bodyPr wrap="square" lIns="45718" tIns="45718" rIns="45718" bIns="45718" numCol="1" anchor="ctr">
               <a:noAutofit/>
             </a:bodyPr>
             <a:lstStyle/>
             <a:p>
               <a:pPr>
                 <a:defRPr>
-                  <a:latin typeface="+mn-lt"/>
-                  <a:ea typeface="+mn-ea"/>
-                  <a:cs typeface="+mn-cs"/>
-                  <a:sym typeface="Helvetica Neue"/>
+                  <a:solidFill>
+                    <a:srgbClr val="2A3990"/>
+                  </a:solidFill>
                 </a:defRPr>
               </a:pPr>
-              <a:endParaRPr dirty="0"/>
             </a:p>
           </p:txBody>
         </p:sp>
@@ -4003,7 +3884,7 @@
           <p:spPr>
             <a:xfrm>
               <a:off x="7170273" y="1"/>
-              <a:ext cx="989104" cy="987904"/>
+              <a:ext cx="989104" cy="987905"/>
             </a:xfrm>
             <a:prstGeom prst="rect">
               <a:avLst/>
@@ -4018,20 +3899,18 @@
             <a:effectLst/>
           </p:spPr>
           <p:txBody>
-            <a:bodyPr wrap="square" lIns="45719" tIns="45719" rIns="45719" bIns="45719" numCol="1" anchor="ctr">
+            <a:bodyPr wrap="square" lIns="45718" tIns="45718" rIns="45718" bIns="45718" numCol="1" anchor="ctr">
               <a:noAutofit/>
             </a:bodyPr>
             <a:lstStyle/>
             <a:p>
               <a:pPr>
                 <a:defRPr>
-                  <a:latin typeface="+mn-lt"/>
-                  <a:ea typeface="+mn-ea"/>
-                  <a:cs typeface="+mn-cs"/>
-                  <a:sym typeface="Helvetica Neue"/>
+                  <a:solidFill>
+                    <a:srgbClr val="2A3990"/>
+                  </a:solidFill>
                 </a:defRPr>
               </a:pPr>
-              <a:endParaRPr dirty="0"/>
             </a:p>
           </p:txBody>
         </p:sp>
@@ -4043,8 +3922,8 @@
           </p:nvSpPr>
           <p:spPr>
             <a:xfrm rot="10800000">
-              <a:off x="8154757" y="11"/>
-              <a:ext cx="989104" cy="987908"/>
+              <a:off x="8154757" y="10"/>
+              <a:ext cx="989105" cy="987910"/>
             </a:xfrm>
             <a:custGeom>
               <a:avLst/>
@@ -4066,7 +3945,7 @@
               </a:cxnLst>
               <a:rect l="0" t="0" r="r" b="b"/>
               <a:pathLst>
-                <a:path w="21600" h="21600" extrusionOk="0">
+                <a:path w="21600" h="21600" fill="norm" stroke="1" extrusionOk="0">
                   <a:moveTo>
                     <a:pt x="0" y="21600"/>
                   </a:moveTo>
@@ -4090,20 +3969,18 @@
             <a:effectLst/>
           </p:spPr>
           <p:txBody>
-            <a:bodyPr wrap="square" lIns="45719" tIns="45719" rIns="45719" bIns="45719" numCol="1" anchor="ctr">
+            <a:bodyPr wrap="square" lIns="45718" tIns="45718" rIns="45718" bIns="45718" numCol="1" anchor="ctr">
               <a:noAutofit/>
             </a:bodyPr>
             <a:lstStyle/>
             <a:p>
               <a:pPr>
                 <a:defRPr>
-                  <a:latin typeface="+mn-lt"/>
-                  <a:ea typeface="+mn-ea"/>
-                  <a:cs typeface="+mn-cs"/>
-                  <a:sym typeface="Helvetica Neue"/>
+                  <a:solidFill>
+                    <a:srgbClr val="2A3990"/>
+                  </a:solidFill>
                 </a:defRPr>
               </a:pPr>
-              <a:endParaRPr dirty="0"/>
             </a:p>
           </p:txBody>
         </p:sp>
@@ -4116,7 +3993,7 @@
           <p:spPr>
             <a:xfrm>
               <a:off x="0" y="987928"/>
-              <a:ext cx="9144000" cy="252004"/>
+              <a:ext cx="9144000" cy="252005"/>
             </a:xfrm>
             <a:prstGeom prst="rect">
               <a:avLst/>
@@ -4131,20 +4008,18 @@
             <a:effectLst/>
           </p:spPr>
           <p:txBody>
-            <a:bodyPr wrap="square" lIns="45719" tIns="45719" rIns="45719" bIns="45719" numCol="1" anchor="ctr">
+            <a:bodyPr wrap="square" lIns="45718" tIns="45718" rIns="45718" bIns="45718" numCol="1" anchor="ctr">
               <a:noAutofit/>
             </a:bodyPr>
             <a:lstStyle/>
             <a:p>
               <a:pPr>
                 <a:defRPr>
-                  <a:latin typeface="+mn-lt"/>
-                  <a:ea typeface="+mn-ea"/>
-                  <a:cs typeface="+mn-cs"/>
-                  <a:sym typeface="Helvetica Neue"/>
+                  <a:solidFill>
+                    <a:srgbClr val="2A3990"/>
+                  </a:solidFill>
                 </a:defRPr>
               </a:pPr>
-              <a:endParaRPr dirty="0"/>
             </a:p>
           </p:txBody>
         </p:sp>
@@ -4152,9 +4027,7 @@
       <p:sp>
         <p:nvSpPr>
           <p:cNvPr id="8" name="Title Text"/>
-          <p:cNvSpPr txBox="1">
-            <a:spLocks noGrp="1"/>
-          </p:cNvSpPr>
+          <p:cNvSpPr txBox="1"/>
           <p:nvPr>
             <p:ph type="title"/>
           </p:nvPr>
@@ -4162,7 +4035,7 @@
         <p:spPr>
           <a:xfrm>
             <a:off x="311698" y="410000"/>
-            <a:ext cx="8520604" cy="607804"/>
+            <a:ext cx="8520604" cy="607805"/>
           </a:xfrm>
           <a:prstGeom prst="rect">
             <a:avLst/>
@@ -4172,16 +4045,17 @@
           </a:ln>
           <a:extLst>
             <a:ext uri="{C572A759-6A51-4108-AA02-DFA0A04FC94B}">
-              <ma14:wrappingTextBoxFlag xmlns:ma14="http://schemas.microsoft.com/office/mac/drawingml/2011/main" xmlns="" val="1"/>
+              <ma14:wrappingTextBoxFlag xmlns:ma14="http://schemas.microsoft.com/office/mac/drawingml/2011/main" val="1"/>
             </a:ext>
           </a:extLst>
         </p:spPr>
         <p:txBody>
-          <a:bodyPr lIns="91424" tIns="91424" rIns="91424" bIns="91424">
-            <a:normAutofit/>
+          <a:bodyPr lIns="91423" tIns="91423" rIns="91423" bIns="91423">
+            <a:normAutofit fontScale="100000" lnSpcReduction="0"/>
           </a:bodyPr>
           <a:lstStyle/>
           <a:p>
+            <a:pPr/>
             <a:r>
               <a:t>Title Text</a:t>
             </a:r>
@@ -4191,9 +4065,7 @@
       <p:sp>
         <p:nvSpPr>
           <p:cNvPr id="9" name="Body Level One…"/>
-          <p:cNvSpPr txBox="1">
-            <a:spLocks noGrp="1"/>
-          </p:cNvSpPr>
+          <p:cNvSpPr txBox="1"/>
           <p:nvPr>
             <p:ph type="body" idx="1"/>
           </p:nvPr>
@@ -4211,16 +4083,17 @@
           </a:ln>
           <a:extLst>
             <a:ext uri="{C572A759-6A51-4108-AA02-DFA0A04FC94B}">
-              <ma14:wrappingTextBoxFlag xmlns:ma14="http://schemas.microsoft.com/office/mac/drawingml/2011/main" xmlns="" val="1"/>
+              <ma14:wrappingTextBoxFlag xmlns:ma14="http://schemas.microsoft.com/office/mac/drawingml/2011/main" val="1"/>
             </a:ext>
           </a:extLst>
         </p:spPr>
         <p:txBody>
-          <a:bodyPr lIns="91424" tIns="91424" rIns="91424" bIns="91424">
-            <a:normAutofit/>
+          <a:bodyPr lIns="91423" tIns="91423" rIns="91423" bIns="91423">
+            <a:normAutofit fontScale="100000" lnSpcReduction="0"/>
           </a:bodyPr>
           <a:lstStyle/>
           <a:p>
+            <a:pPr/>
             <a:r>
               <a:t>Body Level One</a:t>
             </a:r>
@@ -4254,17 +4127,15 @@
       <p:sp>
         <p:nvSpPr>
           <p:cNvPr id="10" name="Slide Number"/>
-          <p:cNvSpPr txBox="1">
-            <a:spLocks noGrp="1"/>
-          </p:cNvSpPr>
+          <p:cNvSpPr txBox="1"/>
           <p:nvPr>
             <p:ph type="sldNum" sz="quarter" idx="2"/>
           </p:nvPr>
         </p:nvSpPr>
         <p:spPr>
           <a:xfrm>
-            <a:off x="8672369" y="4680390"/>
-            <a:ext cx="336763" cy="335201"/>
+            <a:off x="8672371" y="4680391"/>
+            <a:ext cx="336762" cy="335199"/>
           </a:xfrm>
           <a:prstGeom prst="rect">
             <a:avLst/>
@@ -4274,15 +4145,12 @@
           </a:ln>
         </p:spPr>
         <p:txBody>
-          <a:bodyPr wrap="none" lIns="91399" tIns="91399" rIns="91399" bIns="91399" anchor="ctr">
+          <a:bodyPr wrap="none" lIns="91398" tIns="91398" rIns="91398" bIns="91398" anchor="ctr">
             <a:spAutoFit/>
           </a:bodyPr>
           <a:lstStyle>
             <a:lvl1pPr algn="r">
               <a:defRPr sz="1000">
-                <a:solidFill>
-                  <a:srgbClr val="FFFFFF"/>
-                </a:solidFill>
                 <a:latin typeface="Roboto"/>
                 <a:ea typeface="Roboto"/>
                 <a:cs typeface="Roboto"/>
@@ -4291,10 +4159,8 @@
             </a:lvl1pPr>
           </a:lstStyle>
           <a:p>
-            <a:fld id="{86CB4B4D-7CA3-9044-876B-883B54F8677D}" type="slidenum">
-              <a:t>‹#›</a:t>
-            </a:fld>
-            <a:endParaRPr dirty="0"/>
+            <a:pPr/>
+            <a:fld id="{86CB4B4D-7CA3-9044-876B-883B54F8677D}" type="slidenum"/>
           </a:p>
         </p:txBody>
       </p:sp>
@@ -4302,19 +4168,19 @@
   </p:cSld>
   <p:clrMap bg1="dk1" tx1="lt1" bg2="dk2" tx2="lt2" accent1="accent1" accent2="accent2" accent3="accent3" accent4="accent4" accent5="accent5" accent6="accent6" hlink="hlink" folHlink="folHlink"/>
   <p:sldLayoutIdLst>
-    <p:sldLayoutId id="2147483649" r:id="rId1"/>
-    <p:sldLayoutId id="2147483650" r:id="rId2"/>
-    <p:sldLayoutId id="2147483651" r:id="rId3"/>
-    <p:sldLayoutId id="2147483652" r:id="rId4"/>
-    <p:sldLayoutId id="2147483653" r:id="rId5"/>
-    <p:sldLayoutId id="2147483654" r:id="rId6"/>
-    <p:sldLayoutId id="2147483655" r:id="rId7"/>
-    <p:sldLayoutId id="2147483656" r:id="rId8"/>
-    <p:sldLayoutId id="2147483657" r:id="rId9"/>
-    <p:sldLayoutId id="2147483658" r:id="rId10"/>
-    <p:sldLayoutId id="2147483659" r:id="rId11"/>
+    <p:sldLayoutId id="2147483649" r:id="rId2"/>
+    <p:sldLayoutId id="2147483650" r:id="rId3"/>
+    <p:sldLayoutId id="2147483651" r:id="rId4"/>
+    <p:sldLayoutId id="2147483652" r:id="rId5"/>
+    <p:sldLayoutId id="2147483653" r:id="rId6"/>
+    <p:sldLayoutId id="2147483654" r:id="rId7"/>
+    <p:sldLayoutId id="2147483655" r:id="rId8"/>
+    <p:sldLayoutId id="2147483656" r:id="rId9"/>
+    <p:sldLayoutId id="2147483657" r:id="rId10"/>
+    <p:sldLayoutId id="2147483658" r:id="rId11"/>
+    <p:sldLayoutId id="2147483659" r:id="rId12"/>
   </p:sldLayoutIdLst>
-  <p:transition spd="med"/>
+  <p:transition xmlns:p14="http://schemas.microsoft.com/office/powerpoint/2010/main" spd="med" advClick="1"/>
   <p:txStyles>
     <p:titleStyle>
       <a:lvl1pPr marL="0" marR="0" indent="0" algn="l" defTabSz="914400" rtl="0" latinLnBrk="0">
@@ -4332,7 +4198,7 @@
         <a:buFontTx/>
         <a:buNone/>
         <a:tabLst/>
-        <a:defRPr sz="3000" b="0" i="0" u="none" strike="noStrike" cap="none" spc="0" baseline="0">
+        <a:defRPr b="0" baseline="0" cap="none" i="0" spc="0" strike="noStrike" sz="3000" u="none">
           <a:ln>
             <a:noFill/>
           </a:ln>
@@ -4361,7 +4227,7 @@
         <a:buFontTx/>
         <a:buNone/>
         <a:tabLst/>
-        <a:defRPr sz="3000" b="0" i="0" u="none" strike="noStrike" cap="none" spc="0" baseline="0">
+        <a:defRPr b="0" baseline="0" cap="none" i="0" spc="0" strike="noStrike" sz="3000" u="none">
           <a:ln>
             <a:noFill/>
           </a:ln>
@@ -4390,7 +4256,7 @@
         <a:buFontTx/>
         <a:buNone/>
         <a:tabLst/>
-        <a:defRPr sz="3000" b="0" i="0" u="none" strike="noStrike" cap="none" spc="0" baseline="0">
+        <a:defRPr b="0" baseline="0" cap="none" i="0" spc="0" strike="noStrike" sz="3000" u="none">
           <a:ln>
             <a:noFill/>
           </a:ln>
@@ -4419,7 +4285,7 @@
         <a:buFontTx/>
         <a:buNone/>
         <a:tabLst/>
-        <a:defRPr sz="3000" b="0" i="0" u="none" strike="noStrike" cap="none" spc="0" baseline="0">
+        <a:defRPr b="0" baseline="0" cap="none" i="0" spc="0" strike="noStrike" sz="3000" u="none">
           <a:ln>
             <a:noFill/>
           </a:ln>
@@ -4448,7 +4314,7 @@
         <a:buFontTx/>
         <a:buNone/>
         <a:tabLst/>
-        <a:defRPr sz="3000" b="0" i="0" u="none" strike="noStrike" cap="none" spc="0" baseline="0">
+        <a:defRPr b="0" baseline="0" cap="none" i="0" spc="0" strike="noStrike" sz="3000" u="none">
           <a:ln>
             <a:noFill/>
           </a:ln>
@@ -4477,7 +4343,7 @@
         <a:buFontTx/>
         <a:buNone/>
         <a:tabLst/>
-        <a:defRPr sz="3000" b="0" i="0" u="none" strike="noStrike" cap="none" spc="0" baseline="0">
+        <a:defRPr b="0" baseline="0" cap="none" i="0" spc="0" strike="noStrike" sz="3000" u="none">
           <a:ln>
             <a:noFill/>
           </a:ln>
@@ -4506,7 +4372,7 @@
         <a:buFontTx/>
         <a:buNone/>
         <a:tabLst/>
-        <a:defRPr sz="3000" b="0" i="0" u="none" strike="noStrike" cap="none" spc="0" baseline="0">
+        <a:defRPr b="0" baseline="0" cap="none" i="0" spc="0" strike="noStrike" sz="3000" u="none">
           <a:ln>
             <a:noFill/>
           </a:ln>
@@ -4535,7 +4401,7 @@
         <a:buFontTx/>
         <a:buNone/>
         <a:tabLst/>
-        <a:defRPr sz="3000" b="0" i="0" u="none" strike="noStrike" cap="none" spc="0" baseline="0">
+        <a:defRPr b="0" baseline="0" cap="none" i="0" spc="0" strike="noStrike" sz="3000" u="none">
           <a:ln>
             <a:noFill/>
           </a:ln>
@@ -4564,7 +4430,7 @@
         <a:buFontTx/>
         <a:buNone/>
         <a:tabLst/>
-        <a:defRPr sz="3000" b="0" i="0" u="none" strike="noStrike" cap="none" spc="0" baseline="0">
+        <a:defRPr b="0" baseline="0" cap="none" i="0" spc="0" strike="noStrike" sz="3000" u="none">
           <a:ln>
             <a:noFill/>
           </a:ln>
@@ -4597,7 +4463,7 @@
         <a:buFont typeface="Helvetica Neue"/>
         <a:buChar char="●"/>
         <a:tabLst/>
-        <a:defRPr sz="1800" b="0" i="0" u="none" strike="noStrike" cap="none" spc="0" baseline="0">
+        <a:defRPr b="0" baseline="0" cap="none" i="0" spc="0" strike="noStrike" sz="1800" u="none">
           <a:ln>
             <a:noFill/>
           </a:ln>
@@ -4628,7 +4494,7 @@
         <a:buFont typeface="Helvetica Neue"/>
         <a:buChar char="○"/>
         <a:tabLst/>
-        <a:defRPr sz="1800" b="0" i="0" u="none" strike="noStrike" cap="none" spc="0" baseline="0">
+        <a:defRPr b="0" baseline="0" cap="none" i="0" spc="0" strike="noStrike" sz="1800" u="none">
           <a:ln>
             <a:noFill/>
           </a:ln>
@@ -4659,7 +4525,7 @@
         <a:buFont typeface="Helvetica Neue"/>
         <a:buChar char="■"/>
         <a:tabLst/>
-        <a:defRPr sz="1800" b="0" i="0" u="none" strike="noStrike" cap="none" spc="0" baseline="0">
+        <a:defRPr b="0" baseline="0" cap="none" i="0" spc="0" strike="noStrike" sz="1800" u="none">
           <a:ln>
             <a:noFill/>
           </a:ln>
@@ -4690,7 +4556,7 @@
         <a:buFont typeface="Helvetica Neue"/>
         <a:buChar char="●"/>
         <a:tabLst/>
-        <a:defRPr sz="1800" b="0" i="0" u="none" strike="noStrike" cap="none" spc="0" baseline="0">
+        <a:defRPr b="0" baseline="0" cap="none" i="0" spc="0" strike="noStrike" sz="1800" u="none">
           <a:ln>
             <a:noFill/>
           </a:ln>
@@ -4721,7 +4587,7 @@
         <a:buFont typeface="Helvetica Neue"/>
         <a:buChar char="○"/>
         <a:tabLst/>
-        <a:defRPr sz="1800" b="0" i="0" u="none" strike="noStrike" cap="none" spc="0" baseline="0">
+        <a:defRPr b="0" baseline="0" cap="none" i="0" spc="0" strike="noStrike" sz="1800" u="none">
           <a:ln>
             <a:noFill/>
           </a:ln>
@@ -4752,7 +4618,7 @@
         <a:buFont typeface="Helvetica Neue"/>
         <a:buChar char="■"/>
         <a:tabLst/>
-        <a:defRPr sz="1800" b="0" i="0" u="none" strike="noStrike" cap="none" spc="0" baseline="0">
+        <a:defRPr b="0" baseline="0" cap="none" i="0" spc="0" strike="noStrike" sz="1800" u="none">
           <a:ln>
             <a:noFill/>
           </a:ln>
@@ -4783,7 +4649,7 @@
         <a:buFont typeface="Helvetica Neue"/>
         <a:buChar char="●"/>
         <a:tabLst/>
-        <a:defRPr sz="1800" b="0" i="0" u="none" strike="noStrike" cap="none" spc="0" baseline="0">
+        <a:defRPr b="0" baseline="0" cap="none" i="0" spc="0" strike="noStrike" sz="1800" u="none">
           <a:ln>
             <a:noFill/>
           </a:ln>
@@ -4814,7 +4680,7 @@
         <a:buFont typeface="Helvetica Neue"/>
         <a:buChar char="○"/>
         <a:tabLst/>
-        <a:defRPr sz="1800" b="0" i="0" u="none" strike="noStrike" cap="none" spc="0" baseline="0">
+        <a:defRPr b="0" baseline="0" cap="none" i="0" spc="0" strike="noStrike" sz="1800" u="none">
           <a:ln>
             <a:noFill/>
           </a:ln>
@@ -4845,7 +4711,7 @@
         <a:buFont typeface="Helvetica Neue"/>
         <a:buChar char="■"/>
         <a:tabLst/>
-        <a:defRPr sz="1800" b="0" i="0" u="none" strike="noStrike" cap="none" spc="0" baseline="0">
+        <a:defRPr b="0" baseline="0" cap="none" i="0" spc="0" strike="noStrike" sz="1800" u="none">
           <a:ln>
             <a:noFill/>
           </a:ln>
@@ -4876,7 +4742,7 @@
         <a:buFontTx/>
         <a:buNone/>
         <a:tabLst/>
-        <a:defRPr sz="1000" b="0" i="0" u="none" strike="noStrike" cap="none" spc="0" baseline="0">
+        <a:defRPr b="0" baseline="0" cap="none" i="0" spc="0" strike="noStrike" sz="1000" u="none">
           <a:ln>
             <a:noFill/>
           </a:ln>
@@ -4905,7 +4771,7 @@
         <a:buFontTx/>
         <a:buNone/>
         <a:tabLst/>
-        <a:defRPr sz="1000" b="0" i="0" u="none" strike="noStrike" cap="none" spc="0" baseline="0">
+        <a:defRPr b="0" baseline="0" cap="none" i="0" spc="0" strike="noStrike" sz="1000" u="none">
           <a:ln>
             <a:noFill/>
           </a:ln>
@@ -4934,7 +4800,7 @@
         <a:buFontTx/>
         <a:buNone/>
         <a:tabLst/>
-        <a:defRPr sz="1000" b="0" i="0" u="none" strike="noStrike" cap="none" spc="0" baseline="0">
+        <a:defRPr b="0" baseline="0" cap="none" i="0" spc="0" strike="noStrike" sz="1000" u="none">
           <a:ln>
             <a:noFill/>
           </a:ln>
@@ -4963,7 +4829,7 @@
         <a:buFontTx/>
         <a:buNone/>
         <a:tabLst/>
-        <a:defRPr sz="1000" b="0" i="0" u="none" strike="noStrike" cap="none" spc="0" baseline="0">
+        <a:defRPr b="0" baseline="0" cap="none" i="0" spc="0" strike="noStrike" sz="1000" u="none">
           <a:ln>
             <a:noFill/>
           </a:ln>
@@ -4992,7 +4858,7 @@
         <a:buFontTx/>
         <a:buNone/>
         <a:tabLst/>
-        <a:defRPr sz="1000" b="0" i="0" u="none" strike="noStrike" cap="none" spc="0" baseline="0">
+        <a:defRPr b="0" baseline="0" cap="none" i="0" spc="0" strike="noStrike" sz="1000" u="none">
           <a:ln>
             <a:noFill/>
           </a:ln>
@@ -5021,7 +4887,7 @@
         <a:buFontTx/>
         <a:buNone/>
         <a:tabLst/>
-        <a:defRPr sz="1000" b="0" i="0" u="none" strike="noStrike" cap="none" spc="0" baseline="0">
+        <a:defRPr b="0" baseline="0" cap="none" i="0" spc="0" strike="noStrike" sz="1000" u="none">
           <a:ln>
             <a:noFill/>
           </a:ln>
@@ -5050,7 +4916,7 @@
         <a:buFontTx/>
         <a:buNone/>
         <a:tabLst/>
-        <a:defRPr sz="1000" b="0" i="0" u="none" strike="noStrike" cap="none" spc="0" baseline="0">
+        <a:defRPr b="0" baseline="0" cap="none" i="0" spc="0" strike="noStrike" sz="1000" u="none">
           <a:ln>
             <a:noFill/>
           </a:ln>
@@ -5079,7 +4945,7 @@
         <a:buFontTx/>
         <a:buNone/>
         <a:tabLst/>
-        <a:defRPr sz="1000" b="0" i="0" u="none" strike="noStrike" cap="none" spc="0" baseline="0">
+        <a:defRPr b="0" baseline="0" cap="none" i="0" spc="0" strike="noStrike" sz="1000" u="none">
           <a:ln>
             <a:noFill/>
           </a:ln>
@@ -5108,7 +4974,7 @@
         <a:buFontTx/>
         <a:buNone/>
         <a:tabLst/>
-        <a:defRPr sz="1000" b="0" i="0" u="none" strike="noStrike" cap="none" spc="0" baseline="0">
+        <a:defRPr b="0" baseline="0" cap="none" i="0" spc="0" strike="noStrike" sz="1000" u="none">
           <a:ln>
             <a:noFill/>
           </a:ln>
@@ -5128,7 +4994,7 @@
 </file>
 
 <file path=ppt/slides/slide1.xml><?xml version="1.0" encoding="utf-8"?>
-<p:sld xmlns:a="http://schemas.openxmlformats.org/drawingml/2006/main" xmlns:r="http://schemas.openxmlformats.org/officeDocument/2006/relationships" xmlns:p="http://schemas.openxmlformats.org/presentationml/2006/main">
+<p:sld xmlns:a="http://schemas.openxmlformats.org/drawingml/2006/main" xmlns:r="http://schemas.openxmlformats.org/officeDocument/2006/relationships" xmlns:p="http://schemas.openxmlformats.org/presentationml/2006/main" showMasterSp="1" showMasterPhAnim="1">
   <p:cSld>
     <p:spTree>
       <p:nvGrpSpPr>
@@ -5147,9 +5013,7 @@
       <p:sp>
         <p:nvSpPr>
           <p:cNvPr id="140" name="Shape 85"/>
-          <p:cNvSpPr txBox="1">
-            <a:spLocks noGrp="1"/>
-          </p:cNvSpPr>
+          <p:cNvSpPr txBox="1"/>
           <p:nvPr>
             <p:ph type="ctrTitle"/>
           </p:nvPr>
@@ -5164,66 +5028,51 @@
           </a:prstGeom>
         </p:spPr>
         <p:txBody>
-          <a:bodyPr lIns="91399" tIns="91399" rIns="91399" bIns="91399"/>
+          <a:bodyPr lIns="91398" tIns="91398" rIns="91398" bIns="91398"/>
           <a:lstStyle/>
           <a:p>
-            <a:r>
-              <a:rPr dirty="0"/>
-              <a:t>ENSE</a:t>
-            </a:r>
-            <a:r>
-              <a:rPr dirty="0"/>
-              <a:t> 470 - Milestone </a:t>
-            </a:r>
-            <a:r>
-              <a:rPr lang="en-CA" dirty="0" smtClean="0"/>
+            <a:pPr/>
+            <a:r>
+              <a:t>ENSE 470 - Milestone </a:t>
+            </a:r>
+            <a:r>
               <a:t>3</a:t>
             </a:r>
-            <a:endParaRPr dirty="0"/>
           </a:p>
         </p:txBody>
       </p:sp>
       <p:sp>
         <p:nvSpPr>
           <p:cNvPr id="141" name="Shape 86"/>
-          <p:cNvSpPr txBox="1">
-            <a:spLocks noGrp="1"/>
-          </p:cNvSpPr>
+          <p:cNvSpPr txBox="1"/>
           <p:nvPr>
             <p:ph type="subTitle" sz="quarter" idx="1"/>
           </p:nvPr>
         </p:nvSpPr>
         <p:spPr>
           <a:xfrm>
-            <a:off x="598097" y="2571325"/>
-            <a:ext cx="3596706" cy="2409004"/>
+            <a:off x="598096" y="2571324"/>
+            <a:ext cx="3596708" cy="2409006"/>
           </a:xfrm>
           <a:prstGeom prst="rect">
             <a:avLst/>
           </a:prstGeom>
         </p:spPr>
         <p:txBody>
-          <a:bodyPr lIns="91399" tIns="91399" rIns="91399" bIns="91399"/>
+          <a:bodyPr lIns="91398" tIns="91398" rIns="91398" bIns="91398"/>
           <a:lstStyle/>
           <a:p>
-            <a:pPr marL="0"/>
-            <a:r>
-              <a:rPr dirty="0"/>
-              <a:t>Group Name: </a:t>
-            </a:r>
-            <a:r>
-              <a:rPr dirty="0"/>
-              <a:t>GLHF</a:t>
-            </a:r>
-            <a:endParaRPr dirty="0"/>
-          </a:p>
-          <a:p>
-            <a:pPr marL="0"/>
-            <a:r>
-              <a:rPr dirty="0"/>
+            <a:pPr indent="0"/>
+            <a:r>
+              <a:t>Group Name: GLHF</a:t>
+            </a:r>
+          </a:p>
+          <a:p>
+            <a:pPr indent="0"/>
+            <a:r>
               <a:t>Group Members:</a:t>
             </a:r>
-            <a:endParaRPr sz="1800" dirty="0">
+            <a:endParaRPr sz="1800">
               <a:solidFill>
                 <a:srgbClr val="434343"/>
               </a:solidFill>
@@ -5239,10 +5088,9 @@
               <a:buChar char="-"/>
             </a:pPr>
             <a:r>
-              <a:rPr dirty="0"/>
               <a:t>Vincent Chan</a:t>
             </a:r>
-            <a:endParaRPr sz="1800" dirty="0">
+            <a:endParaRPr sz="1800">
               <a:solidFill>
                 <a:srgbClr val="434343"/>
               </a:solidFill>
@@ -5258,14 +5106,8 @@
               <a:buChar char="-"/>
             </a:pPr>
             <a:r>
-              <a:rPr dirty="0"/>
-              <a:t>Thiago De </a:t>
-            </a:r>
-            <a:r>
-              <a:rPr dirty="0"/>
-              <a:t>Melo</a:t>
-            </a:r>
-            <a:endParaRPr dirty="0"/>
+              <a:t>Thiago De Melo</a:t>
+            </a:r>
           </a:p>
           <a:p>
             <a:pPr marL="457200" indent="-361950">
@@ -5277,14 +5119,9 @@
               <a:buChar char="-"/>
             </a:pPr>
             <a:r>
-              <a:rPr dirty="0"/>
-              <a:t>Shuaihao</a:t>
-            </a:r>
-            <a:r>
-              <a:rPr dirty="0"/>
-              <a:t> Zhao</a:t>
-            </a:r>
-            <a:endParaRPr sz="1800" dirty="0">
+              <a:t>Shuaihao Zhao</a:t>
+            </a:r>
+            <a:endParaRPr sz="1800">
               <a:solidFill>
                 <a:srgbClr val="434343"/>
               </a:solidFill>
@@ -5300,14 +5137,8 @@
               <a:buChar char="-"/>
             </a:pPr>
             <a:r>
-              <a:rPr dirty="0"/>
-              <a:t>Joe Emmanuel </a:t>
-            </a:r>
-            <a:r>
-              <a:rPr dirty="0"/>
-              <a:t>Samano</a:t>
-            </a:r>
-            <a:endParaRPr dirty="0"/>
+              <a:t>Joe Emmanuel Samano</a:t>
+            </a:r>
           </a:p>
         </p:txBody>
       </p:sp>
@@ -5319,8 +5150,8 @@
         </p:nvSpPr>
         <p:spPr>
           <a:xfrm>
-            <a:off x="6312197" y="4286425"/>
-            <a:ext cx="2508005" cy="500301"/>
+            <a:off x="6312196" y="4286425"/>
+            <a:ext cx="2508006" cy="500299"/>
           </a:xfrm>
           <a:prstGeom prst="rect">
             <a:avLst/>
@@ -5330,20 +5161,17 @@
           </a:ln>
           <a:extLst>
             <a:ext uri="{C572A759-6A51-4108-AA02-DFA0A04FC94B}">
-              <ma14:wrappingTextBoxFlag xmlns:ma14="http://schemas.microsoft.com/office/mac/drawingml/2011/main" xmlns="" val="1"/>
+              <ma14:wrappingTextBoxFlag xmlns:ma14="http://schemas.microsoft.com/office/mac/drawingml/2011/main" val="1"/>
             </a:ext>
           </a:extLst>
         </p:spPr>
         <p:txBody>
-          <a:bodyPr lIns="91399" tIns="91399" rIns="91399" bIns="91399">
+          <a:bodyPr lIns="91398" tIns="91398" rIns="91398" bIns="91398">
             <a:spAutoFit/>
           </a:bodyPr>
           <a:lstStyle>
             <a:lvl1pPr>
               <a:defRPr sz="2100">
-                <a:solidFill>
-                  <a:srgbClr val="FFFFFF"/>
-                </a:solidFill>
                 <a:latin typeface="Roboto"/>
                 <a:ea typeface="Roboto"/>
                 <a:cs typeface="Roboto"/>
@@ -5352,9 +5180,9 @@
             </a:lvl1pPr>
           </a:lstStyle>
           <a:p>
-            <a:r>
-              <a:rPr dirty="0"/>
-              <a:t>January 25, 2018</a:t>
+            <a:pPr/>
+            <a:r>
+              <a:t>February 1, 2018</a:t>
             </a:r>
           </a:p>
         </p:txBody>
@@ -5364,12 +5192,12 @@
   <p:clrMapOvr>
     <a:masterClrMapping/>
   </p:clrMapOvr>
-  <p:transition spd="med"/>
+  <p:transition xmlns:p14="http://schemas.microsoft.com/office/powerpoint/2010/main" spd="med" advClick="1"/>
 </p:sld>
 </file>
 
 <file path=ppt/slides/slide10.xml><?xml version="1.0" encoding="utf-8"?>
-<p:sld xmlns:a="http://schemas.openxmlformats.org/drawingml/2006/main" xmlns:r="http://schemas.openxmlformats.org/officeDocument/2006/relationships" xmlns:p="http://schemas.openxmlformats.org/presentationml/2006/main">
+<p:sld xmlns:a="http://schemas.openxmlformats.org/drawingml/2006/main" xmlns:r="http://schemas.openxmlformats.org/officeDocument/2006/relationships" xmlns:p="http://schemas.openxmlformats.org/presentationml/2006/main" showMasterSp="1" showMasterPhAnim="1">
   <p:cSld>
     <p:spTree>
       <p:nvGrpSpPr>
@@ -5387,235 +5215,172 @@
       </p:grpSpPr>
       <p:sp>
         <p:nvSpPr>
-          <p:cNvPr id="2" name="Title 1"/>
-          <p:cNvSpPr>
-            <a:spLocks noGrp="1"/>
-          </p:cNvSpPr>
+          <p:cNvPr id="207" name="Title 1"/>
+          <p:cNvSpPr txBox="1"/>
           <p:nvPr>
             <p:ph type="title"/>
           </p:nvPr>
         </p:nvSpPr>
-        <p:spPr/>
+        <p:spPr>
+          <a:xfrm>
+            <a:off x="311698" y="410000"/>
+            <a:ext cx="8520604" cy="607805"/>
+          </a:xfrm>
+          <a:prstGeom prst="rect">
+            <a:avLst/>
+          </a:prstGeom>
+        </p:spPr>
         <p:txBody>
-          <a:bodyPr>
-            <a:normAutofit fontScale="90000"/>
-          </a:bodyPr>
-          <a:lstStyle/>
-          <a:p>
-            <a:r>
-              <a:rPr lang="en-CA" dirty="0" smtClean="0"/>
+          <a:bodyPr/>
+          <a:lstStyle>
+            <a:lvl1pPr>
+              <a:defRPr sz="2700"/>
+            </a:lvl1pPr>
+          </a:lstStyle>
+          <a:p>
+            <a:pPr/>
+            <a:r>
               <a:t>Group Reflection</a:t>
             </a:r>
-            <a:endParaRPr lang="en-CA" dirty="0"/>
           </a:p>
         </p:txBody>
       </p:sp>
       <p:sp>
         <p:nvSpPr>
-          <p:cNvPr id="3" name="Text Placeholder 2"/>
-          <p:cNvSpPr>
-            <a:spLocks noGrp="1"/>
-          </p:cNvSpPr>
+          <p:cNvPr id="208" name="Text Placeholder 2"/>
+          <p:cNvSpPr txBox="1"/>
           <p:nvPr>
             <p:ph type="body" idx="1"/>
           </p:nvPr>
         </p:nvSpPr>
         <p:spPr>
           <a:xfrm>
-            <a:off x="311698" y="1229875"/>
-            <a:ext cx="8652790" cy="3339001"/>
+            <a:off x="311698" y="1229874"/>
+            <a:ext cx="8652790" cy="3339002"/>
           </a:xfrm>
+          <a:prstGeom prst="rect">
+            <a:avLst/>
+          </a:prstGeom>
         </p:spPr>
         <p:txBody>
-          <a:bodyPr>
-            <a:normAutofit/>
-          </a:bodyPr>
+          <a:bodyPr/>
           <a:lstStyle/>
           <a:p>
-            <a:pPr marL="114300" indent="0">
+            <a:pPr marL="0" indent="114300">
+              <a:buSzTx/>
               <a:buNone/>
+              <a:defRPr sz="1600"/>
             </a:pPr>
             <a:r>
-              <a:rPr lang="en-CA" sz="1600" dirty="0"/>
-              <a:t>How did you feel about this milestone? What did you like about it? What did </a:t>
-            </a:r>
-            <a:r>
-              <a:rPr lang="en-CA" sz="1600" dirty="0" smtClean="0"/>
-              <a:t>you dislike?</a:t>
-            </a:r>
-          </a:p>
-          <a:p>
-            <a:r>
-              <a:rPr lang="en-CA" sz="1600" dirty="0" smtClean="0"/>
-              <a:t>It </a:t>
-            </a:r>
-            <a:r>
-              <a:rPr lang="en-CA" sz="1600" dirty="0"/>
-              <a:t>was a lot of more difficult and confusing compared to the </a:t>
-            </a:r>
-            <a:r>
-              <a:rPr lang="en-CA" sz="1600" dirty="0" smtClean="0"/>
-              <a:t>previous milestones.</a:t>
-            </a:r>
-          </a:p>
-          <a:p>
-            <a:r>
-              <a:rPr lang="en-CA" sz="1600" dirty="0" smtClean="0"/>
-              <a:t>After </a:t>
-            </a:r>
-            <a:r>
-              <a:rPr lang="en-CA" sz="1600" dirty="0"/>
-              <a:t>we did the user story, it became clearer for us to visual the </a:t>
-            </a:r>
-            <a:r>
-              <a:rPr lang="en-CA" sz="1600" dirty="0" smtClean="0"/>
-              <a:t>whole project.</a:t>
-            </a:r>
-          </a:p>
-          <a:p>
-            <a:r>
-              <a:rPr lang="en-CA" sz="1600" dirty="0" smtClean="0"/>
-              <a:t>It </a:t>
-            </a:r>
-            <a:r>
-              <a:rPr lang="en-CA" sz="1600" dirty="0"/>
-              <a:t>was difficult, confusing, and </a:t>
-            </a:r>
-            <a:r>
-              <a:rPr lang="en-CA" sz="1600" dirty="0" smtClean="0"/>
-              <a:t>time-consuming.</a:t>
-            </a:r>
-          </a:p>
-          <a:p>
-            <a:pPr marL="114300" indent="0">
+              <a:t>How did you feel about this milestone? What did you like about it? What did you dislike?</a:t>
+            </a:r>
+          </a:p>
+          <a:p>
+            <a:pPr>
+              <a:buSzPts val="1600"/>
+              <a:defRPr sz="1600"/>
+            </a:pPr>
+            <a:r>
+              <a:t>It was a lot of more difficult and confusing compared to the previous milestones.</a:t>
+            </a:r>
+          </a:p>
+          <a:p>
+            <a:pPr>
+              <a:buSzPts val="1600"/>
+              <a:defRPr sz="1600"/>
+            </a:pPr>
+            <a:r>
+              <a:t>After we did the user story, it became clearer for us to visual the whole project.</a:t>
+            </a:r>
+          </a:p>
+          <a:p>
+            <a:pPr>
+              <a:buSzPts val="1600"/>
+              <a:defRPr sz="1600"/>
+            </a:pPr>
+            <a:r>
+              <a:t>It was difficult, confusing, and time-consuming.</a:t>
+            </a:r>
+          </a:p>
+          <a:p>
+            <a:pPr marL="0" indent="114300">
+              <a:buSzTx/>
               <a:buNone/>
+              <a:defRPr sz="1600"/>
             </a:pPr>
             <a:r>
-              <a:rPr lang="en-CA" sz="1600" dirty="0" smtClean="0"/>
-              <a:t>What </a:t>
-            </a:r>
-            <a:r>
-              <a:rPr lang="en-CA" sz="1600" dirty="0"/>
-              <a:t>did you learn about yourself as you collaborated and worked through </a:t>
-            </a:r>
-            <a:r>
-              <a:rPr lang="en-CA" sz="1600" dirty="0" smtClean="0"/>
-              <a:t>this milestone?</a:t>
-            </a:r>
-          </a:p>
-          <a:p>
-            <a:r>
-              <a:rPr lang="en-CA" sz="1600" dirty="0" smtClean="0"/>
-              <a:t>We </a:t>
-            </a:r>
-            <a:r>
-              <a:rPr lang="en-CA" sz="1600" dirty="0"/>
-              <a:t>learn to create a user story </a:t>
-            </a:r>
-            <a:r>
-              <a:rPr lang="en-CA" sz="1600" dirty="0" smtClean="0"/>
-              <a:t>map.</a:t>
-            </a:r>
-          </a:p>
-          <a:p>
-            <a:pPr marL="114300" indent="0">
+              <a:t>What did you learn about yourself as you collaborated and worked through this milestone?</a:t>
+            </a:r>
+          </a:p>
+          <a:p>
+            <a:pPr>
+              <a:buSzPts val="1600"/>
+              <a:defRPr sz="1600"/>
+            </a:pPr>
+            <a:r>
+              <a:t>We learn to create a user story map.</a:t>
+            </a:r>
+          </a:p>
+          <a:p>
+            <a:pPr marL="0" indent="114300">
+              <a:buSzTx/>
               <a:buNone/>
+              <a:defRPr sz="1600"/>
             </a:pPr>
             <a:r>
-              <a:rPr lang="en-CA" sz="1600" dirty="0" smtClean="0"/>
-              <a:t>How </a:t>
-            </a:r>
-            <a:r>
-              <a:rPr lang="en-CA" sz="1600" dirty="0"/>
-              <a:t>will you use what you have learned going </a:t>
-            </a:r>
-            <a:r>
-              <a:rPr lang="en-CA" sz="1600" dirty="0" smtClean="0"/>
-              <a:t>forward?</a:t>
-            </a:r>
-          </a:p>
-          <a:p>
-            <a:r>
-              <a:rPr lang="en-CA" sz="1600" dirty="0" smtClean="0"/>
-              <a:t>Can </a:t>
-            </a:r>
-            <a:r>
-              <a:rPr lang="en-CA" sz="1600" dirty="0"/>
-              <a:t>use to </a:t>
-            </a:r>
-            <a:r>
-              <a:rPr lang="en-CA" sz="1600" dirty="0" smtClean="0"/>
-              <a:t>help describe the </a:t>
-            </a:r>
-            <a:r>
-              <a:rPr lang="en-CA" sz="1600" dirty="0"/>
-              <a:t>whole </a:t>
-            </a:r>
-            <a:r>
-              <a:rPr lang="en-CA" sz="1600" dirty="0" smtClean="0"/>
-              <a:t>process</a:t>
-            </a:r>
-          </a:p>
-          <a:p>
-            <a:r>
-              <a:rPr lang="en-CA" sz="1600" dirty="0" smtClean="0"/>
-              <a:t>We </a:t>
-            </a:r>
-            <a:r>
-              <a:rPr lang="en-CA" sz="1600" dirty="0"/>
-              <a:t>could use this experience to apply in our future </a:t>
-            </a:r>
-            <a:r>
-              <a:rPr lang="en-CA" sz="1600" dirty="0" smtClean="0"/>
-              <a:t>projects</a:t>
-            </a:r>
-          </a:p>
-          <a:p>
-            <a:pPr marL="114300" indent="0">
+              <a:t>How will you use what you have learned going forward?</a:t>
+            </a:r>
+          </a:p>
+          <a:p>
+            <a:pPr>
+              <a:buSzPts val="1600"/>
+              <a:defRPr sz="1600"/>
+            </a:pPr>
+            <a:r>
+              <a:t>Can use to help describe the whole process</a:t>
+            </a:r>
+          </a:p>
+          <a:p>
+            <a:pPr>
+              <a:buSzPts val="1600"/>
+              <a:defRPr sz="1600"/>
+            </a:pPr>
+            <a:r>
+              <a:t>We could use this experience to apply in our future projects</a:t>
+            </a:r>
+          </a:p>
+          <a:p>
+            <a:pPr marL="0" indent="114300">
+              <a:buSzTx/>
               <a:buNone/>
+              <a:defRPr sz="1600"/>
             </a:pPr>
             <a:r>
-              <a:rPr lang="en-CA" sz="1600" dirty="0" smtClean="0"/>
-              <a:t>What </a:t>
-            </a:r>
-            <a:r>
-              <a:rPr lang="en-CA" sz="1600" dirty="0"/>
-              <a:t>“stuff &amp; things” related to this milestone would you want help </a:t>
-            </a:r>
-            <a:r>
-              <a:rPr lang="en-CA" sz="1600" dirty="0" smtClean="0"/>
-              <a:t>with?</a:t>
-            </a:r>
-          </a:p>
-          <a:p>
-            <a:r>
-              <a:rPr lang="en-CA" sz="1600" dirty="0" smtClean="0"/>
-              <a:t>Basically</a:t>
-            </a:r>
-            <a:r>
-              <a:rPr lang="en-CA" sz="1600" dirty="0"/>
-              <a:t>, what we should include or follow in creating the user story map.</a:t>
-            </a:r>
-            <a:endParaRPr lang="en-CA" sz="1600" dirty="0"/>
+              <a:t>What “stuff &amp; things” related to this milestone would you want help with?</a:t>
+            </a:r>
+          </a:p>
+          <a:p>
+            <a:pPr>
+              <a:buSzPts val="1600"/>
+              <a:defRPr sz="1600"/>
+            </a:pPr>
+            <a:r>
+              <a:t>Basically, what we should include or follow in creating the user story map.</a:t>
+            </a:r>
           </a:p>
         </p:txBody>
       </p:sp>
     </p:spTree>
-    <p:extLst>
-      <p:ext uri="{BB962C8B-B14F-4D97-AF65-F5344CB8AC3E}">
-        <p14:creationId xmlns:p14="http://schemas.microsoft.com/office/powerpoint/2010/main" val="970956469"/>
-      </p:ext>
-    </p:extLst>
   </p:cSld>
   <p:clrMapOvr>
     <a:masterClrMapping/>
   </p:clrMapOvr>
-  <p:transition spd="med"/>
+  <p:transition xmlns:p14="http://schemas.microsoft.com/office/powerpoint/2010/main" spd="med" advClick="1"/>
 </p:sld>
 </file>
 
 <file path=ppt/slides/slide2.xml><?xml version="1.0" encoding="utf-8"?>
-<p:sld xmlns:a="http://schemas.openxmlformats.org/drawingml/2006/main" xmlns:r="http://schemas.openxmlformats.org/officeDocument/2006/relationships" xmlns:p="http://schemas.openxmlformats.org/presentationml/2006/main">
+<p:sld xmlns:a="http://schemas.openxmlformats.org/drawingml/2006/main" xmlns:r="http://schemas.openxmlformats.org/officeDocument/2006/relationships" xmlns:p="http://schemas.openxmlformats.org/presentationml/2006/main" showMasterSp="1" showMasterPhAnim="1">
   <p:cSld>
     <p:spTree>
       <p:nvGrpSpPr>
@@ -5633,10 +5398,8 @@
       </p:grpSpPr>
       <p:sp>
         <p:nvSpPr>
-          <p:cNvPr id="166" name="Shape 141"/>
-          <p:cNvSpPr txBox="1">
-            <a:spLocks noGrp="1"/>
-          </p:cNvSpPr>
+          <p:cNvPr id="144" name="Shape 141"/>
+          <p:cNvSpPr txBox="1"/>
           <p:nvPr>
             <p:ph type="title"/>
           </p:nvPr>
@@ -5654,15 +5417,10 @@
           <a:bodyPr/>
           <a:lstStyle/>
           <a:p>
-            <a:r>
-              <a:rPr dirty="0"/>
-              <a:t>Future </a:t>
-            </a:r>
-            <a:r>
-              <a:rPr dirty="0"/>
-              <a:t>VSM</a:t>
-            </a:r>
-            <a:endParaRPr dirty="0"/>
+            <a:pPr/>
+            <a:r>
+              <a:t>Future VSM</a:t>
+            </a:r>
           </a:p>
         </p:txBody>
       </p:sp>
@@ -5671,12 +5429,12 @@
   <p:clrMapOvr>
     <a:masterClrMapping/>
   </p:clrMapOvr>
-  <p:transition spd="med"/>
+  <p:transition xmlns:p14="http://schemas.microsoft.com/office/powerpoint/2010/main" spd="med" advClick="1"/>
 </p:sld>
 </file>
 
 <file path=ppt/slides/slide3.xml><?xml version="1.0" encoding="utf-8"?>
-<p:sld xmlns:a="http://schemas.openxmlformats.org/drawingml/2006/main" xmlns:r="http://schemas.openxmlformats.org/officeDocument/2006/relationships" xmlns:p="http://schemas.openxmlformats.org/presentationml/2006/main">
+<p:sld xmlns:a="http://schemas.openxmlformats.org/drawingml/2006/main" xmlns:r="http://schemas.openxmlformats.org/officeDocument/2006/relationships" xmlns:p="http://schemas.openxmlformats.org/presentationml/2006/main" showMasterSp="1" showMasterPhAnim="1">
   <p:cSld>
     <p:spTree>
       <p:nvGrpSpPr>
@@ -5694,7 +5452,7 @@
       </p:grpSpPr>
       <p:pic>
         <p:nvPicPr>
-          <p:cNvPr id="168" name="Shape 153" descr="Shape 153"/>
+          <p:cNvPr id="148" name="Shape 153" descr="Shape 153"/>
           <p:cNvPicPr>
             <a:picLocks noChangeAspect="1"/>
           </p:cNvPicPr>
@@ -5711,7 +5469,7 @@
         <p:spPr>
           <a:xfrm>
             <a:off x="29" y="0"/>
-            <a:ext cx="9144002" cy="5143499"/>
+            <a:ext cx="9144003" cy="5143499"/>
           </a:xfrm>
           <a:prstGeom prst="rect">
             <a:avLst/>
@@ -5723,28 +5481,28 @@
       </p:pic>
       <p:grpSp>
         <p:nvGrpSpPr>
-          <p:cNvPr id="171" name="Shape 154"/>
+          <p:cNvPr id="151" name="Shape 154"/>
           <p:cNvGrpSpPr/>
           <p:nvPr/>
         </p:nvGrpSpPr>
         <p:grpSpPr>
           <a:xfrm>
-            <a:off x="546974" y="816358"/>
-            <a:ext cx="1596302" cy="938701"/>
+            <a:off x="546972" y="816358"/>
+            <a:ext cx="1596305" cy="938703"/>
             <a:chOff x="0" y="0"/>
-            <a:chExt cx="1596300" cy="938699"/>
+            <a:chExt cx="1596303" cy="938702"/>
           </a:xfrm>
         </p:grpSpPr>
         <p:sp>
           <p:nvSpPr>
-            <p:cNvPr id="169" name="Rectangle"/>
+            <p:cNvPr id="149" name="Rectangle"/>
             <p:cNvSpPr/>
             <p:nvPr/>
           </p:nvSpPr>
           <p:spPr>
             <a:xfrm>
               <a:off x="-1" y="0"/>
-              <a:ext cx="1596302" cy="938700"/>
+              <a:ext cx="1596304" cy="938703"/>
             </a:xfrm>
             <a:prstGeom prst="rect">
               <a:avLst/>
@@ -5762,33 +5520,31 @@
             <a:effectLst/>
           </p:spPr>
           <p:txBody>
-            <a:bodyPr wrap="square" lIns="45719" tIns="45719" rIns="45719" bIns="45719" numCol="1" anchor="t">
+            <a:bodyPr wrap="square" lIns="45718" tIns="45718" rIns="45718" bIns="45718" numCol="1" anchor="t">
               <a:noAutofit/>
             </a:bodyPr>
             <a:lstStyle/>
             <a:p>
               <a:pPr>
-                <a:defRPr sz="1100" b="1">
-                  <a:latin typeface="+mn-lt"/>
-                  <a:ea typeface="+mn-ea"/>
-                  <a:cs typeface="+mn-cs"/>
-                  <a:sym typeface="Helvetica Neue"/>
+                <a:defRPr b="1" sz="1100">
+                  <a:solidFill>
+                    <a:srgbClr val="2A3990"/>
+                  </a:solidFill>
                 </a:defRPr>
               </a:pPr>
-              <a:endParaRPr dirty="0"/>
             </a:p>
           </p:txBody>
         </p:sp>
         <p:sp>
           <p:nvSpPr>
-            <p:cNvPr id="170" name="Wrong Approver: Waste Eliminated - User wait time - Over-processing - Unneeded Movement"/>
+            <p:cNvPr id="150" name="Wrong Approver: Waste Eliminated - User wait time - Over-processing - Unneeded Movement"/>
             <p:cNvSpPr txBox="1"/>
             <p:nvPr/>
           </p:nvSpPr>
           <p:spPr>
             <a:xfrm>
-              <a:off x="-1" y="0"/>
-              <a:ext cx="1596302" cy="862189"/>
+              <a:off x="-1" y="-1"/>
+              <a:ext cx="1596304" cy="862188"/>
             </a:xfrm>
             <a:prstGeom prst="rect">
               <a:avLst/>
@@ -5801,7 +5557,7 @@
             <a:effectLst/>
             <a:extLst>
               <a:ext uri="{C572A759-6A51-4108-AA02-DFA0A04FC94B}">
-                <ma14:wrappingTextBoxFlag xmlns:ma14="http://schemas.microsoft.com/office/mac/drawingml/2011/main" xmlns="" val="1"/>
+                <ma14:wrappingTextBoxFlag xmlns:ma14="http://schemas.microsoft.com/office/mac/drawingml/2011/main" val="1"/>
               </a:ext>
             </a:extLst>
           </p:spPr>
@@ -5812,43 +5568,39 @@
             <a:lstStyle/>
             <a:p>
               <a:pPr>
-                <a:defRPr sz="1100" b="1">
-                  <a:latin typeface="+mn-lt"/>
-                  <a:ea typeface="+mn-ea"/>
-                  <a:cs typeface="+mn-cs"/>
-                  <a:sym typeface="Helvetica Neue"/>
+                <a:defRPr b="1" sz="1100">
+                  <a:solidFill>
+                    <a:srgbClr val="2A3990"/>
+                  </a:solidFill>
                 </a:defRPr>
               </a:pPr>
               <a:r>
-                <a:rPr dirty="0"/>
                 <a:t>Wrong Approver:</a:t>
               </a:r>
-              <a:br>
-                <a:rPr dirty="0"/>
-              </a:br>
+              <a:br/>
               <a:r>
-                <a:rPr b="0" dirty="0"/>
+                <a:rPr b="0"/>
                 <a:t>Waste Eliminated</a:t>
               </a:r>
               <a:br>
-                <a:rPr b="0" dirty="0"/>
+                <a:rPr b="0"/>
               </a:br>
               <a:r>
-                <a:rPr b="0" dirty="0"/>
+                <a:rPr b="0"/>
                 <a:t>- User wait time</a:t>
               </a:r>
               <a:br>
-                <a:rPr b="0" dirty="0"/>
+                <a:rPr b="0"/>
               </a:br>
               <a:r>
-                <a:rPr b="0" dirty="0"/>
+                <a:rPr b="0"/>
                 <a:t>- Over-processing</a:t>
               </a:r>
               <a:br>
-                <a:rPr b="0" dirty="0"/>
+                <a:rPr b="0"/>
               </a:br>
               <a:r>
-                <a:rPr b="0" dirty="0"/>
+                <a:rPr b="0"/>
                 <a:t>- Unneeded Movement</a:t>
               </a:r>
             </a:p>
@@ -5857,28 +5609,28 @@
       </p:grpSp>
       <p:grpSp>
         <p:nvGrpSpPr>
-          <p:cNvPr id="174" name="Shape 155"/>
+          <p:cNvPr id="154" name="Shape 155"/>
           <p:cNvGrpSpPr/>
           <p:nvPr/>
         </p:nvGrpSpPr>
         <p:grpSpPr>
           <a:xfrm>
-            <a:off x="3314008" y="758807"/>
-            <a:ext cx="1872301" cy="938701"/>
-            <a:chOff x="0" y="0"/>
-            <a:chExt cx="1872300" cy="938699"/>
+            <a:off x="3314007" y="758806"/>
+            <a:ext cx="1872304" cy="938703"/>
+            <a:chOff x="-1" y="0"/>
+            <a:chExt cx="1872302" cy="938702"/>
           </a:xfrm>
         </p:grpSpPr>
         <p:sp>
           <p:nvSpPr>
-            <p:cNvPr id="172" name="Rectangle"/>
+            <p:cNvPr id="152" name="Rectangle"/>
             <p:cNvSpPr/>
             <p:nvPr/>
           </p:nvSpPr>
           <p:spPr>
             <a:xfrm>
-              <a:off x="-1" y="0"/>
-              <a:ext cx="1872302" cy="938700"/>
+              <a:off x="-2" y="0"/>
+              <a:ext cx="1872304" cy="938703"/>
             </a:xfrm>
             <a:prstGeom prst="rect">
               <a:avLst/>
@@ -5896,7 +5648,7 @@
             <a:effectLst/>
           </p:spPr>
           <p:txBody>
-            <a:bodyPr wrap="square" lIns="45719" tIns="45719" rIns="45719" bIns="45719" numCol="1" anchor="t">
+            <a:bodyPr wrap="square" lIns="45718" tIns="45718" rIns="45718" bIns="45718" numCol="1" anchor="t">
               <a:noAutofit/>
             </a:bodyPr>
             <a:lstStyle/>
@@ -5906,22 +5658,25 @@
                   <a:solidFill>
                     <a:srgbClr val="000000"/>
                   </a:solidFill>
+                  <a:latin typeface="Arial"/>
+                  <a:ea typeface="Arial"/>
+                  <a:cs typeface="Arial"/>
+                  <a:sym typeface="Arial"/>
                 </a:defRPr>
               </a:pPr>
-              <a:endParaRPr dirty="0"/>
             </a:p>
           </p:txBody>
         </p:sp>
         <p:sp>
           <p:nvSpPr>
-            <p:cNvPr id="173" name="Different Approval Types: Waste Eliminated - Signature inventory - Over-processing - Signature transportation"/>
+            <p:cNvPr id="153" name="Different Approval Types: Waste Eliminated - Signature inventory - Over-processing - Signature transportation"/>
             <p:cNvSpPr txBox="1"/>
             <p:nvPr/>
           </p:nvSpPr>
           <p:spPr>
             <a:xfrm>
-              <a:off x="-1" y="0"/>
-              <a:ext cx="1872302" cy="862189"/>
+              <a:off x="-2" y="-1"/>
+              <a:ext cx="1872304" cy="862188"/>
             </a:xfrm>
             <a:prstGeom prst="rect">
               <a:avLst/>
@@ -5934,7 +5689,7 @@
             <a:effectLst/>
             <a:extLst>
               <a:ext uri="{C572A759-6A51-4108-AA02-DFA0A04FC94B}">
-                <ma14:wrappingTextBoxFlag xmlns:ma14="http://schemas.microsoft.com/office/mac/drawingml/2011/main" xmlns="" val="1"/>
+                <ma14:wrappingTextBoxFlag xmlns:ma14="http://schemas.microsoft.com/office/mac/drawingml/2011/main" val="1"/>
               </a:ext>
             </a:extLst>
           </p:spPr>
@@ -5945,43 +5700,39 @@
             <a:lstStyle/>
             <a:p>
               <a:pPr>
-                <a:defRPr sz="1100" b="1">
-                  <a:latin typeface="+mn-lt"/>
-                  <a:ea typeface="+mn-ea"/>
-                  <a:cs typeface="+mn-cs"/>
-                  <a:sym typeface="Helvetica Neue"/>
+                <a:defRPr b="1" sz="1100">
+                  <a:solidFill>
+                    <a:srgbClr val="2A3990"/>
+                  </a:solidFill>
                 </a:defRPr>
               </a:pPr>
               <a:r>
-                <a:rPr dirty="0"/>
                 <a:t>Different Approval Types:</a:t>
               </a:r>
-              <a:br>
-                <a:rPr dirty="0"/>
-              </a:br>
+              <a:br/>
               <a:r>
-                <a:rPr b="0" dirty="0"/>
+                <a:rPr b="0"/>
                 <a:t>Waste Eliminated</a:t>
               </a:r>
               <a:br>
-                <a:rPr b="0" dirty="0"/>
+                <a:rPr b="0"/>
               </a:br>
               <a:r>
-                <a:rPr b="0" dirty="0"/>
+                <a:rPr b="0"/>
                 <a:t>- Signature inventory</a:t>
               </a:r>
               <a:br>
-                <a:rPr b="0" dirty="0"/>
+                <a:rPr b="0"/>
               </a:br>
               <a:r>
-                <a:rPr b="0" dirty="0"/>
+                <a:rPr b="0"/>
                 <a:t>- Over-processing</a:t>
               </a:r>
               <a:br>
-                <a:rPr b="0" dirty="0"/>
+                <a:rPr b="0"/>
               </a:br>
               <a:r>
-                <a:rPr b="0" dirty="0"/>
+                <a:rPr b="0"/>
                 <a:t>- Signature transportation</a:t>
               </a:r>
             </a:p>
@@ -5990,28 +5741,28 @@
       </p:grpSp>
       <p:grpSp>
         <p:nvGrpSpPr>
-          <p:cNvPr id="177" name="Shape 156"/>
+          <p:cNvPr id="157" name="Shape 156"/>
           <p:cNvGrpSpPr/>
           <p:nvPr/>
         </p:nvGrpSpPr>
         <p:grpSpPr>
           <a:xfrm>
-            <a:off x="881169" y="2835961"/>
-            <a:ext cx="2160301" cy="769501"/>
-            <a:chOff x="0" y="0"/>
-            <a:chExt cx="2160299" cy="769500"/>
+            <a:off x="881168" y="2835959"/>
+            <a:ext cx="2160304" cy="769505"/>
+            <a:chOff x="0" y="-1"/>
+            <a:chExt cx="2160302" cy="769503"/>
           </a:xfrm>
         </p:grpSpPr>
         <p:sp>
           <p:nvSpPr>
-            <p:cNvPr id="175" name="Rectangle"/>
+            <p:cNvPr id="155" name="Rectangle"/>
             <p:cNvSpPr/>
             <p:nvPr/>
           </p:nvSpPr>
           <p:spPr>
             <a:xfrm>
-              <a:off x="0" y="-1"/>
-              <a:ext cx="2160300" cy="769502"/>
+              <a:off x="-1" y="-2"/>
+              <a:ext cx="2160304" cy="769504"/>
             </a:xfrm>
             <a:prstGeom prst="rect">
               <a:avLst/>
@@ -6029,33 +5780,31 @@
             <a:effectLst/>
           </p:spPr>
           <p:txBody>
-            <a:bodyPr wrap="square" lIns="45719" tIns="45719" rIns="45719" bIns="45719" numCol="1" anchor="t">
+            <a:bodyPr wrap="square" lIns="45718" tIns="45718" rIns="45718" bIns="45718" numCol="1" anchor="t">
               <a:noAutofit/>
             </a:bodyPr>
             <a:lstStyle/>
             <a:p>
               <a:pPr>
-                <a:defRPr sz="1100" b="1">
-                  <a:latin typeface="+mn-lt"/>
-                  <a:ea typeface="+mn-ea"/>
-                  <a:cs typeface="+mn-cs"/>
-                  <a:sym typeface="Helvetica Neue"/>
+                <a:defRPr b="1" sz="1100">
+                  <a:solidFill>
+                    <a:srgbClr val="2A3990"/>
+                  </a:solidFill>
                 </a:defRPr>
               </a:pPr>
-              <a:endParaRPr dirty="0"/>
             </a:p>
           </p:txBody>
         </p:sp>
         <p:sp>
           <p:nvSpPr>
-            <p:cNvPr id="176" name="Different Submission Types: Waste Eliminated - Submission transportation - Over-processing"/>
+            <p:cNvPr id="156" name="Different Submission Types: Waste Eliminated - Submission transportation - Over-processing"/>
             <p:cNvSpPr txBox="1"/>
             <p:nvPr/>
           </p:nvSpPr>
           <p:spPr>
             <a:xfrm>
-              <a:off x="0" y="-1"/>
-              <a:ext cx="2160300" cy="709790"/>
+              <a:off x="-1" y="-2"/>
+              <a:ext cx="2160304" cy="709788"/>
             </a:xfrm>
             <a:prstGeom prst="rect">
               <a:avLst/>
@@ -6068,7 +5817,7 @@
             <a:effectLst/>
             <a:extLst>
               <a:ext uri="{C572A759-6A51-4108-AA02-DFA0A04FC94B}">
-                <ma14:wrappingTextBoxFlag xmlns:ma14="http://schemas.microsoft.com/office/mac/drawingml/2011/main" xmlns="" val="1"/>
+                <ma14:wrappingTextBoxFlag xmlns:ma14="http://schemas.microsoft.com/office/mac/drawingml/2011/main" val="1"/>
               </a:ext>
             </a:extLst>
           </p:spPr>
@@ -6079,36 +5828,32 @@
             <a:lstStyle/>
             <a:p>
               <a:pPr>
-                <a:defRPr sz="1100" b="1">
-                  <a:latin typeface="+mn-lt"/>
-                  <a:ea typeface="+mn-ea"/>
-                  <a:cs typeface="+mn-cs"/>
-                  <a:sym typeface="Helvetica Neue"/>
+                <a:defRPr b="1" sz="1100">
+                  <a:solidFill>
+                    <a:srgbClr val="2A3990"/>
+                  </a:solidFill>
                 </a:defRPr>
               </a:pPr>
               <a:r>
-                <a:rPr dirty="0"/>
                 <a:t>Different Submission Types:</a:t>
               </a:r>
-              <a:br>
-                <a:rPr dirty="0"/>
-              </a:br>
+              <a:br/>
               <a:r>
-                <a:rPr b="0" dirty="0"/>
+                <a:rPr b="0"/>
                 <a:t>Waste Eliminated</a:t>
               </a:r>
               <a:br>
-                <a:rPr b="0" dirty="0"/>
+                <a:rPr b="0"/>
               </a:br>
               <a:r>
-                <a:rPr b="0" dirty="0"/>
+                <a:rPr b="0"/>
                 <a:t>- Submission transportation</a:t>
               </a:r>
               <a:br>
-                <a:rPr b="0" dirty="0"/>
+                <a:rPr b="0"/>
               </a:br>
               <a:r>
-                <a:rPr b="0" dirty="0"/>
+                <a:rPr b="0"/>
                 <a:t>- Over-processing</a:t>
               </a:r>
             </a:p>
@@ -6117,28 +5862,28 @@
       </p:grpSp>
       <p:grpSp>
         <p:nvGrpSpPr>
-          <p:cNvPr id="180" name="Shape 157"/>
+          <p:cNvPr id="160" name="Shape 157"/>
           <p:cNvGrpSpPr/>
           <p:nvPr/>
         </p:nvGrpSpPr>
         <p:grpSpPr>
           <a:xfrm>
-            <a:off x="3406390" y="3695720"/>
-            <a:ext cx="2169301" cy="769501"/>
-            <a:chOff x="0" y="0"/>
-            <a:chExt cx="2169299" cy="769500"/>
+            <a:off x="3406390" y="3695719"/>
+            <a:ext cx="2169303" cy="769504"/>
+            <a:chOff x="0" y="-1"/>
+            <a:chExt cx="2169301" cy="769503"/>
           </a:xfrm>
         </p:grpSpPr>
         <p:sp>
           <p:nvSpPr>
-            <p:cNvPr id="178" name="Rectangle"/>
+            <p:cNvPr id="158" name="Rectangle"/>
             <p:cNvSpPr/>
             <p:nvPr/>
           </p:nvSpPr>
           <p:spPr>
             <a:xfrm>
-              <a:off x="0" y="-1"/>
-              <a:ext cx="2169300" cy="769502"/>
+              <a:off x="0" y="-2"/>
+              <a:ext cx="2169302" cy="769504"/>
             </a:xfrm>
             <a:prstGeom prst="rect">
               <a:avLst/>
@@ -6156,33 +5901,31 @@
             <a:effectLst/>
           </p:spPr>
           <p:txBody>
-            <a:bodyPr wrap="square" lIns="45719" tIns="45719" rIns="45719" bIns="45719" numCol="1" anchor="t">
+            <a:bodyPr wrap="square" lIns="45718" tIns="45718" rIns="45718" bIns="45718" numCol="1" anchor="t">
               <a:noAutofit/>
             </a:bodyPr>
             <a:lstStyle/>
             <a:p>
               <a:pPr>
-                <a:defRPr sz="1100" b="1">
-                  <a:latin typeface="+mn-lt"/>
-                  <a:ea typeface="+mn-ea"/>
-                  <a:cs typeface="+mn-cs"/>
-                  <a:sym typeface="Helvetica Neue"/>
+                <a:defRPr b="1" sz="1100">
+                  <a:solidFill>
+                    <a:srgbClr val="2A3990"/>
+                  </a:solidFill>
                 </a:defRPr>
               </a:pPr>
-              <a:endParaRPr dirty="0"/>
             </a:p>
           </p:txBody>
         </p:sp>
         <p:sp>
           <p:nvSpPr>
-            <p:cNvPr id="179" name="Different Means of contact: Waste Eliminated…"/>
+            <p:cNvPr id="159" name="Different Means of contact: Waste Eliminated…"/>
             <p:cNvSpPr txBox="1"/>
             <p:nvPr/>
           </p:nvSpPr>
           <p:spPr>
             <a:xfrm>
-              <a:off x="0" y="-1"/>
-              <a:ext cx="2169300" cy="709790"/>
+              <a:off x="0" y="-2"/>
+              <a:ext cx="2169302" cy="709788"/>
             </a:xfrm>
             <a:prstGeom prst="rect">
               <a:avLst/>
@@ -6195,7 +5938,7 @@
             <a:effectLst/>
             <a:extLst>
               <a:ext uri="{C572A759-6A51-4108-AA02-DFA0A04FC94B}">
-                <ma14:wrappingTextBoxFlag xmlns:ma14="http://schemas.microsoft.com/office/mac/drawingml/2011/main" xmlns="" val="1"/>
+                <ma14:wrappingTextBoxFlag xmlns:ma14="http://schemas.microsoft.com/office/mac/drawingml/2011/main" val="1"/>
               </a:ext>
             </a:extLst>
           </p:spPr>
@@ -6206,43 +5949,34 @@
             <a:lstStyle/>
             <a:p>
               <a:pPr>
-                <a:defRPr sz="1100" b="1">
-                  <a:latin typeface="+mn-lt"/>
-                  <a:ea typeface="+mn-ea"/>
-                  <a:cs typeface="+mn-cs"/>
-                  <a:sym typeface="Helvetica Neue"/>
+                <a:defRPr b="1" sz="1100">
+                  <a:solidFill>
+                    <a:srgbClr val="2A3990"/>
+                  </a:solidFill>
                 </a:defRPr>
               </a:pPr>
               <a:r>
-                <a:rPr dirty="0"/>
                 <a:t>Different Means of contact:</a:t>
               </a:r>
-              <a:br>
-                <a:rPr dirty="0"/>
-              </a:br>
+              <a:br/>
               <a:r>
-                <a:rPr b="0" dirty="0"/>
+                <a:rPr b="0"/>
                 <a:t>Waste Eliminated</a:t>
               </a:r>
             </a:p>
             <a:p>
               <a:pPr>
                 <a:defRPr sz="1100">
-                  <a:latin typeface="+mn-lt"/>
-                  <a:ea typeface="+mn-ea"/>
-                  <a:cs typeface="+mn-cs"/>
-                  <a:sym typeface="Helvetica Neue"/>
+                  <a:solidFill>
+                    <a:srgbClr val="2A3990"/>
+                  </a:solidFill>
                 </a:defRPr>
               </a:pPr>
               <a:r>
-                <a:rPr dirty="0"/>
                 <a:t>- Analyst Waiting</a:t>
               </a:r>
-              <a:br>
-                <a:rPr dirty="0"/>
-              </a:br>
+              <a:br/>
               <a:r>
-                <a:rPr dirty="0"/>
                 <a:t>- Over-processing</a:t>
               </a:r>
             </a:p>
@@ -6251,28 +5985,28 @@
       </p:grpSp>
       <p:grpSp>
         <p:nvGrpSpPr>
-          <p:cNvPr id="183" name="Shape 158"/>
+          <p:cNvPr id="163" name="Shape 158"/>
           <p:cNvGrpSpPr/>
           <p:nvPr/>
         </p:nvGrpSpPr>
         <p:grpSpPr>
           <a:xfrm>
-            <a:off x="6544726" y="1998284"/>
-            <a:ext cx="2169301" cy="769501"/>
-            <a:chOff x="0" y="0"/>
-            <a:chExt cx="2169299" cy="769500"/>
+            <a:off x="6544726" y="1998283"/>
+            <a:ext cx="2169303" cy="769504"/>
+            <a:chOff x="0" y="-1"/>
+            <a:chExt cx="2169301" cy="769503"/>
           </a:xfrm>
         </p:grpSpPr>
         <p:sp>
           <p:nvSpPr>
-            <p:cNvPr id="181" name="Rectangle"/>
+            <p:cNvPr id="161" name="Rectangle"/>
             <p:cNvSpPr/>
             <p:nvPr/>
           </p:nvSpPr>
           <p:spPr>
             <a:xfrm>
-              <a:off x="0" y="-1"/>
-              <a:ext cx="2169300" cy="769502"/>
+              <a:off x="0" y="-2"/>
+              <a:ext cx="2169302" cy="769504"/>
             </a:xfrm>
             <a:prstGeom prst="rect">
               <a:avLst/>
@@ -6290,33 +6024,31 @@
             <a:effectLst/>
           </p:spPr>
           <p:txBody>
-            <a:bodyPr wrap="square" lIns="45719" tIns="45719" rIns="45719" bIns="45719" numCol="1" anchor="t">
+            <a:bodyPr wrap="square" lIns="45718" tIns="45718" rIns="45718" bIns="45718" numCol="1" anchor="t">
               <a:noAutofit/>
             </a:bodyPr>
             <a:lstStyle/>
             <a:p>
               <a:pPr>
-                <a:defRPr sz="1100" b="1">
-                  <a:latin typeface="+mn-lt"/>
-                  <a:ea typeface="+mn-ea"/>
-                  <a:cs typeface="+mn-cs"/>
-                  <a:sym typeface="Helvetica Neue"/>
+                <a:defRPr b="1" sz="1100">
+                  <a:solidFill>
+                    <a:srgbClr val="2A3990"/>
+                  </a:solidFill>
                 </a:defRPr>
               </a:pPr>
-              <a:endParaRPr dirty="0"/>
             </a:p>
           </p:txBody>
         </p:sp>
         <p:sp>
           <p:nvSpPr>
-            <p:cNvPr id="182" name="Confusing Acronyms: Waste Eliminated…"/>
+            <p:cNvPr id="162" name="Confusing Acronyms: Waste Eliminated…"/>
             <p:cNvSpPr txBox="1"/>
             <p:nvPr/>
           </p:nvSpPr>
           <p:spPr>
             <a:xfrm>
-              <a:off x="0" y="-1"/>
-              <a:ext cx="2169300" cy="709790"/>
+              <a:off x="0" y="-2"/>
+              <a:ext cx="2169302" cy="709788"/>
             </a:xfrm>
             <a:prstGeom prst="rect">
               <a:avLst/>
@@ -6329,7 +6061,7 @@
             <a:effectLst/>
             <a:extLst>
               <a:ext uri="{C572A759-6A51-4108-AA02-DFA0A04FC94B}">
-                <ma14:wrappingTextBoxFlag xmlns:ma14="http://schemas.microsoft.com/office/mac/drawingml/2011/main" xmlns="" val="1"/>
+                <ma14:wrappingTextBoxFlag xmlns:ma14="http://schemas.microsoft.com/office/mac/drawingml/2011/main" val="1"/>
               </a:ext>
             </a:extLst>
           </p:spPr>
@@ -6340,43 +6072,34 @@
             <a:lstStyle/>
             <a:p>
               <a:pPr>
-                <a:defRPr sz="1100" b="1">
-                  <a:latin typeface="+mn-lt"/>
-                  <a:ea typeface="+mn-ea"/>
-                  <a:cs typeface="+mn-cs"/>
-                  <a:sym typeface="Helvetica Neue"/>
+                <a:defRPr b="1" sz="1100">
+                  <a:solidFill>
+                    <a:srgbClr val="2A3990"/>
+                  </a:solidFill>
                 </a:defRPr>
               </a:pPr>
               <a:r>
-                <a:rPr dirty="0"/>
                 <a:t>Confusing Acronyms:</a:t>
               </a:r>
-              <a:br>
-                <a:rPr dirty="0"/>
-              </a:br>
+              <a:br/>
               <a:r>
-                <a:rPr b="0" dirty="0"/>
+                <a:rPr b="0"/>
                 <a:t>Waste Eliminated</a:t>
               </a:r>
             </a:p>
             <a:p>
               <a:pPr>
                 <a:defRPr sz="1100">
-                  <a:latin typeface="+mn-lt"/>
-                  <a:ea typeface="+mn-ea"/>
-                  <a:cs typeface="+mn-cs"/>
-                  <a:sym typeface="Helvetica Neue"/>
+                  <a:solidFill>
+                    <a:srgbClr val="2A3990"/>
+                  </a:solidFill>
                 </a:defRPr>
               </a:pPr>
               <a:r>
-                <a:rPr dirty="0"/>
                 <a:t>- Defects</a:t>
               </a:r>
-              <a:br>
-                <a:rPr dirty="0"/>
-              </a:br>
+              <a:br/>
               <a:r>
-                <a:rPr dirty="0"/>
                 <a:t>- Over-processing</a:t>
               </a:r>
             </a:p>
@@ -6385,28 +6108,28 @@
       </p:grpSp>
       <p:grpSp>
         <p:nvGrpSpPr>
-          <p:cNvPr id="186" name="Shape 159"/>
+          <p:cNvPr id="166" name="Shape 159"/>
           <p:cNvGrpSpPr/>
           <p:nvPr/>
         </p:nvGrpSpPr>
         <p:grpSpPr>
           <a:xfrm>
-            <a:off x="5277489" y="973206"/>
-            <a:ext cx="2169301" cy="938701"/>
+            <a:off x="5277489" y="973205"/>
+            <a:ext cx="2169303" cy="938704"/>
             <a:chOff x="0" y="0"/>
-            <a:chExt cx="2169299" cy="938699"/>
+            <a:chExt cx="2169301" cy="938702"/>
           </a:xfrm>
         </p:grpSpPr>
         <p:sp>
           <p:nvSpPr>
-            <p:cNvPr id="184" name="Rectangle"/>
+            <p:cNvPr id="164" name="Rectangle"/>
             <p:cNvSpPr/>
             <p:nvPr/>
           </p:nvSpPr>
           <p:spPr>
             <a:xfrm>
               <a:off x="0" y="0"/>
-              <a:ext cx="2169300" cy="938700"/>
+              <a:ext cx="2169302" cy="938703"/>
             </a:xfrm>
             <a:prstGeom prst="rect">
               <a:avLst/>
@@ -6424,33 +6147,31 @@
             <a:effectLst/>
           </p:spPr>
           <p:txBody>
-            <a:bodyPr wrap="square" lIns="45719" tIns="45719" rIns="45719" bIns="45719" numCol="1" anchor="t">
+            <a:bodyPr wrap="square" lIns="45718" tIns="45718" rIns="45718" bIns="45718" numCol="1" anchor="t">
               <a:noAutofit/>
             </a:bodyPr>
             <a:lstStyle/>
             <a:p>
               <a:pPr>
                 <a:defRPr sz="1100">
-                  <a:latin typeface="+mn-lt"/>
-                  <a:ea typeface="+mn-ea"/>
-                  <a:cs typeface="+mn-cs"/>
-                  <a:sym typeface="Helvetica Neue"/>
+                  <a:solidFill>
+                    <a:srgbClr val="2A3990"/>
+                  </a:solidFill>
                 </a:defRPr>
               </a:pPr>
-              <a:endParaRPr dirty="0"/>
             </a:p>
           </p:txBody>
         </p:sp>
         <p:sp>
           <p:nvSpPr>
-            <p:cNvPr id="185" name="Different Approver Files: Waste Eliminated…"/>
+            <p:cNvPr id="165" name="Different Approver Files: Waste Eliminated…"/>
             <p:cNvSpPr txBox="1"/>
             <p:nvPr/>
           </p:nvSpPr>
           <p:spPr>
             <a:xfrm>
-              <a:off x="0" y="0"/>
-              <a:ext cx="2169300" cy="862189"/>
+              <a:off x="0" y="-1"/>
+              <a:ext cx="2169302" cy="862188"/>
             </a:xfrm>
             <a:prstGeom prst="rect">
               <a:avLst/>
@@ -6463,7 +6184,7 @@
             <a:effectLst/>
             <a:extLst>
               <a:ext uri="{C572A759-6A51-4108-AA02-DFA0A04FC94B}">
-                <ma14:wrappingTextBoxFlag xmlns:ma14="http://schemas.microsoft.com/office/mac/drawingml/2011/main" xmlns="" val="1"/>
+                <ma14:wrappingTextBoxFlag xmlns:ma14="http://schemas.microsoft.com/office/mac/drawingml/2011/main" val="1"/>
               </a:ext>
             </a:extLst>
           </p:spPr>
@@ -6474,22 +6195,18 @@
             <a:lstStyle/>
             <a:p>
               <a:pPr>
-                <a:defRPr sz="1100" b="1">
-                  <a:latin typeface="+mn-lt"/>
-                  <a:ea typeface="+mn-ea"/>
-                  <a:cs typeface="+mn-cs"/>
-                  <a:sym typeface="Helvetica Neue"/>
+                <a:defRPr b="1" sz="1100">
+                  <a:solidFill>
+                    <a:srgbClr val="2A3990"/>
+                  </a:solidFill>
                 </a:defRPr>
               </a:pPr>
               <a:r>
-                <a:rPr dirty="0"/>
                 <a:t>Different Approver Files:</a:t>
               </a:r>
-              <a:br>
-                <a:rPr dirty="0"/>
-              </a:br>
+              <a:br/>
               <a:r>
-                <a:rPr b="0" dirty="0"/>
+                <a:rPr b="0"/>
                 <a:t>Waste Eliminated</a:t>
               </a:r>
             </a:p>
@@ -6502,14 +6219,12 @@
                 <a:buFont typeface="Helvetica Neue"/>
                 <a:buChar char="-"/>
                 <a:defRPr sz="1100">
-                  <a:latin typeface="+mn-lt"/>
-                  <a:ea typeface="+mn-ea"/>
-                  <a:cs typeface="+mn-cs"/>
-                  <a:sym typeface="Helvetica Neue"/>
+                  <a:solidFill>
+                    <a:srgbClr val="2A3990"/>
+                  </a:solidFill>
                 </a:defRPr>
               </a:pPr>
               <a:r>
-                <a:rPr dirty="0"/>
                 <a:t>Defects</a:t>
               </a:r>
             </a:p>
@@ -6522,17 +6237,15 @@
                 <a:buFont typeface="Helvetica Neue"/>
                 <a:buChar char="-"/>
                 <a:defRPr sz="1100">
-                  <a:latin typeface="+mn-lt"/>
-                  <a:ea typeface="+mn-ea"/>
-                  <a:cs typeface="+mn-cs"/>
-                  <a:sym typeface="Helvetica Neue"/>
+                  <a:solidFill>
+                    <a:srgbClr val="2A3990"/>
+                  </a:solidFill>
                 </a:defRPr>
               </a:pPr>
               <a:r>
-                <a:rPr dirty="0"/>
                 <a:t>Over-processing</a:t>
               </a:r>
-              <a:endParaRPr b="1" dirty="0"/>
+              <a:endParaRPr b="1"/>
             </a:p>
             <a:p>
               <a:pPr marL="171450" indent="-171450">
@@ -6543,14 +6256,12 @@
                 <a:buFont typeface="Helvetica Neue"/>
                 <a:buChar char="-"/>
                 <a:defRPr sz="1100">
-                  <a:latin typeface="+mn-lt"/>
-                  <a:ea typeface="+mn-ea"/>
-                  <a:cs typeface="+mn-cs"/>
-                  <a:sym typeface="Helvetica Neue"/>
+                  <a:solidFill>
+                    <a:srgbClr val="2A3990"/>
+                  </a:solidFill>
                 </a:defRPr>
               </a:pPr>
               <a:r>
-                <a:rPr dirty="0"/>
                 <a:t>File Inventory</a:t>
               </a:r>
             </a:p>
@@ -6562,12 +6273,12 @@
   <p:clrMapOvr>
     <a:masterClrMapping/>
   </p:clrMapOvr>
-  <p:transition spd="med"/>
+  <p:transition xmlns:p14="http://schemas.microsoft.com/office/powerpoint/2010/main" spd="med" advClick="1"/>
 </p:sld>
 </file>
 
 <file path=ppt/slides/slide4.xml><?xml version="1.0" encoding="utf-8"?>
-<p:sld xmlns:a="http://schemas.openxmlformats.org/drawingml/2006/main" xmlns:r="http://schemas.openxmlformats.org/officeDocument/2006/relationships" xmlns:p="http://schemas.openxmlformats.org/presentationml/2006/main">
+<p:sld xmlns:a="http://schemas.openxmlformats.org/drawingml/2006/main" xmlns:r="http://schemas.openxmlformats.org/officeDocument/2006/relationships" xmlns:p="http://schemas.openxmlformats.org/presentationml/2006/main" showMasterSp="1" showMasterPhAnim="1">
   <p:cSld>
     <p:spTree>
       <p:nvGrpSpPr>
@@ -6585,10 +6296,8 @@
       </p:grpSpPr>
       <p:sp>
         <p:nvSpPr>
-          <p:cNvPr id="166" name="Shape 141"/>
-          <p:cNvSpPr txBox="1">
-            <a:spLocks noGrp="1"/>
-          </p:cNvSpPr>
+          <p:cNvPr id="168" name="Shape 141"/>
+          <p:cNvSpPr txBox="1"/>
           <p:nvPr>
             <p:ph type="title"/>
           </p:nvPr>
@@ -6603,35 +6312,27 @@
           </a:prstGeom>
         </p:spPr>
         <p:txBody>
-          <a:bodyPr>
-            <a:normAutofit/>
-          </a:bodyPr>
+          <a:bodyPr/>
           <a:lstStyle/>
           <a:p>
-            <a:r>
-              <a:rPr lang="en-CA" dirty="0" smtClean="0"/>
+            <a:pPr/>
+            <a:r>
               <a:t>User Story Map</a:t>
             </a:r>
-            <a:endParaRPr dirty="0"/>
           </a:p>
         </p:txBody>
       </p:sp>
     </p:spTree>
-    <p:extLst>
-      <p:ext uri="{BB962C8B-B14F-4D97-AF65-F5344CB8AC3E}">
-        <p14:creationId xmlns:p14="http://schemas.microsoft.com/office/powerpoint/2010/main" val="28851171"/>
-      </p:ext>
-    </p:extLst>
   </p:cSld>
   <p:clrMapOvr>
     <a:masterClrMapping/>
   </p:clrMapOvr>
-  <p:transition spd="med"/>
+  <p:transition xmlns:p14="http://schemas.microsoft.com/office/powerpoint/2010/main" spd="med" advClick="1"/>
 </p:sld>
 </file>
 
 <file path=ppt/slides/slide5.xml><?xml version="1.0" encoding="utf-8"?>
-<p:sld xmlns:a="http://schemas.openxmlformats.org/drawingml/2006/main" xmlns:r="http://schemas.openxmlformats.org/officeDocument/2006/relationships" xmlns:p="http://schemas.openxmlformats.org/presentationml/2006/main">
+<p:sld xmlns:a="http://schemas.openxmlformats.org/drawingml/2006/main" xmlns:r="http://schemas.openxmlformats.org/officeDocument/2006/relationships" xmlns:p="http://schemas.openxmlformats.org/presentationml/2006/main" showMasterSp="1" showMasterPhAnim="1">
   <p:cSld>
     <p:spTree>
       <p:nvGrpSpPr>
@@ -6649,386 +6350,253 @@
       </p:grpSpPr>
       <p:sp>
         <p:nvSpPr>
-          <p:cNvPr id="2" name="Title 1"/>
-          <p:cNvSpPr>
-            <a:spLocks noGrp="1"/>
-          </p:cNvSpPr>
+          <p:cNvPr id="170" name="Title 1"/>
+          <p:cNvSpPr txBox="1"/>
           <p:nvPr>
             <p:ph type="title"/>
           </p:nvPr>
         </p:nvSpPr>
-        <p:spPr/>
+        <p:spPr>
+          <a:xfrm>
+            <a:off x="598100" y="2152344"/>
+            <a:ext cx="8222099" cy="838803"/>
+          </a:xfrm>
+          <a:prstGeom prst="rect">
+            <a:avLst/>
+          </a:prstGeom>
+        </p:spPr>
         <p:txBody>
           <a:bodyPr/>
           <a:lstStyle/>
           <a:p>
-            <a:endParaRPr lang="en-CA" dirty="0"/>
+            <a:pPr/>
           </a:p>
         </p:txBody>
       </p:sp>
       <p:pic>
         <p:nvPicPr>
-          <p:cNvPr id="2050" name="Picture 2" descr="C:\Users\Vincent\Desktop\UserStoryMap (1).png"/>
+          <p:cNvPr id="171" name="Picture 2" descr="Picture 2"/>
           <p:cNvPicPr>
-            <a:picLocks noChangeAspect="1" noChangeArrowheads="1"/>
+            <a:picLocks noChangeAspect="1"/>
           </p:cNvPicPr>
           <p:nvPr/>
         </p:nvPicPr>
         <p:blipFill>
           <a:blip r:embed="rId3">
-            <a:extLst>
-              <a:ext uri="{28A0092B-C50C-407E-A947-70E740481C1C}">
-                <a14:useLocalDpi xmlns:a14="http://schemas.microsoft.com/office/drawing/2010/main" val="0"/>
-              </a:ext>
-            </a:extLst>
+            <a:extLst/>
           </a:blip>
-          <a:srcRect/>
           <a:stretch>
             <a:fillRect/>
           </a:stretch>
         </p:blipFill>
-        <p:spPr bwMode="auto">
+        <p:spPr>
           <a:xfrm>
-            <a:off x="1216" y="0"/>
-            <a:ext cx="9142784" cy="5143500"/>
+            <a:off x="1215" y="0"/>
+            <a:ext cx="9142785" cy="5143500"/>
           </a:xfrm>
           <a:prstGeom prst="rect">
             <a:avLst/>
           </a:prstGeom>
-          <a:noFill/>
-          <a:extLst>
-            <a:ext uri="{909E8E84-426E-40DD-AFC4-6F175D3DCCD1}">
-              <a14:hiddenFill xmlns:a14="http://schemas.microsoft.com/office/drawing/2010/main">
-                <a:solidFill>
-                  <a:srgbClr val="FFFFFF"/>
-                </a:solidFill>
-              </a14:hiddenFill>
-            </a:ext>
-          </a:extLst>
+          <a:ln w="12700">
+            <a:miter lim="400000"/>
+          </a:ln>
         </p:spPr>
       </p:pic>
-      <p:cxnSp>
-        <p:nvCxnSpPr>
-          <p:cNvPr id="6" name="Straight Connector 5"/>
-          <p:cNvCxnSpPr/>
+      <p:sp>
+        <p:nvSpPr>
+          <p:cNvPr id="172" name="Straight Connector 5"/>
+          <p:cNvSpPr/>
           <p:nvPr/>
-        </p:nvCxnSpPr>
+        </p:nvSpPr>
         <p:spPr>
           <a:xfrm>
             <a:off x="0" y="1861541"/>
-            <a:ext cx="9144000" cy="0"/>
+            <a:ext cx="9144001" cy="1"/>
           </a:xfrm>
           <a:prstGeom prst="line">
             <a:avLst/>
           </a:prstGeom>
-          <a:noFill/>
-          <a:ln w="25400" cap="flat">
+          <a:ln w="25400">
             <a:solidFill>
               <a:schemeClr val="accent1"/>
             </a:solidFill>
-            <a:prstDash val="solid"/>
-            <a:round/>
           </a:ln>
           <a:effectLst>
-            <a:outerShdw blurRad="38100" dist="20000" dir="5400000" rotWithShape="0">
+            <a:outerShdw sx="100000" sy="100000" kx="0" ky="0" algn="b" rotWithShape="0" blurRad="38100" dist="20000" dir="5400000">
               <a:srgbClr val="000000">
                 <a:alpha val="38000"/>
               </a:srgbClr>
             </a:outerShdw>
           </a:effectLst>
-          <a:sp3d/>
         </p:spPr>
-        <p:style>
-          <a:lnRef idx="0">
-            <a:scrgbClr r="0" g="0" b="0"/>
-          </a:lnRef>
-          <a:fillRef idx="0">
-            <a:scrgbClr r="0" g="0" b="0"/>
-          </a:fillRef>
-          <a:effectRef idx="0">
-            <a:scrgbClr r="0" g="0" b="0"/>
-          </a:effectRef>
-          <a:fontRef idx="none"/>
-        </p:style>
-      </p:cxnSp>
+        <p:txBody>
+          <a:bodyPr lIns="45718" tIns="45718" rIns="45718" bIns="45718"/>
+          <a:lstStyle/>
+          <a:p>
+            <a:pPr>
+              <a:defRPr>
+                <a:solidFill>
+                  <a:srgbClr val="2A3990"/>
+                </a:solidFill>
+              </a:defRPr>
+            </a:pPr>
+          </a:p>
+        </p:txBody>
+      </p:sp>
       <p:sp>
         <p:nvSpPr>
-          <p:cNvPr id="4" name="TextBox 3"/>
+          <p:cNvPr id="173" name="TextBox 3"/>
           <p:cNvSpPr txBox="1"/>
           <p:nvPr/>
         </p:nvSpPr>
         <p:spPr>
           <a:xfrm>
-            <a:off x="107504" y="1707654"/>
-            <a:ext cx="1008112" cy="307775"/>
+            <a:off x="107503" y="1707653"/>
+            <a:ext cx="1008114" cy="288823"/>
           </a:xfrm>
           <a:prstGeom prst="rect">
             <a:avLst/>
           </a:prstGeom>
           <a:solidFill>
-            <a:schemeClr val="bg2"/>
+            <a:srgbClr val="A7A7A7"/>
           </a:solidFill>
-          <a:ln w="12700" cap="flat">
-            <a:noFill/>
+          <a:ln w="12700">
             <a:miter lim="400000"/>
           </a:ln>
-          <a:effectLst/>
-          <a:sp3d/>
+          <a:extLst>
+            <a:ext uri="{C572A759-6A51-4108-AA02-DFA0A04FC94B}">
+              <ma14:wrappingTextBoxFlag xmlns:ma14="http://schemas.microsoft.com/office/mac/drawingml/2011/main" val="1"/>
+            </a:ext>
+          </a:extLst>
         </p:spPr>
-        <p:style>
-          <a:lnRef idx="0">
-            <a:scrgbClr r="0" g="0" b="0"/>
-          </a:lnRef>
-          <a:fillRef idx="0">
-            <a:scrgbClr r="0" g="0" b="0"/>
-          </a:fillRef>
-          <a:effectRef idx="0">
-            <a:scrgbClr r="0" g="0" b="0"/>
-          </a:effectRef>
-          <a:fontRef idx="none"/>
-        </p:style>
         <p:txBody>
-          <a:bodyPr rot="0" spcFirstLastPara="1" vertOverflow="overflow" horzOverflow="overflow" vert="horz" wrap="square" lIns="45719" tIns="45719" rIns="45719" bIns="45719" numCol="1" spcCol="38100" rtlCol="0" anchor="t">
+          <a:bodyPr lIns="45718" tIns="45718" rIns="45718" bIns="45718">
             <a:spAutoFit/>
           </a:bodyPr>
-          <a:lstStyle/>
-          <a:p>
-            <a:pPr marL="0" marR="0" indent="0" algn="l" defTabSz="914400" rtl="0" fontAlgn="auto" latinLnBrk="0" hangingPunct="0">
-              <a:lnSpc>
-                <a:spcPct val="100000"/>
-              </a:lnSpc>
-              <a:spcBef>
-                <a:spcPts val="0"/>
-              </a:spcBef>
-              <a:spcAft>
-                <a:spcPts val="0"/>
-              </a:spcAft>
-              <a:buClrTx/>
-              <a:buSzTx/>
-              <a:buFontTx/>
-              <a:buNone/>
-              <a:tabLst/>
-            </a:pPr>
-            <a:r>
-              <a:rPr kumimoji="0" lang="en-CA" sz="1400" b="0" i="0" u="none" strike="noStrike" cap="none" spc="0" normalizeH="0" baseline="0" dirty="0" smtClean="0">
-                <a:ln>
-                  <a:noFill/>
-                </a:ln>
+          <a:lstStyle>
+            <a:lvl1pPr>
+              <a:defRPr>
                 <a:solidFill>
                   <a:srgbClr val="2A3990"/>
                 </a:solidFill>
-                <a:effectLst/>
-                <a:uFillTx/>
                 <a:latin typeface="Arial"/>
                 <a:ea typeface="Arial"/>
                 <a:cs typeface="Arial"/>
                 <a:sym typeface="Arial"/>
-              </a:rPr>
-              <a:t>Release</a:t>
-            </a:r>
-            <a:r>
-              <a:rPr kumimoji="0" lang="en-CA" sz="1400" b="0" i="0" u="none" strike="noStrike" cap="none" spc="0" normalizeH="0" dirty="0" smtClean="0">
-                <a:ln>
-                  <a:noFill/>
-                </a:ln>
-                <a:solidFill>
-                  <a:srgbClr val="2A3990"/>
-                </a:solidFill>
-                <a:effectLst/>
-                <a:uFillTx/>
-                <a:latin typeface="Arial"/>
-                <a:ea typeface="Arial"/>
-                <a:cs typeface="Arial"/>
-                <a:sym typeface="Arial"/>
-              </a:rPr>
-              <a:t> 1</a:t>
-            </a:r>
-            <a:endParaRPr kumimoji="0" lang="en-CA" sz="1400" b="0" i="0" u="none" strike="noStrike" cap="none" spc="0" normalizeH="0" baseline="0" dirty="0">
-              <a:ln>
-                <a:noFill/>
-              </a:ln>
-              <a:solidFill>
-                <a:srgbClr val="2A3990"/>
-              </a:solidFill>
-              <a:effectLst/>
-              <a:uFillTx/>
-              <a:latin typeface="Arial"/>
-              <a:ea typeface="Arial"/>
-              <a:cs typeface="Arial"/>
-              <a:sym typeface="Arial"/>
-            </a:endParaRPr>
+              </a:defRPr>
+            </a:lvl1pPr>
+          </a:lstStyle>
+          <a:p>
+            <a:pPr/>
+            <a:r>
+              <a:t>Release 1</a:t>
+            </a:r>
           </a:p>
         </p:txBody>
       </p:sp>
-      <p:cxnSp>
-        <p:nvCxnSpPr>
-          <p:cNvPr id="10" name="Straight Connector 9"/>
-          <p:cNvCxnSpPr/>
+      <p:sp>
+        <p:nvSpPr>
+          <p:cNvPr id="174" name="Straight Connector 9"/>
+          <p:cNvSpPr/>
           <p:nvPr/>
-        </p:nvCxnSpPr>
+        </p:nvSpPr>
         <p:spPr>
           <a:xfrm>
-            <a:off x="-9920" y="3517725"/>
-            <a:ext cx="9144000" cy="0"/>
+            <a:off x="-9920" y="3517724"/>
+            <a:ext cx="9144001" cy="1"/>
           </a:xfrm>
           <a:prstGeom prst="line">
             <a:avLst/>
           </a:prstGeom>
-          <a:noFill/>
-          <a:ln w="25400" cap="flat">
+          <a:ln w="25400">
             <a:solidFill>
               <a:schemeClr val="accent1"/>
             </a:solidFill>
-            <a:prstDash val="solid"/>
-            <a:round/>
           </a:ln>
           <a:effectLst>
-            <a:outerShdw blurRad="38100" dist="20000" dir="5400000" rotWithShape="0">
+            <a:outerShdw sx="100000" sy="100000" kx="0" ky="0" algn="b" rotWithShape="0" blurRad="38100" dist="20000" dir="5400000">
               <a:srgbClr val="000000">
                 <a:alpha val="38000"/>
               </a:srgbClr>
             </a:outerShdw>
           </a:effectLst>
-          <a:sp3d/>
         </p:spPr>
-        <p:style>
-          <a:lnRef idx="0">
-            <a:scrgbClr r="0" g="0" b="0"/>
-          </a:lnRef>
-          <a:fillRef idx="0">
-            <a:scrgbClr r="0" g="0" b="0"/>
-          </a:fillRef>
-          <a:effectRef idx="0">
-            <a:scrgbClr r="0" g="0" b="0"/>
-          </a:effectRef>
-          <a:fontRef idx="none"/>
-        </p:style>
-      </p:cxnSp>
+        <p:txBody>
+          <a:bodyPr lIns="45718" tIns="45718" rIns="45718" bIns="45718"/>
+          <a:lstStyle/>
+          <a:p>
+            <a:pPr>
+              <a:defRPr>
+                <a:solidFill>
+                  <a:srgbClr val="2A3990"/>
+                </a:solidFill>
+              </a:defRPr>
+            </a:pPr>
+          </a:p>
+        </p:txBody>
+      </p:sp>
       <p:sp>
         <p:nvSpPr>
-          <p:cNvPr id="11" name="TextBox 10"/>
+          <p:cNvPr id="175" name="TextBox 10"/>
           <p:cNvSpPr txBox="1"/>
           <p:nvPr/>
         </p:nvSpPr>
         <p:spPr>
           <a:xfrm>
-            <a:off x="97584" y="3363838"/>
-            <a:ext cx="1008112" cy="307775"/>
+            <a:off x="97583" y="3363838"/>
+            <a:ext cx="1008114" cy="288822"/>
           </a:xfrm>
           <a:prstGeom prst="rect">
             <a:avLst/>
           </a:prstGeom>
           <a:solidFill>
-            <a:schemeClr val="bg2"/>
+            <a:srgbClr val="A7A7A7"/>
           </a:solidFill>
-          <a:ln w="12700" cap="flat">
-            <a:noFill/>
+          <a:ln w="12700">
             <a:miter lim="400000"/>
           </a:ln>
-          <a:effectLst/>
-          <a:sp3d/>
+          <a:extLst>
+            <a:ext uri="{C572A759-6A51-4108-AA02-DFA0A04FC94B}">
+              <ma14:wrappingTextBoxFlag xmlns:ma14="http://schemas.microsoft.com/office/mac/drawingml/2011/main" val="1"/>
+            </a:ext>
+          </a:extLst>
         </p:spPr>
-        <p:style>
-          <a:lnRef idx="0">
-            <a:scrgbClr r="0" g="0" b="0"/>
-          </a:lnRef>
-          <a:fillRef idx="0">
-            <a:scrgbClr r="0" g="0" b="0"/>
-          </a:fillRef>
-          <a:effectRef idx="0">
-            <a:scrgbClr r="0" g="0" b="0"/>
-          </a:effectRef>
-          <a:fontRef idx="none"/>
-        </p:style>
         <p:txBody>
-          <a:bodyPr rot="0" spcFirstLastPara="1" vertOverflow="overflow" horzOverflow="overflow" vert="horz" wrap="square" lIns="45719" tIns="45719" rIns="45719" bIns="45719" numCol="1" spcCol="38100" rtlCol="0" anchor="t">
+          <a:bodyPr lIns="45718" tIns="45718" rIns="45718" bIns="45718">
             <a:spAutoFit/>
           </a:bodyPr>
-          <a:lstStyle/>
-          <a:p>
-            <a:pPr marL="0" marR="0" indent="0" algn="l" defTabSz="914400" rtl="0" fontAlgn="auto" latinLnBrk="0" hangingPunct="0">
-              <a:lnSpc>
-                <a:spcPct val="100000"/>
-              </a:lnSpc>
-              <a:spcBef>
-                <a:spcPts val="0"/>
-              </a:spcBef>
-              <a:spcAft>
-                <a:spcPts val="0"/>
-              </a:spcAft>
-              <a:buClrTx/>
-              <a:buSzTx/>
-              <a:buFontTx/>
-              <a:buNone/>
-              <a:tabLst/>
-            </a:pPr>
-            <a:r>
-              <a:rPr kumimoji="0" lang="en-CA" sz="1400" b="0" i="0" u="none" strike="noStrike" cap="none" spc="0" normalizeH="0" baseline="0" dirty="0" smtClean="0">
-                <a:ln>
-                  <a:noFill/>
-                </a:ln>
+          <a:lstStyle>
+            <a:lvl1pPr>
+              <a:defRPr>
                 <a:solidFill>
                   <a:srgbClr val="2A3990"/>
                 </a:solidFill>
-                <a:effectLst/>
-                <a:uFillTx/>
                 <a:latin typeface="Arial"/>
                 <a:ea typeface="Arial"/>
                 <a:cs typeface="Arial"/>
                 <a:sym typeface="Arial"/>
-              </a:rPr>
-              <a:t>Release</a:t>
-            </a:r>
-            <a:r>
-              <a:rPr kumimoji="0" lang="en-CA" sz="1400" b="0" i="0" u="none" strike="noStrike" cap="none" spc="0" normalizeH="0" dirty="0" smtClean="0">
-                <a:ln>
-                  <a:noFill/>
-                </a:ln>
-                <a:solidFill>
-                  <a:srgbClr val="2A3990"/>
-                </a:solidFill>
-                <a:effectLst/>
-                <a:uFillTx/>
-                <a:latin typeface="Arial"/>
-                <a:ea typeface="Arial"/>
-                <a:cs typeface="Arial"/>
-                <a:sym typeface="Arial"/>
-              </a:rPr>
-              <a:t> 2</a:t>
-            </a:r>
-            <a:endParaRPr kumimoji="0" lang="en-CA" sz="1400" b="0" i="0" u="none" strike="noStrike" cap="none" spc="0" normalizeH="0" baseline="0" dirty="0">
-              <a:ln>
-                <a:noFill/>
-              </a:ln>
-              <a:solidFill>
-                <a:srgbClr val="2A3990"/>
-              </a:solidFill>
-              <a:effectLst/>
-              <a:uFillTx/>
-              <a:latin typeface="Arial"/>
-              <a:ea typeface="Arial"/>
-              <a:cs typeface="Arial"/>
-              <a:sym typeface="Arial"/>
-            </a:endParaRPr>
+              </a:defRPr>
+            </a:lvl1pPr>
+          </a:lstStyle>
+          <a:p>
+            <a:pPr/>
+            <a:r>
+              <a:t>Release 2</a:t>
+            </a:r>
           </a:p>
         </p:txBody>
       </p:sp>
     </p:spTree>
-    <p:extLst>
-      <p:ext uri="{BB962C8B-B14F-4D97-AF65-F5344CB8AC3E}">
-        <p14:creationId xmlns:p14="http://schemas.microsoft.com/office/powerpoint/2010/main" val="4263611327"/>
-      </p:ext>
-    </p:extLst>
   </p:cSld>
   <p:clrMapOvr>
     <a:masterClrMapping/>
   </p:clrMapOvr>
-  <p:transition spd="med"/>
+  <p:transition xmlns:p14="http://schemas.microsoft.com/office/powerpoint/2010/main" spd="med" advClick="1"/>
 </p:sld>
 </file>
 
 <file path=ppt/slides/slide6.xml><?xml version="1.0" encoding="utf-8"?>
-<p:sld xmlns:a="http://schemas.openxmlformats.org/drawingml/2006/main" xmlns:r="http://schemas.openxmlformats.org/officeDocument/2006/relationships" xmlns:p="http://schemas.openxmlformats.org/presentationml/2006/main">
+<p:sld xmlns:a="http://schemas.openxmlformats.org/drawingml/2006/main" xmlns:r="http://schemas.openxmlformats.org/officeDocument/2006/relationships" xmlns:p="http://schemas.openxmlformats.org/presentationml/2006/main" showMasterSp="1" showMasterPhAnim="1">
   <p:cSld>
     <p:spTree>
       <p:nvGrpSpPr>
@@ -7046,568 +6614,512 @@
       </p:grpSpPr>
       <p:pic>
         <p:nvPicPr>
-          <p:cNvPr id="2050" name="Picture 2" descr="C:\Users\Vincent\Desktop\UserStoryMap (1).png"/>
+          <p:cNvPr id="179" name="Picture 2" descr="Picture 2"/>
           <p:cNvPicPr>
-            <a:picLocks noChangeAspect="1" noChangeArrowheads="1"/>
+            <a:picLocks noChangeAspect="1"/>
           </p:cNvPicPr>
           <p:nvPr/>
         </p:nvPicPr>
-        <p:blipFill rotWithShape="1">
+        <p:blipFill>
           <a:blip r:embed="rId2">
-            <a:extLst>
-              <a:ext uri="{28A0092B-C50C-407E-A947-70E740481C1C}">
-                <a14:useLocalDpi xmlns:a14="http://schemas.microsoft.com/office/drawing/2010/main" val="0"/>
-              </a:ext>
-            </a:extLst>
+            <a:extLst/>
           </a:blip>
-          <a:srcRect r="75710"/>
-          <a:stretch/>
+          <a:srcRect l="0" t="0" r="75710" b="0"/>
+          <a:stretch>
+            <a:fillRect/>
+          </a:stretch>
         </p:blipFill>
-        <p:spPr bwMode="auto">
+        <p:spPr>
           <a:xfrm>
             <a:off x="1216" y="0"/>
-            <a:ext cx="4642792" cy="5143500"/>
+            <a:ext cx="4642793" cy="5143500"/>
           </a:xfrm>
           <a:prstGeom prst="rect">
             <a:avLst/>
           </a:prstGeom>
-          <a:noFill/>
-          <a:extLst>
-            <a:ext uri="{909E8E84-426E-40DD-AFC4-6F175D3DCCD1}">
-              <a14:hiddenFill xmlns:a14="http://schemas.microsoft.com/office/drawing/2010/main">
-                <a:solidFill>
-                  <a:srgbClr val="FFFFFF"/>
-                </a:solidFill>
-              </a14:hiddenFill>
-            </a:ext>
-          </a:extLst>
+          <a:ln w="12700">
+            <a:miter lim="400000"/>
+          </a:ln>
         </p:spPr>
       </p:pic>
-      <p:cxnSp>
-        <p:nvCxnSpPr>
-          <p:cNvPr id="6" name="Straight Connector 5"/>
-          <p:cNvCxnSpPr/>
+      <p:sp>
+        <p:nvSpPr>
+          <p:cNvPr id="180" name="Straight Connector 5"/>
+          <p:cNvSpPr/>
           <p:nvPr/>
-        </p:nvCxnSpPr>
+        </p:nvSpPr>
         <p:spPr>
           <a:xfrm>
             <a:off x="0" y="1861541"/>
-            <a:ext cx="9144000" cy="0"/>
+            <a:ext cx="9144001" cy="1"/>
           </a:xfrm>
           <a:prstGeom prst="line">
             <a:avLst/>
           </a:prstGeom>
-          <a:noFill/>
-          <a:ln w="25400" cap="flat">
+          <a:ln w="25400">
             <a:solidFill>
               <a:schemeClr val="accent1"/>
             </a:solidFill>
-            <a:prstDash val="solid"/>
-            <a:round/>
           </a:ln>
           <a:effectLst>
-            <a:outerShdw blurRad="38100" dist="20000" dir="5400000" rotWithShape="0">
+            <a:outerShdw sx="100000" sy="100000" kx="0" ky="0" algn="b" rotWithShape="0" blurRad="38100" dist="20000" dir="5400000">
               <a:srgbClr val="000000">
                 <a:alpha val="38000"/>
               </a:srgbClr>
             </a:outerShdw>
           </a:effectLst>
-          <a:sp3d/>
         </p:spPr>
-        <p:style>
-          <a:lnRef idx="0">
-            <a:scrgbClr r="0" g="0" b="0"/>
-          </a:lnRef>
-          <a:fillRef idx="0">
-            <a:scrgbClr r="0" g="0" b="0"/>
-          </a:fillRef>
-          <a:effectRef idx="0">
-            <a:scrgbClr r="0" g="0" b="0"/>
-          </a:effectRef>
-          <a:fontRef idx="none"/>
-        </p:style>
-      </p:cxnSp>
+        <p:txBody>
+          <a:bodyPr lIns="45718" tIns="45718" rIns="45718" bIns="45718"/>
+          <a:lstStyle/>
+          <a:p>
+            <a:pPr>
+              <a:defRPr>
+                <a:solidFill>
+                  <a:srgbClr val="2A3990"/>
+                </a:solidFill>
+              </a:defRPr>
+            </a:pPr>
+          </a:p>
+        </p:txBody>
+      </p:sp>
       <p:sp>
         <p:nvSpPr>
-          <p:cNvPr id="4" name="TextBox 3"/>
+          <p:cNvPr id="181" name="TextBox 3"/>
           <p:cNvSpPr txBox="1"/>
           <p:nvPr/>
         </p:nvSpPr>
         <p:spPr>
           <a:xfrm>
-            <a:off x="107504" y="1707654"/>
-            <a:ext cx="1008112" cy="307775"/>
+            <a:off x="107503" y="1707653"/>
+            <a:ext cx="1008114" cy="288823"/>
           </a:xfrm>
           <a:prstGeom prst="rect">
             <a:avLst/>
           </a:prstGeom>
           <a:solidFill>
-            <a:schemeClr val="bg2"/>
+            <a:srgbClr val="A7A7A7"/>
           </a:solidFill>
-          <a:ln w="12700" cap="flat">
-            <a:noFill/>
+          <a:ln w="12700">
             <a:miter lim="400000"/>
           </a:ln>
-          <a:effectLst/>
-          <a:sp3d/>
+          <a:extLst>
+            <a:ext uri="{C572A759-6A51-4108-AA02-DFA0A04FC94B}">
+              <ma14:wrappingTextBoxFlag xmlns:ma14="http://schemas.microsoft.com/office/mac/drawingml/2011/main" val="1"/>
+            </a:ext>
+          </a:extLst>
         </p:spPr>
-        <p:style>
-          <a:lnRef idx="0">
-            <a:scrgbClr r="0" g="0" b="0"/>
-          </a:lnRef>
-          <a:fillRef idx="0">
-            <a:scrgbClr r="0" g="0" b="0"/>
-          </a:fillRef>
-          <a:effectRef idx="0">
-            <a:scrgbClr r="0" g="0" b="0"/>
-          </a:effectRef>
-          <a:fontRef idx="none"/>
-        </p:style>
         <p:txBody>
-          <a:bodyPr rot="0" spcFirstLastPara="1" vertOverflow="overflow" horzOverflow="overflow" vert="horz" wrap="square" lIns="45719" tIns="45719" rIns="45719" bIns="45719" numCol="1" spcCol="38100" rtlCol="0" anchor="t">
+          <a:bodyPr lIns="45718" tIns="45718" rIns="45718" bIns="45718">
             <a:spAutoFit/>
           </a:bodyPr>
-          <a:lstStyle/>
-          <a:p>
-            <a:pPr marL="0" marR="0" indent="0" algn="l" defTabSz="914400" rtl="0" fontAlgn="auto" latinLnBrk="0" hangingPunct="0">
-              <a:lnSpc>
-                <a:spcPct val="100000"/>
-              </a:lnSpc>
-              <a:spcBef>
-                <a:spcPts val="0"/>
-              </a:spcBef>
-              <a:spcAft>
-                <a:spcPts val="0"/>
-              </a:spcAft>
-              <a:buClrTx/>
-              <a:buSzTx/>
-              <a:buFontTx/>
-              <a:buNone/>
-              <a:tabLst/>
-            </a:pPr>
-            <a:r>
-              <a:rPr kumimoji="0" lang="en-CA" sz="1400" b="0" i="0" u="none" strike="noStrike" cap="none" spc="0" normalizeH="0" baseline="0" dirty="0" smtClean="0">
-                <a:ln>
-                  <a:noFill/>
-                </a:ln>
+          <a:lstStyle>
+            <a:lvl1pPr>
+              <a:defRPr>
                 <a:solidFill>
                   <a:srgbClr val="2A3990"/>
                 </a:solidFill>
-                <a:effectLst/>
-                <a:uFillTx/>
                 <a:latin typeface="Arial"/>
                 <a:ea typeface="Arial"/>
                 <a:cs typeface="Arial"/>
                 <a:sym typeface="Arial"/>
-              </a:rPr>
-              <a:t>Release</a:t>
-            </a:r>
-            <a:r>
-              <a:rPr kumimoji="0" lang="en-CA" sz="1400" b="0" i="0" u="none" strike="noStrike" cap="none" spc="0" normalizeH="0" dirty="0" smtClean="0">
-                <a:ln>
-                  <a:noFill/>
-                </a:ln>
-                <a:solidFill>
-                  <a:srgbClr val="2A3990"/>
-                </a:solidFill>
-                <a:effectLst/>
-                <a:uFillTx/>
-                <a:latin typeface="Arial"/>
-                <a:ea typeface="Arial"/>
-                <a:cs typeface="Arial"/>
-                <a:sym typeface="Arial"/>
-              </a:rPr>
-              <a:t> 1</a:t>
-            </a:r>
-            <a:endParaRPr kumimoji="0" lang="en-CA" sz="1400" b="0" i="0" u="none" strike="noStrike" cap="none" spc="0" normalizeH="0" baseline="0" dirty="0">
-              <a:ln>
-                <a:noFill/>
-              </a:ln>
-              <a:solidFill>
-                <a:srgbClr val="2A3990"/>
-              </a:solidFill>
-              <a:effectLst/>
-              <a:uFillTx/>
-              <a:latin typeface="Arial"/>
-              <a:ea typeface="Arial"/>
-              <a:cs typeface="Arial"/>
-              <a:sym typeface="Arial"/>
-            </a:endParaRPr>
+              </a:defRPr>
+            </a:lvl1pPr>
+          </a:lstStyle>
+          <a:p>
+            <a:pPr/>
+            <a:r>
+              <a:t>Release 1</a:t>
+            </a:r>
           </a:p>
         </p:txBody>
       </p:sp>
-      <p:cxnSp>
-        <p:nvCxnSpPr>
-          <p:cNvPr id="10" name="Straight Connector 9"/>
-          <p:cNvCxnSpPr/>
+      <p:sp>
+        <p:nvSpPr>
+          <p:cNvPr id="182" name="Straight Connector 9"/>
+          <p:cNvSpPr/>
           <p:nvPr/>
-        </p:nvCxnSpPr>
+        </p:nvSpPr>
         <p:spPr>
           <a:xfrm>
-            <a:off x="-9920" y="3517725"/>
-            <a:ext cx="9144000" cy="0"/>
+            <a:off x="-9920" y="3517724"/>
+            <a:ext cx="9144001" cy="1"/>
           </a:xfrm>
           <a:prstGeom prst="line">
             <a:avLst/>
           </a:prstGeom>
-          <a:noFill/>
-          <a:ln w="25400" cap="flat">
+          <a:ln w="25400">
             <a:solidFill>
               <a:schemeClr val="accent1"/>
             </a:solidFill>
-            <a:prstDash val="solid"/>
-            <a:round/>
           </a:ln>
           <a:effectLst>
-            <a:outerShdw blurRad="38100" dist="20000" dir="5400000" rotWithShape="0">
+            <a:outerShdw sx="100000" sy="100000" kx="0" ky="0" algn="b" rotWithShape="0" blurRad="38100" dist="20000" dir="5400000">
               <a:srgbClr val="000000">
                 <a:alpha val="38000"/>
               </a:srgbClr>
             </a:outerShdw>
           </a:effectLst>
-          <a:sp3d/>
         </p:spPr>
-        <p:style>
-          <a:lnRef idx="0">
-            <a:scrgbClr r="0" g="0" b="0"/>
-          </a:lnRef>
-          <a:fillRef idx="0">
-            <a:scrgbClr r="0" g="0" b="0"/>
-          </a:fillRef>
-          <a:effectRef idx="0">
-            <a:scrgbClr r="0" g="0" b="0"/>
-          </a:effectRef>
-          <a:fontRef idx="none"/>
-        </p:style>
-      </p:cxnSp>
+        <p:txBody>
+          <a:bodyPr lIns="45718" tIns="45718" rIns="45718" bIns="45718"/>
+          <a:lstStyle/>
+          <a:p>
+            <a:pPr>
+              <a:defRPr>
+                <a:solidFill>
+                  <a:srgbClr val="2A3990"/>
+                </a:solidFill>
+              </a:defRPr>
+            </a:pPr>
+          </a:p>
+        </p:txBody>
+      </p:sp>
       <p:sp>
         <p:nvSpPr>
-          <p:cNvPr id="11" name="TextBox 10"/>
+          <p:cNvPr id="183" name="TextBox 10"/>
           <p:cNvSpPr txBox="1"/>
           <p:nvPr/>
         </p:nvSpPr>
         <p:spPr>
           <a:xfrm>
-            <a:off x="97584" y="3363838"/>
-            <a:ext cx="1008112" cy="307775"/>
+            <a:off x="97583" y="3363838"/>
+            <a:ext cx="1008114" cy="288822"/>
           </a:xfrm>
           <a:prstGeom prst="rect">
             <a:avLst/>
           </a:prstGeom>
           <a:solidFill>
-            <a:schemeClr val="bg2"/>
+            <a:srgbClr val="A7A7A7"/>
           </a:solidFill>
-          <a:ln w="12700" cap="flat">
-            <a:noFill/>
+          <a:ln w="12700">
             <a:miter lim="400000"/>
           </a:ln>
-          <a:effectLst/>
-          <a:sp3d/>
+          <a:extLst>
+            <a:ext uri="{C572A759-6A51-4108-AA02-DFA0A04FC94B}">
+              <ma14:wrappingTextBoxFlag xmlns:ma14="http://schemas.microsoft.com/office/mac/drawingml/2011/main" val="1"/>
+            </a:ext>
+          </a:extLst>
         </p:spPr>
-        <p:style>
-          <a:lnRef idx="0">
-            <a:scrgbClr r="0" g="0" b="0"/>
-          </a:lnRef>
-          <a:fillRef idx="0">
-            <a:scrgbClr r="0" g="0" b="0"/>
-          </a:fillRef>
-          <a:effectRef idx="0">
-            <a:scrgbClr r="0" g="0" b="0"/>
-          </a:effectRef>
-          <a:fontRef idx="none"/>
-        </p:style>
         <p:txBody>
-          <a:bodyPr rot="0" spcFirstLastPara="1" vertOverflow="overflow" horzOverflow="overflow" vert="horz" wrap="square" lIns="45719" tIns="45719" rIns="45719" bIns="45719" numCol="1" spcCol="38100" rtlCol="0" anchor="t">
+          <a:bodyPr lIns="45718" tIns="45718" rIns="45718" bIns="45718">
             <a:spAutoFit/>
           </a:bodyPr>
-          <a:lstStyle/>
-          <a:p>
-            <a:pPr marL="0" marR="0" indent="0" algn="l" defTabSz="914400" rtl="0" fontAlgn="auto" latinLnBrk="0" hangingPunct="0">
-              <a:lnSpc>
-                <a:spcPct val="100000"/>
-              </a:lnSpc>
-              <a:spcBef>
-                <a:spcPts val="0"/>
-              </a:spcBef>
-              <a:spcAft>
-                <a:spcPts val="0"/>
-              </a:spcAft>
-              <a:buClrTx/>
-              <a:buSzTx/>
-              <a:buFontTx/>
-              <a:buNone/>
-              <a:tabLst/>
-            </a:pPr>
-            <a:r>
-              <a:rPr kumimoji="0" lang="en-CA" sz="1400" b="0" i="0" u="none" strike="noStrike" cap="none" spc="0" normalizeH="0" baseline="0" dirty="0" smtClean="0">
-                <a:ln>
-                  <a:noFill/>
-                </a:ln>
+          <a:lstStyle>
+            <a:lvl1pPr>
+              <a:defRPr>
                 <a:solidFill>
                   <a:srgbClr val="2A3990"/>
                 </a:solidFill>
-                <a:effectLst/>
-                <a:uFillTx/>
                 <a:latin typeface="Arial"/>
                 <a:ea typeface="Arial"/>
                 <a:cs typeface="Arial"/>
                 <a:sym typeface="Arial"/>
-              </a:rPr>
-              <a:t>Release</a:t>
-            </a:r>
-            <a:r>
-              <a:rPr kumimoji="0" lang="en-CA" sz="1400" b="0" i="0" u="none" strike="noStrike" cap="none" spc="0" normalizeH="0" dirty="0" smtClean="0">
-                <a:ln>
-                  <a:noFill/>
-                </a:ln>
-                <a:solidFill>
-                  <a:srgbClr val="2A3990"/>
-                </a:solidFill>
-                <a:effectLst/>
-                <a:uFillTx/>
-                <a:latin typeface="Arial"/>
-                <a:ea typeface="Arial"/>
-                <a:cs typeface="Arial"/>
-                <a:sym typeface="Arial"/>
-              </a:rPr>
-              <a:t> 2</a:t>
-            </a:r>
-            <a:endParaRPr kumimoji="0" lang="en-CA" sz="1400" b="0" i="0" u="none" strike="noStrike" cap="none" spc="0" normalizeH="0" baseline="0" dirty="0">
-              <a:ln>
-                <a:noFill/>
-              </a:ln>
-              <a:solidFill>
-                <a:srgbClr val="2A3990"/>
-              </a:solidFill>
-              <a:effectLst/>
-              <a:uFillTx/>
-              <a:latin typeface="Arial"/>
-              <a:ea typeface="Arial"/>
-              <a:cs typeface="Arial"/>
-              <a:sym typeface="Arial"/>
-            </a:endParaRPr>
+              </a:defRPr>
+            </a:lvl1pPr>
+          </a:lstStyle>
+          <a:p>
+            <a:pPr/>
+            <a:r>
+              <a:t>Release 2</a:t>
+            </a:r>
           </a:p>
         </p:txBody>
       </p:sp>
       <p:sp>
         <p:nvSpPr>
-          <p:cNvPr id="8" name="TextBox 7"/>
+          <p:cNvPr id="184" name="TextBox 7"/>
           <p:cNvSpPr txBox="1"/>
           <p:nvPr/>
         </p:nvSpPr>
         <p:spPr>
           <a:xfrm>
-            <a:off x="4664560" y="195486"/>
-            <a:ext cx="4240903" cy="4832090"/>
+            <a:off x="4664559" y="195486"/>
+            <a:ext cx="4215330" cy="4556022"/>
           </a:xfrm>
           <a:prstGeom prst="rect">
             <a:avLst/>
           </a:prstGeom>
-          <a:noFill/>
-          <a:ln w="12700" cap="flat">
-            <a:noFill/>
+          <a:ln w="12700">
             <a:miter lim="400000"/>
           </a:ln>
-          <a:effectLst/>
-          <a:sp3d/>
+          <a:extLst>
+            <a:ext uri="{C572A759-6A51-4108-AA02-DFA0A04FC94B}">
+              <ma14:wrappingTextBoxFlag xmlns:ma14="http://schemas.microsoft.com/office/mac/drawingml/2011/main" val="1"/>
+            </a:ext>
+          </a:extLst>
         </p:spPr>
-        <p:style>
-          <a:lnRef idx="0">
-            <a:scrgbClr r="0" g="0" b="0"/>
-          </a:lnRef>
-          <a:fillRef idx="0">
-            <a:scrgbClr r="0" g="0" b="0"/>
-          </a:fillRef>
-          <a:effectRef idx="0">
-            <a:scrgbClr r="0" g="0" b="0"/>
-          </a:effectRef>
-          <a:fontRef idx="none"/>
-        </p:style>
         <p:txBody>
-          <a:bodyPr rot="0" spcFirstLastPara="1" vertOverflow="overflow" horzOverflow="overflow" vert="horz" wrap="none" lIns="45719" tIns="45719" rIns="45719" bIns="45719" numCol="1" spcCol="38100" rtlCol="0" anchor="t">
+          <a:bodyPr wrap="none" lIns="45718" tIns="45718" rIns="45718" bIns="45718">
             <a:spAutoFit/>
           </a:bodyPr>
           <a:lstStyle/>
           <a:p>
-            <a:r>
-              <a:rPr lang="en-CA" dirty="0" smtClean="0"/>
+            <a:pPr>
+              <a:defRPr>
+                <a:solidFill>
+                  <a:srgbClr val="2A3990"/>
+                </a:solidFill>
+                <a:latin typeface="Arial"/>
+                <a:ea typeface="Arial"/>
+                <a:cs typeface="Arial"/>
+                <a:sym typeface="Arial"/>
+              </a:defRPr>
+            </a:pPr>
+            <a:r>
               <a:t>As a user, I would like to make a software request to</a:t>
             </a:r>
-            <a:br>
-              <a:rPr lang="en-CA" dirty="0" smtClean="0"/>
-            </a:br>
-            <a:r>
-              <a:rPr lang="en-CA" dirty="0" smtClean="0"/>
+            <a:br/>
+            <a:r>
               <a:t>be able to use a particular software.</a:t>
             </a:r>
           </a:p>
           <a:p>
-            <a:endParaRPr lang="en-CA" dirty="0" smtClean="0"/>
-          </a:p>
-          <a:p>
-            <a:endParaRPr lang="en-CA" dirty="0"/>
-          </a:p>
-          <a:p>
-            <a:r>
-              <a:rPr lang="en-CA" dirty="0" smtClean="0"/>
+            <a:pPr>
+              <a:defRPr>
+                <a:solidFill>
+                  <a:srgbClr val="2A3990"/>
+                </a:solidFill>
+                <a:latin typeface="Arial"/>
+                <a:ea typeface="Arial"/>
+                <a:cs typeface="Arial"/>
+                <a:sym typeface="Arial"/>
+              </a:defRPr>
+            </a:pPr>
+          </a:p>
+          <a:p>
+            <a:pPr>
+              <a:defRPr>
+                <a:solidFill>
+                  <a:srgbClr val="2A3990"/>
+                </a:solidFill>
+                <a:latin typeface="Arial"/>
+                <a:ea typeface="Arial"/>
+                <a:cs typeface="Arial"/>
+                <a:sym typeface="Arial"/>
+              </a:defRPr>
+            </a:pPr>
+          </a:p>
+          <a:p>
+            <a:pPr>
+              <a:defRPr>
+                <a:solidFill>
+                  <a:srgbClr val="2A3990"/>
+                </a:solidFill>
+                <a:latin typeface="Arial"/>
+                <a:ea typeface="Arial"/>
+                <a:cs typeface="Arial"/>
+                <a:sym typeface="Arial"/>
+              </a:defRPr>
+            </a:pPr>
+            <a:r>
               <a:t>As a user, I would like to have an account to sign in,</a:t>
             </a:r>
-            <a:br>
-              <a:rPr lang="en-CA" dirty="0" smtClean="0"/>
-            </a:br>
-            <a:r>
-              <a:rPr lang="en-CA" dirty="0" smtClean="0"/>
+            <a:br/>
+            <a:r>
               <a:t>so I can track my software requests easier.</a:t>
             </a:r>
           </a:p>
           <a:p>
-            <a:endParaRPr lang="en-CA" dirty="0" smtClean="0"/>
-          </a:p>
-          <a:p>
-            <a:endParaRPr lang="en-CA" dirty="0"/>
-          </a:p>
-          <a:p>
-            <a:endParaRPr lang="en-CA" dirty="0" smtClean="0"/>
-          </a:p>
-          <a:p>
-            <a:endParaRPr lang="en-CA" dirty="0" smtClean="0"/>
-          </a:p>
-          <a:p>
-            <a:r>
-              <a:rPr lang="en-CA" dirty="0" smtClean="0"/>
-              <a:t>As </a:t>
-            </a:r>
-            <a:r>
-              <a:rPr lang="en-CA" dirty="0"/>
-              <a:t>a user, I want to </a:t>
-            </a:r>
-            <a:r>
-              <a:rPr lang="en-CA" dirty="0" smtClean="0"/>
-              <a:t>fill in a </a:t>
-            </a:r>
-            <a:r>
-              <a:rPr lang="en-CA" dirty="0" err="1" smtClean="0"/>
-              <a:t>webform</a:t>
-            </a:r>
-            <a:r>
-              <a:rPr lang="en-CA" dirty="0" smtClean="0"/>
-              <a:t> electronically</a:t>
-            </a:r>
-            <a:br>
-              <a:rPr lang="en-CA" dirty="0" smtClean="0"/>
-            </a:br>
-            <a:r>
-              <a:rPr lang="en-CA" dirty="0" smtClean="0"/>
+            <a:pPr>
+              <a:defRPr>
+                <a:solidFill>
+                  <a:srgbClr val="2A3990"/>
+                </a:solidFill>
+                <a:latin typeface="Arial"/>
+                <a:ea typeface="Arial"/>
+                <a:cs typeface="Arial"/>
+                <a:sym typeface="Arial"/>
+              </a:defRPr>
+            </a:pPr>
+          </a:p>
+          <a:p>
+            <a:pPr>
+              <a:defRPr>
+                <a:solidFill>
+                  <a:srgbClr val="2A3990"/>
+                </a:solidFill>
+                <a:latin typeface="Arial"/>
+                <a:ea typeface="Arial"/>
+                <a:cs typeface="Arial"/>
+                <a:sym typeface="Arial"/>
+              </a:defRPr>
+            </a:pPr>
+          </a:p>
+          <a:p>
+            <a:pPr>
+              <a:defRPr>
+                <a:solidFill>
+                  <a:srgbClr val="2A3990"/>
+                </a:solidFill>
+                <a:latin typeface="Arial"/>
+                <a:ea typeface="Arial"/>
+                <a:cs typeface="Arial"/>
+                <a:sym typeface="Arial"/>
+              </a:defRPr>
+            </a:pPr>
+          </a:p>
+          <a:p>
+            <a:pPr>
+              <a:defRPr>
+                <a:solidFill>
+                  <a:srgbClr val="2A3990"/>
+                </a:solidFill>
+                <a:latin typeface="Arial"/>
+                <a:ea typeface="Arial"/>
+                <a:cs typeface="Arial"/>
+                <a:sym typeface="Arial"/>
+              </a:defRPr>
+            </a:pPr>
+          </a:p>
+          <a:p>
+            <a:pPr>
+              <a:defRPr>
+                <a:solidFill>
+                  <a:srgbClr val="2A3990"/>
+                </a:solidFill>
+                <a:latin typeface="Arial"/>
+                <a:ea typeface="Arial"/>
+                <a:cs typeface="Arial"/>
+                <a:sym typeface="Arial"/>
+              </a:defRPr>
+            </a:pPr>
+            <a:r>
+              <a:t>As a user, I want to fill in a webform electronically</a:t>
+            </a:r>
+            <a:br/>
+            <a:r>
               <a:t>to conveniently submit my request.</a:t>
             </a:r>
           </a:p>
           <a:p>
-            <a:endParaRPr lang="en-CA" dirty="0"/>
-          </a:p>
-          <a:p>
-            <a:endParaRPr lang="en-CA" dirty="0" smtClean="0"/>
-          </a:p>
-          <a:p>
-            <a:endParaRPr lang="en-CA" dirty="0"/>
-          </a:p>
-          <a:p>
-            <a:endParaRPr lang="en-CA" dirty="0" smtClean="0"/>
-          </a:p>
-          <a:p>
-            <a:endParaRPr lang="en-CA" dirty="0"/>
-          </a:p>
-          <a:p>
-            <a:r>
-              <a:rPr lang="en-CA" dirty="0" smtClean="0"/>
-              <a:t>As </a:t>
-            </a:r>
-            <a:r>
-              <a:rPr lang="en-CA" dirty="0"/>
-              <a:t>a user, I </a:t>
-            </a:r>
-            <a:r>
-              <a:rPr lang="en-CA" dirty="0" smtClean="0"/>
-              <a:t>prefer </a:t>
-            </a:r>
-            <a:r>
-              <a:rPr lang="en-CA" dirty="0"/>
-              <a:t>filling the application from </a:t>
-            </a:r>
-            <a:r>
-              <a:rPr lang="en-CA" dirty="0" smtClean="0"/>
-              <a:t>with</a:t>
-            </a:r>
-          </a:p>
-          <a:p>
-            <a:r>
-              <a:rPr lang="en-CA" dirty="0" smtClean="0"/>
-              <a:t>error </a:t>
-            </a:r>
-            <a:r>
-              <a:rPr lang="en-CA" dirty="0"/>
-              <a:t>checking function, so I may not </a:t>
-            </a:r>
-            <a:r>
-              <a:rPr lang="en-CA" dirty="0" smtClean="0"/>
-              <a:t>miss</a:t>
-            </a:r>
-          </a:p>
-          <a:p>
-            <a:r>
-              <a:rPr lang="en-CA" dirty="0" smtClean="0"/>
-              <a:t>some </a:t>
-            </a:r>
-            <a:r>
-              <a:rPr lang="en-CA" dirty="0"/>
-              <a:t>important information.</a:t>
-            </a:r>
-            <a:r>
-              <a:rPr lang="en-CA" dirty="0"/>
-              <a:t/>
-            </a:r>
-            <a:br>
-              <a:rPr lang="en-CA" dirty="0"/>
-            </a:br>
-            <a:r>
-              <a:rPr lang="en-CA" dirty="0"/>
-              <a:t/>
-            </a:r>
-            <a:br>
-              <a:rPr lang="en-CA" dirty="0"/>
-            </a:br>
-            <a:endParaRPr kumimoji="0" lang="en-CA" sz="1400" b="0" i="0" u="none" strike="noStrike" cap="none" spc="0" normalizeH="0" baseline="0" dirty="0">
-              <a:ln>
-                <a:noFill/>
-              </a:ln>
-              <a:solidFill>
-                <a:srgbClr val="2A3990"/>
-              </a:solidFill>
-              <a:effectLst/>
-              <a:uFillTx/>
-              <a:latin typeface="Arial"/>
-              <a:ea typeface="Arial"/>
-              <a:cs typeface="Arial"/>
-              <a:sym typeface="Arial"/>
-            </a:endParaRPr>
+            <a:pPr>
+              <a:defRPr>
+                <a:solidFill>
+                  <a:srgbClr val="2A3990"/>
+                </a:solidFill>
+                <a:latin typeface="Arial"/>
+                <a:ea typeface="Arial"/>
+                <a:cs typeface="Arial"/>
+                <a:sym typeface="Arial"/>
+              </a:defRPr>
+            </a:pPr>
+          </a:p>
+          <a:p>
+            <a:pPr>
+              <a:defRPr>
+                <a:solidFill>
+                  <a:srgbClr val="2A3990"/>
+                </a:solidFill>
+                <a:latin typeface="Arial"/>
+                <a:ea typeface="Arial"/>
+                <a:cs typeface="Arial"/>
+                <a:sym typeface="Arial"/>
+              </a:defRPr>
+            </a:pPr>
+          </a:p>
+          <a:p>
+            <a:pPr>
+              <a:defRPr>
+                <a:solidFill>
+                  <a:srgbClr val="2A3990"/>
+                </a:solidFill>
+                <a:latin typeface="Arial"/>
+                <a:ea typeface="Arial"/>
+                <a:cs typeface="Arial"/>
+                <a:sym typeface="Arial"/>
+              </a:defRPr>
+            </a:pPr>
+          </a:p>
+          <a:p>
+            <a:pPr>
+              <a:defRPr>
+                <a:solidFill>
+                  <a:srgbClr val="2A3990"/>
+                </a:solidFill>
+                <a:latin typeface="Arial"/>
+                <a:ea typeface="Arial"/>
+                <a:cs typeface="Arial"/>
+                <a:sym typeface="Arial"/>
+              </a:defRPr>
+            </a:pPr>
+          </a:p>
+          <a:p>
+            <a:pPr>
+              <a:defRPr>
+                <a:solidFill>
+                  <a:srgbClr val="2A3990"/>
+                </a:solidFill>
+                <a:latin typeface="Arial"/>
+                <a:ea typeface="Arial"/>
+                <a:cs typeface="Arial"/>
+                <a:sym typeface="Arial"/>
+              </a:defRPr>
+            </a:pPr>
+          </a:p>
+          <a:p>
+            <a:pPr>
+              <a:defRPr>
+                <a:solidFill>
+                  <a:srgbClr val="2A3990"/>
+                </a:solidFill>
+                <a:latin typeface="Arial"/>
+                <a:ea typeface="Arial"/>
+                <a:cs typeface="Arial"/>
+                <a:sym typeface="Arial"/>
+              </a:defRPr>
+            </a:pPr>
+            <a:r>
+              <a:t>As a user, I prefer filling the application from with</a:t>
+            </a:r>
+          </a:p>
+          <a:p>
+            <a:pPr>
+              <a:defRPr>
+                <a:solidFill>
+                  <a:srgbClr val="2A3990"/>
+                </a:solidFill>
+                <a:latin typeface="Arial"/>
+                <a:ea typeface="Arial"/>
+                <a:cs typeface="Arial"/>
+                <a:sym typeface="Arial"/>
+              </a:defRPr>
+            </a:pPr>
+            <a:r>
+              <a:t>error checking function, so I may not miss</a:t>
+            </a:r>
+          </a:p>
+          <a:p>
+            <a:pPr>
+              <a:defRPr>
+                <a:solidFill>
+                  <a:srgbClr val="2A3990"/>
+                </a:solidFill>
+                <a:latin typeface="Arial"/>
+                <a:ea typeface="Arial"/>
+                <a:cs typeface="Arial"/>
+                <a:sym typeface="Arial"/>
+              </a:defRPr>
+            </a:pPr>
+            <a:r>
+              <a:t>some important information.</a:t>
+            </a:r>
+            <a:br/>
+            <a:br/>
           </a:p>
         </p:txBody>
       </p:sp>
     </p:spTree>
-    <p:extLst>
-      <p:ext uri="{BB962C8B-B14F-4D97-AF65-F5344CB8AC3E}">
-        <p14:creationId xmlns:p14="http://schemas.microsoft.com/office/powerpoint/2010/main" val="94651235"/>
-      </p:ext>
-    </p:extLst>
   </p:cSld>
   <p:clrMapOvr>
     <a:masterClrMapping/>
   </p:clrMapOvr>
-  <p:transition spd="med"/>
+  <p:transition xmlns:p14="http://schemas.microsoft.com/office/powerpoint/2010/main" spd="med" advClick="1"/>
 </p:sld>
 </file>
 
 <file path=ppt/slides/slide7.xml><?xml version="1.0" encoding="utf-8"?>
-<p:sld xmlns:a="http://schemas.openxmlformats.org/drawingml/2006/main" xmlns:r="http://schemas.openxmlformats.org/officeDocument/2006/relationships" xmlns:p="http://schemas.openxmlformats.org/presentationml/2006/main">
+<p:sld xmlns:a="http://schemas.openxmlformats.org/drawingml/2006/main" xmlns:r="http://schemas.openxmlformats.org/officeDocument/2006/relationships" xmlns:p="http://schemas.openxmlformats.org/presentationml/2006/main" showMasterSp="1" showMasterPhAnim="1">
   <p:cSld>
     <p:spTree>
       <p:nvGrpSpPr>
@@ -7625,563 +7137,415 @@
       </p:grpSpPr>
       <p:pic>
         <p:nvPicPr>
-          <p:cNvPr id="2050" name="Picture 2" descr="C:\Users\Vincent\Desktop\UserStoryMap (1).png"/>
+          <p:cNvPr id="186" name="Picture 2" descr="Picture 2"/>
           <p:cNvPicPr>
-            <a:picLocks noChangeAspect="1" noChangeArrowheads="1"/>
+            <a:picLocks noChangeAspect="1"/>
           </p:cNvPicPr>
           <p:nvPr/>
         </p:nvPicPr>
-        <p:blipFill rotWithShape="1">
+        <p:blipFill>
           <a:blip r:embed="rId3">
-            <a:extLst>
-              <a:ext uri="{28A0092B-C50C-407E-A947-70E740481C1C}">
-                <a14:useLocalDpi xmlns:a14="http://schemas.microsoft.com/office/drawing/2010/main" val="0"/>
-              </a:ext>
-            </a:extLst>
+            <a:extLst/>
           </a:blip>
-          <a:srcRect l="24589" r="45607"/>
-          <a:stretch/>
+          <a:srcRect l="24589" t="0" r="45607" b="0"/>
+          <a:stretch>
+            <a:fillRect/>
+          </a:stretch>
         </p:blipFill>
-        <p:spPr bwMode="auto">
+        <p:spPr>
           <a:xfrm>
             <a:off x="29744" y="0"/>
-            <a:ext cx="4532336" cy="5143500"/>
+            <a:ext cx="4532337" cy="5143500"/>
           </a:xfrm>
           <a:prstGeom prst="rect">
             <a:avLst/>
           </a:prstGeom>
-          <a:noFill/>
-          <a:extLst>
-            <a:ext uri="{909E8E84-426E-40DD-AFC4-6F175D3DCCD1}">
-              <a14:hiddenFill xmlns:a14="http://schemas.microsoft.com/office/drawing/2010/main">
-                <a:solidFill>
-                  <a:srgbClr val="FFFFFF"/>
-                </a:solidFill>
-              </a14:hiddenFill>
-            </a:ext>
-          </a:extLst>
+          <a:ln w="12700">
+            <a:miter lim="400000"/>
+          </a:ln>
         </p:spPr>
       </p:pic>
-      <p:cxnSp>
-        <p:nvCxnSpPr>
-          <p:cNvPr id="6" name="Straight Connector 5"/>
-          <p:cNvCxnSpPr/>
+      <p:sp>
+        <p:nvSpPr>
+          <p:cNvPr id="187" name="Straight Connector 5"/>
+          <p:cNvSpPr/>
           <p:nvPr/>
-        </p:nvCxnSpPr>
+        </p:nvSpPr>
         <p:spPr>
           <a:xfrm>
             <a:off x="0" y="1861541"/>
-            <a:ext cx="9144000" cy="0"/>
+            <a:ext cx="9144001" cy="1"/>
           </a:xfrm>
           <a:prstGeom prst="line">
             <a:avLst/>
           </a:prstGeom>
-          <a:noFill/>
-          <a:ln w="25400" cap="flat">
+          <a:ln w="25400">
             <a:solidFill>
               <a:schemeClr val="accent1"/>
             </a:solidFill>
-            <a:prstDash val="solid"/>
-            <a:round/>
           </a:ln>
           <a:effectLst>
-            <a:outerShdw blurRad="38100" dist="20000" dir="5400000" rotWithShape="0">
+            <a:outerShdw sx="100000" sy="100000" kx="0" ky="0" algn="b" rotWithShape="0" blurRad="38100" dist="20000" dir="5400000">
               <a:srgbClr val="000000">
                 <a:alpha val="38000"/>
               </a:srgbClr>
             </a:outerShdw>
           </a:effectLst>
-          <a:sp3d/>
         </p:spPr>
-        <p:style>
-          <a:lnRef idx="0">
-            <a:scrgbClr r="0" g="0" b="0"/>
-          </a:lnRef>
-          <a:fillRef idx="0">
-            <a:scrgbClr r="0" g="0" b="0"/>
-          </a:fillRef>
-          <a:effectRef idx="0">
-            <a:scrgbClr r="0" g="0" b="0"/>
-          </a:effectRef>
-          <a:fontRef idx="none"/>
-        </p:style>
-      </p:cxnSp>
+        <p:txBody>
+          <a:bodyPr lIns="45718" tIns="45718" rIns="45718" bIns="45718"/>
+          <a:lstStyle/>
+          <a:p>
+            <a:pPr>
+              <a:defRPr>
+                <a:solidFill>
+                  <a:srgbClr val="2A3990"/>
+                </a:solidFill>
+              </a:defRPr>
+            </a:pPr>
+          </a:p>
+        </p:txBody>
+      </p:sp>
       <p:sp>
         <p:nvSpPr>
-          <p:cNvPr id="4" name="TextBox 3"/>
+          <p:cNvPr id="188" name="TextBox 3"/>
           <p:cNvSpPr txBox="1"/>
           <p:nvPr/>
         </p:nvSpPr>
         <p:spPr>
           <a:xfrm>
-            <a:off x="107504" y="1707654"/>
-            <a:ext cx="1008112" cy="307775"/>
+            <a:off x="107503" y="1707653"/>
+            <a:ext cx="1008114" cy="288823"/>
           </a:xfrm>
           <a:prstGeom prst="rect">
             <a:avLst/>
           </a:prstGeom>
           <a:solidFill>
-            <a:schemeClr val="bg2"/>
+            <a:srgbClr val="A7A7A7"/>
           </a:solidFill>
-          <a:ln w="12700" cap="flat">
-            <a:noFill/>
+          <a:ln w="12700">
             <a:miter lim="400000"/>
           </a:ln>
-          <a:effectLst/>
-          <a:sp3d/>
+          <a:extLst>
+            <a:ext uri="{C572A759-6A51-4108-AA02-DFA0A04FC94B}">
+              <ma14:wrappingTextBoxFlag xmlns:ma14="http://schemas.microsoft.com/office/mac/drawingml/2011/main" val="1"/>
+            </a:ext>
+          </a:extLst>
         </p:spPr>
-        <p:style>
-          <a:lnRef idx="0">
-            <a:scrgbClr r="0" g="0" b="0"/>
-          </a:lnRef>
-          <a:fillRef idx="0">
-            <a:scrgbClr r="0" g="0" b="0"/>
-          </a:fillRef>
-          <a:effectRef idx="0">
-            <a:scrgbClr r="0" g="0" b="0"/>
-          </a:effectRef>
-          <a:fontRef idx="none"/>
-        </p:style>
         <p:txBody>
-          <a:bodyPr rot="0" spcFirstLastPara="1" vertOverflow="overflow" horzOverflow="overflow" vert="horz" wrap="square" lIns="45719" tIns="45719" rIns="45719" bIns="45719" numCol="1" spcCol="38100" rtlCol="0" anchor="t">
+          <a:bodyPr lIns="45718" tIns="45718" rIns="45718" bIns="45718">
             <a:spAutoFit/>
           </a:bodyPr>
-          <a:lstStyle/>
-          <a:p>
-            <a:pPr marL="0" marR="0" indent="0" algn="l" defTabSz="914400" rtl="0" fontAlgn="auto" latinLnBrk="0" hangingPunct="0">
-              <a:lnSpc>
-                <a:spcPct val="100000"/>
-              </a:lnSpc>
-              <a:spcBef>
-                <a:spcPts val="0"/>
-              </a:spcBef>
-              <a:spcAft>
-                <a:spcPts val="0"/>
-              </a:spcAft>
-              <a:buClrTx/>
-              <a:buSzTx/>
-              <a:buFontTx/>
-              <a:buNone/>
-              <a:tabLst/>
-            </a:pPr>
-            <a:r>
-              <a:rPr kumimoji="0" lang="en-CA" sz="1400" b="0" i="0" u="none" strike="noStrike" cap="none" spc="0" normalizeH="0" baseline="0" dirty="0" smtClean="0">
-                <a:ln>
-                  <a:noFill/>
-                </a:ln>
+          <a:lstStyle>
+            <a:lvl1pPr>
+              <a:defRPr>
                 <a:solidFill>
                   <a:srgbClr val="2A3990"/>
                 </a:solidFill>
-                <a:effectLst/>
-                <a:uFillTx/>
                 <a:latin typeface="Arial"/>
                 <a:ea typeface="Arial"/>
                 <a:cs typeface="Arial"/>
                 <a:sym typeface="Arial"/>
-              </a:rPr>
-              <a:t>Release</a:t>
-            </a:r>
-            <a:r>
-              <a:rPr kumimoji="0" lang="en-CA" sz="1400" b="0" i="0" u="none" strike="noStrike" cap="none" spc="0" normalizeH="0" dirty="0" smtClean="0">
-                <a:ln>
-                  <a:noFill/>
-                </a:ln>
-                <a:solidFill>
-                  <a:srgbClr val="2A3990"/>
-                </a:solidFill>
-                <a:effectLst/>
-                <a:uFillTx/>
-                <a:latin typeface="Arial"/>
-                <a:ea typeface="Arial"/>
-                <a:cs typeface="Arial"/>
-                <a:sym typeface="Arial"/>
-              </a:rPr>
-              <a:t> 1</a:t>
-            </a:r>
-            <a:endParaRPr kumimoji="0" lang="en-CA" sz="1400" b="0" i="0" u="none" strike="noStrike" cap="none" spc="0" normalizeH="0" baseline="0" dirty="0">
-              <a:ln>
-                <a:noFill/>
-              </a:ln>
-              <a:solidFill>
-                <a:srgbClr val="2A3990"/>
-              </a:solidFill>
-              <a:effectLst/>
-              <a:uFillTx/>
-              <a:latin typeface="Arial"/>
-              <a:ea typeface="Arial"/>
-              <a:cs typeface="Arial"/>
-              <a:sym typeface="Arial"/>
-            </a:endParaRPr>
+              </a:defRPr>
+            </a:lvl1pPr>
+          </a:lstStyle>
+          <a:p>
+            <a:pPr/>
+            <a:r>
+              <a:t>Release 1</a:t>
+            </a:r>
           </a:p>
         </p:txBody>
       </p:sp>
-      <p:cxnSp>
-        <p:nvCxnSpPr>
-          <p:cNvPr id="10" name="Straight Connector 9"/>
-          <p:cNvCxnSpPr/>
+      <p:sp>
+        <p:nvSpPr>
+          <p:cNvPr id="189" name="Straight Connector 9"/>
+          <p:cNvSpPr/>
           <p:nvPr/>
-        </p:nvCxnSpPr>
+        </p:nvSpPr>
         <p:spPr>
           <a:xfrm>
-            <a:off x="-9920" y="3517725"/>
-            <a:ext cx="9144000" cy="0"/>
+            <a:off x="-9920" y="3517724"/>
+            <a:ext cx="9144001" cy="1"/>
           </a:xfrm>
           <a:prstGeom prst="line">
             <a:avLst/>
           </a:prstGeom>
-          <a:noFill/>
-          <a:ln w="25400" cap="flat">
+          <a:ln w="25400">
             <a:solidFill>
               <a:schemeClr val="accent1"/>
             </a:solidFill>
-            <a:prstDash val="solid"/>
-            <a:round/>
           </a:ln>
           <a:effectLst>
-            <a:outerShdw blurRad="38100" dist="20000" dir="5400000" rotWithShape="0">
+            <a:outerShdw sx="100000" sy="100000" kx="0" ky="0" algn="b" rotWithShape="0" blurRad="38100" dist="20000" dir="5400000">
               <a:srgbClr val="000000">
                 <a:alpha val="38000"/>
               </a:srgbClr>
             </a:outerShdw>
           </a:effectLst>
-          <a:sp3d/>
         </p:spPr>
-        <p:style>
-          <a:lnRef idx="0">
-            <a:scrgbClr r="0" g="0" b="0"/>
-          </a:lnRef>
-          <a:fillRef idx="0">
-            <a:scrgbClr r="0" g="0" b="0"/>
-          </a:fillRef>
-          <a:effectRef idx="0">
-            <a:scrgbClr r="0" g="0" b="0"/>
-          </a:effectRef>
-          <a:fontRef idx="none"/>
-        </p:style>
-      </p:cxnSp>
+        <p:txBody>
+          <a:bodyPr lIns="45718" tIns="45718" rIns="45718" bIns="45718"/>
+          <a:lstStyle/>
+          <a:p>
+            <a:pPr>
+              <a:defRPr>
+                <a:solidFill>
+                  <a:srgbClr val="2A3990"/>
+                </a:solidFill>
+              </a:defRPr>
+            </a:pPr>
+          </a:p>
+        </p:txBody>
+      </p:sp>
       <p:sp>
         <p:nvSpPr>
-          <p:cNvPr id="11" name="TextBox 10"/>
+          <p:cNvPr id="190" name="TextBox 10"/>
           <p:cNvSpPr txBox="1"/>
           <p:nvPr/>
         </p:nvSpPr>
         <p:spPr>
           <a:xfrm>
-            <a:off x="97584" y="3363838"/>
-            <a:ext cx="1008112" cy="307775"/>
+            <a:off x="97583" y="3363838"/>
+            <a:ext cx="1008114" cy="288822"/>
           </a:xfrm>
           <a:prstGeom prst="rect">
             <a:avLst/>
           </a:prstGeom>
           <a:solidFill>
-            <a:schemeClr val="bg2"/>
+            <a:srgbClr val="A7A7A7"/>
           </a:solidFill>
-          <a:ln w="12700" cap="flat">
-            <a:noFill/>
+          <a:ln w="12700">
             <a:miter lim="400000"/>
           </a:ln>
-          <a:effectLst/>
-          <a:sp3d/>
+          <a:extLst>
+            <a:ext uri="{C572A759-6A51-4108-AA02-DFA0A04FC94B}">
+              <ma14:wrappingTextBoxFlag xmlns:ma14="http://schemas.microsoft.com/office/mac/drawingml/2011/main" val="1"/>
+            </a:ext>
+          </a:extLst>
         </p:spPr>
-        <p:style>
-          <a:lnRef idx="0">
-            <a:scrgbClr r="0" g="0" b="0"/>
-          </a:lnRef>
-          <a:fillRef idx="0">
-            <a:scrgbClr r="0" g="0" b="0"/>
-          </a:fillRef>
-          <a:effectRef idx="0">
-            <a:scrgbClr r="0" g="0" b="0"/>
-          </a:effectRef>
-          <a:fontRef idx="none"/>
-        </p:style>
         <p:txBody>
-          <a:bodyPr rot="0" spcFirstLastPara="1" vertOverflow="overflow" horzOverflow="overflow" vert="horz" wrap="square" lIns="45719" tIns="45719" rIns="45719" bIns="45719" numCol="1" spcCol="38100" rtlCol="0" anchor="t">
+          <a:bodyPr lIns="45718" tIns="45718" rIns="45718" bIns="45718">
             <a:spAutoFit/>
           </a:bodyPr>
-          <a:lstStyle/>
-          <a:p>
-            <a:pPr marL="0" marR="0" indent="0" algn="l" defTabSz="914400" rtl="0" fontAlgn="auto" latinLnBrk="0" hangingPunct="0">
-              <a:lnSpc>
-                <a:spcPct val="100000"/>
-              </a:lnSpc>
-              <a:spcBef>
-                <a:spcPts val="0"/>
-              </a:spcBef>
-              <a:spcAft>
-                <a:spcPts val="0"/>
-              </a:spcAft>
-              <a:buClrTx/>
-              <a:buSzTx/>
-              <a:buFontTx/>
-              <a:buNone/>
-              <a:tabLst/>
-            </a:pPr>
-            <a:r>
-              <a:rPr kumimoji="0" lang="en-CA" sz="1400" b="0" i="0" u="none" strike="noStrike" cap="none" spc="0" normalizeH="0" baseline="0" dirty="0" smtClean="0">
-                <a:ln>
-                  <a:noFill/>
-                </a:ln>
+          <a:lstStyle>
+            <a:lvl1pPr>
+              <a:defRPr>
                 <a:solidFill>
                   <a:srgbClr val="2A3990"/>
                 </a:solidFill>
-                <a:effectLst/>
-                <a:uFillTx/>
                 <a:latin typeface="Arial"/>
                 <a:ea typeface="Arial"/>
                 <a:cs typeface="Arial"/>
                 <a:sym typeface="Arial"/>
-              </a:rPr>
-              <a:t>Release</a:t>
-            </a:r>
-            <a:r>
-              <a:rPr kumimoji="0" lang="en-CA" sz="1400" b="0" i="0" u="none" strike="noStrike" cap="none" spc="0" normalizeH="0" dirty="0" smtClean="0">
-                <a:ln>
-                  <a:noFill/>
-                </a:ln>
-                <a:solidFill>
-                  <a:srgbClr val="2A3990"/>
-                </a:solidFill>
-                <a:effectLst/>
-                <a:uFillTx/>
-                <a:latin typeface="Arial"/>
-                <a:ea typeface="Arial"/>
-                <a:cs typeface="Arial"/>
-                <a:sym typeface="Arial"/>
-              </a:rPr>
-              <a:t> 2</a:t>
-            </a:r>
-            <a:endParaRPr kumimoji="0" lang="en-CA" sz="1400" b="0" i="0" u="none" strike="noStrike" cap="none" spc="0" normalizeH="0" baseline="0" dirty="0">
-              <a:ln>
-                <a:noFill/>
-              </a:ln>
-              <a:solidFill>
-                <a:srgbClr val="2A3990"/>
-              </a:solidFill>
-              <a:effectLst/>
-              <a:uFillTx/>
-              <a:latin typeface="Arial"/>
-              <a:ea typeface="Arial"/>
-              <a:cs typeface="Arial"/>
-              <a:sym typeface="Arial"/>
-            </a:endParaRPr>
+              </a:defRPr>
+            </a:lvl1pPr>
+          </a:lstStyle>
+          <a:p>
+            <a:pPr/>
+            <a:r>
+              <a:t>Release 2</a:t>
+            </a:r>
           </a:p>
         </p:txBody>
       </p:sp>
       <p:sp>
         <p:nvSpPr>
-          <p:cNvPr id="2" name="TextBox 1"/>
+          <p:cNvPr id="191" name="TextBox 1"/>
           <p:cNvSpPr txBox="1"/>
           <p:nvPr/>
         </p:nvSpPr>
         <p:spPr>
           <a:xfrm>
-            <a:off x="4788023" y="193740"/>
-            <a:ext cx="4240903" cy="3323985"/>
+            <a:off x="4788022" y="193739"/>
+            <a:ext cx="4215417" cy="3133623"/>
           </a:xfrm>
           <a:prstGeom prst="rect">
             <a:avLst/>
           </a:prstGeom>
-          <a:noFill/>
-          <a:ln w="12700" cap="flat">
-            <a:noFill/>
+          <a:ln w="12700">
             <a:miter lim="400000"/>
           </a:ln>
-          <a:effectLst/>
-          <a:sp3d/>
+          <a:extLst>
+            <a:ext uri="{C572A759-6A51-4108-AA02-DFA0A04FC94B}">
+              <ma14:wrappingTextBoxFlag xmlns:ma14="http://schemas.microsoft.com/office/mac/drawingml/2011/main" val="1"/>
+            </a:ext>
+          </a:extLst>
         </p:spPr>
-        <p:style>
-          <a:lnRef idx="0">
-            <a:scrgbClr r="0" g="0" b="0"/>
-          </a:lnRef>
-          <a:fillRef idx="0">
-            <a:scrgbClr r="0" g="0" b="0"/>
-          </a:fillRef>
-          <a:effectRef idx="0">
-            <a:scrgbClr r="0" g="0" b="0"/>
-          </a:effectRef>
-          <a:fontRef idx="none"/>
-        </p:style>
         <p:txBody>
-          <a:bodyPr rot="0" spcFirstLastPara="1" vertOverflow="overflow" horzOverflow="overflow" vert="horz" wrap="none" lIns="45719" tIns="45719" rIns="45719" bIns="45719" numCol="1" spcCol="38100" rtlCol="0" anchor="t">
+          <a:bodyPr wrap="none" lIns="45718" tIns="45718" rIns="45718" bIns="45718">
             <a:spAutoFit/>
           </a:bodyPr>
           <a:lstStyle/>
           <a:p>
-            <a:r>
-              <a:rPr lang="en-CA" dirty="0" smtClean="0"/>
+            <a:pPr>
+              <a:defRPr>
+                <a:solidFill>
+                  <a:srgbClr val="2A3990"/>
+                </a:solidFill>
+                <a:latin typeface="Arial"/>
+                <a:ea typeface="Arial"/>
+                <a:cs typeface="Arial"/>
+                <a:sym typeface="Arial"/>
+              </a:defRPr>
+            </a:pPr>
+            <a:r>
               <a:t>As an approver, I would like to provide permission to</a:t>
             </a:r>
-            <a:br>
-              <a:rPr lang="en-CA" dirty="0" smtClean="0"/>
-            </a:br>
-            <a:r>
-              <a:rPr lang="en-CA" dirty="0" smtClean="0"/>
+            <a:br/>
+            <a:r>
               <a:t>a software request electronically, to process these</a:t>
             </a:r>
-            <a:br>
-              <a:rPr lang="en-CA" dirty="0" smtClean="0"/>
-            </a:br>
-            <a:r>
-              <a:rPr lang="en-CA" dirty="0" smtClean="0"/>
+            <a:br/>
+            <a:r>
               <a:t>software request faster.</a:t>
             </a:r>
-            <a:r>
-              <a:rPr lang="en-CA" dirty="0"/>
-              <a:t/>
-            </a:r>
-            <a:br>
-              <a:rPr lang="en-CA" dirty="0"/>
-            </a:br>
-            <a:endParaRPr lang="en-CA" dirty="0"/>
-          </a:p>
-          <a:p>
-            <a:r>
-              <a:rPr lang="en-CA" dirty="0" smtClean="0"/>
+            <a:br/>
+          </a:p>
+          <a:p>
+            <a:pPr>
+              <a:defRPr>
+                <a:solidFill>
+                  <a:srgbClr val="2A3990"/>
+                </a:solidFill>
+                <a:latin typeface="Arial"/>
+                <a:ea typeface="Arial"/>
+                <a:cs typeface="Arial"/>
+                <a:sym typeface="Arial"/>
+              </a:defRPr>
+            </a:pPr>
+            <a:r>
               <a:t>As an approver, I would like to receive notifications</a:t>
             </a:r>
-            <a:br>
-              <a:rPr lang="en-CA" dirty="0" smtClean="0"/>
-            </a:br>
-            <a:r>
-              <a:rPr lang="en-CA" dirty="0" smtClean="0"/>
+            <a:br/>
+            <a:r>
               <a:t>(via email) to swiftly process these requests.</a:t>
             </a:r>
           </a:p>
           <a:p>
-            <a:endParaRPr lang="en-CA" dirty="0"/>
-          </a:p>
-          <a:p>
-            <a:endParaRPr lang="en-CA" dirty="0" smtClean="0"/>
-          </a:p>
-          <a:p>
-            <a:r>
-              <a:rPr lang="en-CA" dirty="0"/>
-              <a:t>As </a:t>
-            </a:r>
-            <a:r>
-              <a:rPr lang="en-CA" dirty="0" smtClean="0"/>
-              <a:t>an approver, I </a:t>
-            </a:r>
-            <a:r>
-              <a:rPr lang="en-CA" dirty="0"/>
-              <a:t>would like to have </a:t>
-            </a:r>
-            <a:r>
-              <a:rPr lang="en-CA" dirty="0" smtClean="0"/>
-              <a:t>an account,</a:t>
-            </a:r>
-          </a:p>
-          <a:p>
-            <a:r>
-              <a:rPr lang="en-CA" dirty="0" smtClean="0"/>
-              <a:t>so I </a:t>
-            </a:r>
-            <a:r>
-              <a:rPr lang="en-CA" dirty="0"/>
-              <a:t>can see all </a:t>
-            </a:r>
-            <a:r>
-              <a:rPr lang="en-CA" dirty="0" smtClean="0"/>
-              <a:t>of my requests that requires</a:t>
-            </a:r>
-            <a:br>
-              <a:rPr lang="en-CA" dirty="0" smtClean="0"/>
-            </a:br>
-            <a:r>
-              <a:rPr lang="en-CA" dirty="0" smtClean="0"/>
-              <a:t>my </a:t>
-            </a:r>
-            <a:r>
-              <a:rPr lang="en-CA" dirty="0"/>
-              <a:t>permissions</a:t>
-            </a:r>
-            <a:r>
-              <a:rPr lang="en-CA" dirty="0" smtClean="0"/>
-              <a:t>.</a:t>
-            </a:r>
-            <a:r>
-              <a:rPr lang="en-CA" dirty="0"/>
-              <a:t/>
-            </a:r>
-            <a:br>
-              <a:rPr lang="en-CA" dirty="0"/>
-            </a:br>
-            <a:endParaRPr lang="en-CA" dirty="0" smtClean="0"/>
-          </a:p>
-          <a:p>
-            <a:r>
-              <a:rPr lang="en-CA" dirty="0"/>
-              <a:t>As </a:t>
-            </a:r>
-            <a:r>
-              <a:rPr lang="en-CA" dirty="0" smtClean="0"/>
-              <a:t>an </a:t>
-            </a:r>
-            <a:r>
-              <a:rPr lang="en-CA" dirty="0"/>
-              <a:t>approver, I would like to search a </a:t>
-            </a:r>
-            <a:r>
-              <a:rPr lang="en-CA" dirty="0" smtClean="0"/>
-              <a:t>particular</a:t>
-            </a:r>
-          </a:p>
-          <a:p>
-            <a:r>
-              <a:rPr lang="en-CA" dirty="0" smtClean="0"/>
-              <a:t>request </a:t>
-            </a:r>
-            <a:r>
-              <a:rPr lang="en-CA" dirty="0"/>
-              <a:t>quickly, so </a:t>
-            </a:r>
-            <a:r>
-              <a:rPr lang="en-CA" dirty="0" smtClean="0"/>
-              <a:t>I </a:t>
-            </a:r>
-            <a:r>
-              <a:rPr lang="en-CA" dirty="0"/>
-              <a:t>can give the </a:t>
-            </a:r>
-            <a:r>
-              <a:rPr lang="en-CA" dirty="0" smtClean="0"/>
-              <a:t>permission</a:t>
-            </a:r>
-          </a:p>
-          <a:p>
-            <a:r>
-              <a:rPr lang="en-CA" dirty="0" smtClean="0"/>
-              <a:t>based </a:t>
-            </a:r>
-            <a:r>
-              <a:rPr lang="en-CA" dirty="0"/>
-              <a:t>on the priority</a:t>
-            </a:r>
-            <a:r>
-              <a:rPr lang="en-CA" dirty="0" smtClean="0"/>
-              <a:t>.</a:t>
-            </a:r>
-            <a:endParaRPr lang="en-CA" dirty="0"/>
+            <a:pPr>
+              <a:defRPr>
+                <a:solidFill>
+                  <a:srgbClr val="2A3990"/>
+                </a:solidFill>
+                <a:latin typeface="Arial"/>
+                <a:ea typeface="Arial"/>
+                <a:cs typeface="Arial"/>
+                <a:sym typeface="Arial"/>
+              </a:defRPr>
+            </a:pPr>
+          </a:p>
+          <a:p>
+            <a:pPr>
+              <a:defRPr>
+                <a:solidFill>
+                  <a:srgbClr val="2A3990"/>
+                </a:solidFill>
+                <a:latin typeface="Arial"/>
+                <a:ea typeface="Arial"/>
+                <a:cs typeface="Arial"/>
+                <a:sym typeface="Arial"/>
+              </a:defRPr>
+            </a:pPr>
+          </a:p>
+          <a:p>
+            <a:pPr>
+              <a:defRPr>
+                <a:solidFill>
+                  <a:srgbClr val="2A3990"/>
+                </a:solidFill>
+                <a:latin typeface="Arial"/>
+                <a:ea typeface="Arial"/>
+                <a:cs typeface="Arial"/>
+                <a:sym typeface="Arial"/>
+              </a:defRPr>
+            </a:pPr>
+            <a:r>
+              <a:t>As an approver, I would like to have an account,</a:t>
+            </a:r>
+          </a:p>
+          <a:p>
+            <a:pPr>
+              <a:defRPr>
+                <a:solidFill>
+                  <a:srgbClr val="2A3990"/>
+                </a:solidFill>
+                <a:latin typeface="Arial"/>
+                <a:ea typeface="Arial"/>
+                <a:cs typeface="Arial"/>
+                <a:sym typeface="Arial"/>
+              </a:defRPr>
+            </a:pPr>
+            <a:r>
+              <a:t>so I can see all of my requests that requires</a:t>
+            </a:r>
+            <a:br/>
+            <a:r>
+              <a:t>my permissions.</a:t>
+            </a:r>
+            <a:br/>
+          </a:p>
+          <a:p>
+            <a:pPr>
+              <a:defRPr>
+                <a:solidFill>
+                  <a:srgbClr val="2A3990"/>
+                </a:solidFill>
+                <a:latin typeface="Arial"/>
+                <a:ea typeface="Arial"/>
+                <a:cs typeface="Arial"/>
+                <a:sym typeface="Arial"/>
+              </a:defRPr>
+            </a:pPr>
+            <a:r>
+              <a:t>As an approver, I would like to search a particular</a:t>
+            </a:r>
+          </a:p>
+          <a:p>
+            <a:pPr>
+              <a:defRPr>
+                <a:solidFill>
+                  <a:srgbClr val="2A3990"/>
+                </a:solidFill>
+                <a:latin typeface="Arial"/>
+                <a:ea typeface="Arial"/>
+                <a:cs typeface="Arial"/>
+                <a:sym typeface="Arial"/>
+              </a:defRPr>
+            </a:pPr>
+            <a:r>
+              <a:t>request quickly, so I can give the permission</a:t>
+            </a:r>
+          </a:p>
+          <a:p>
+            <a:pPr>
+              <a:defRPr>
+                <a:solidFill>
+                  <a:srgbClr val="2A3990"/>
+                </a:solidFill>
+                <a:latin typeface="Arial"/>
+                <a:ea typeface="Arial"/>
+                <a:cs typeface="Arial"/>
+                <a:sym typeface="Arial"/>
+              </a:defRPr>
+            </a:pPr>
+            <a:r>
+              <a:t>based on the priority.</a:t>
+            </a:r>
           </a:p>
         </p:txBody>
       </p:sp>
     </p:spTree>
-    <p:extLst>
-      <p:ext uri="{BB962C8B-B14F-4D97-AF65-F5344CB8AC3E}">
-        <p14:creationId xmlns:p14="http://schemas.microsoft.com/office/powerpoint/2010/main" val="456506160"/>
-      </p:ext>
-    </p:extLst>
   </p:cSld>
   <p:clrMapOvr>
     <a:masterClrMapping/>
   </p:clrMapOvr>
-  <p:transition spd="med"/>
+  <p:transition xmlns:p14="http://schemas.microsoft.com/office/powerpoint/2010/main" spd="med" advClick="1"/>
 </p:sld>
 </file>
 
 <file path=ppt/slides/slide8.xml><?xml version="1.0" encoding="utf-8"?>
-<p:sld xmlns:a="http://schemas.openxmlformats.org/drawingml/2006/main" xmlns:r="http://schemas.openxmlformats.org/officeDocument/2006/relationships" xmlns:p="http://schemas.openxmlformats.org/presentationml/2006/main">
+<p:sld xmlns:a="http://schemas.openxmlformats.org/drawingml/2006/main" xmlns:r="http://schemas.openxmlformats.org/officeDocument/2006/relationships" xmlns:p="http://schemas.openxmlformats.org/presentationml/2006/main" showMasterSp="1" showMasterPhAnim="1">
   <p:cSld>
     <p:spTree>
       <p:nvGrpSpPr>
@@ -8199,574 +7563,434 @@
       </p:grpSpPr>
       <p:pic>
         <p:nvPicPr>
-          <p:cNvPr id="2050" name="Picture 2" descr="C:\Users\Vincent\Desktop\UserStoryMap (1).png"/>
+          <p:cNvPr id="195" name="Picture 2" descr="Picture 2"/>
           <p:cNvPicPr>
-            <a:picLocks noChangeAspect="1" noChangeArrowheads="1"/>
+            <a:picLocks noChangeAspect="1"/>
           </p:cNvPicPr>
           <p:nvPr/>
         </p:nvPicPr>
-        <p:blipFill rotWithShape="1">
+        <p:blipFill>
           <a:blip r:embed="rId2">
-            <a:extLst>
-              <a:ext uri="{28A0092B-C50C-407E-A947-70E740481C1C}">
-                <a14:useLocalDpi xmlns:a14="http://schemas.microsoft.com/office/drawing/2010/main" val="0"/>
-              </a:ext>
-            </a:extLst>
+            <a:extLst/>
           </a:blip>
-          <a:srcRect l="54394" r="-1138"/>
-          <a:stretch/>
+          <a:srcRect l="54394" t="0" r="0" b="0"/>
+          <a:stretch>
+            <a:fillRect/>
+          </a:stretch>
         </p:blipFill>
-        <p:spPr bwMode="auto">
+        <p:spPr>
           <a:xfrm>
             <a:off x="-9920" y="0"/>
-            <a:ext cx="4725936" cy="5143500"/>
+            <a:ext cx="4610882" cy="5143500"/>
           </a:xfrm>
           <a:prstGeom prst="rect">
             <a:avLst/>
           </a:prstGeom>
-          <a:noFill/>
-          <a:extLst>
-            <a:ext uri="{909E8E84-426E-40DD-AFC4-6F175D3DCCD1}">
-              <a14:hiddenFill xmlns:a14="http://schemas.microsoft.com/office/drawing/2010/main">
-                <a:solidFill>
-                  <a:srgbClr val="FFFFFF"/>
-                </a:solidFill>
-              </a14:hiddenFill>
-            </a:ext>
-          </a:extLst>
+          <a:ln w="12700">
+            <a:miter lim="400000"/>
+          </a:ln>
         </p:spPr>
       </p:pic>
-      <p:cxnSp>
-        <p:nvCxnSpPr>
-          <p:cNvPr id="6" name="Straight Connector 5"/>
-          <p:cNvCxnSpPr/>
+      <p:sp>
+        <p:nvSpPr>
+          <p:cNvPr id="196" name="Straight Connector 5"/>
+          <p:cNvSpPr/>
           <p:nvPr/>
-        </p:nvCxnSpPr>
+        </p:nvSpPr>
         <p:spPr>
           <a:xfrm>
             <a:off x="0" y="1861541"/>
-            <a:ext cx="9144000" cy="0"/>
+            <a:ext cx="9144001" cy="1"/>
           </a:xfrm>
           <a:prstGeom prst="line">
             <a:avLst/>
           </a:prstGeom>
-          <a:noFill/>
-          <a:ln w="25400" cap="flat">
+          <a:ln w="25400">
             <a:solidFill>
               <a:schemeClr val="accent1"/>
             </a:solidFill>
-            <a:prstDash val="solid"/>
-            <a:round/>
           </a:ln>
           <a:effectLst>
-            <a:outerShdw blurRad="38100" dist="20000" dir="5400000" rotWithShape="0">
+            <a:outerShdw sx="100000" sy="100000" kx="0" ky="0" algn="b" rotWithShape="0" blurRad="38100" dist="20000" dir="5400000">
               <a:srgbClr val="000000">
                 <a:alpha val="38000"/>
               </a:srgbClr>
             </a:outerShdw>
           </a:effectLst>
-          <a:sp3d/>
         </p:spPr>
-        <p:style>
-          <a:lnRef idx="0">
-            <a:scrgbClr r="0" g="0" b="0"/>
-          </a:lnRef>
-          <a:fillRef idx="0">
-            <a:scrgbClr r="0" g="0" b="0"/>
-          </a:fillRef>
-          <a:effectRef idx="0">
-            <a:scrgbClr r="0" g="0" b="0"/>
-          </a:effectRef>
-          <a:fontRef idx="none"/>
-        </p:style>
-      </p:cxnSp>
+        <p:txBody>
+          <a:bodyPr lIns="45718" tIns="45718" rIns="45718" bIns="45718"/>
+          <a:lstStyle/>
+          <a:p>
+            <a:pPr>
+              <a:defRPr>
+                <a:solidFill>
+                  <a:srgbClr val="2A3990"/>
+                </a:solidFill>
+              </a:defRPr>
+            </a:pPr>
+          </a:p>
+        </p:txBody>
+      </p:sp>
       <p:sp>
         <p:nvSpPr>
-          <p:cNvPr id="4" name="TextBox 3"/>
+          <p:cNvPr id="197" name="TextBox 3"/>
           <p:cNvSpPr txBox="1"/>
           <p:nvPr/>
         </p:nvSpPr>
         <p:spPr>
           <a:xfrm>
-            <a:off x="107504" y="1707654"/>
-            <a:ext cx="1008112" cy="307775"/>
+            <a:off x="107503" y="1707653"/>
+            <a:ext cx="1008114" cy="288823"/>
           </a:xfrm>
           <a:prstGeom prst="rect">
             <a:avLst/>
           </a:prstGeom>
           <a:solidFill>
-            <a:schemeClr val="bg2"/>
+            <a:srgbClr val="A7A7A7"/>
           </a:solidFill>
-          <a:ln w="12700" cap="flat">
-            <a:noFill/>
+          <a:ln w="12700">
             <a:miter lim="400000"/>
           </a:ln>
-          <a:effectLst/>
-          <a:sp3d/>
+          <a:extLst>
+            <a:ext uri="{C572A759-6A51-4108-AA02-DFA0A04FC94B}">
+              <ma14:wrappingTextBoxFlag xmlns:ma14="http://schemas.microsoft.com/office/mac/drawingml/2011/main" val="1"/>
+            </a:ext>
+          </a:extLst>
         </p:spPr>
-        <p:style>
-          <a:lnRef idx="0">
-            <a:scrgbClr r="0" g="0" b="0"/>
-          </a:lnRef>
-          <a:fillRef idx="0">
-            <a:scrgbClr r="0" g="0" b="0"/>
-          </a:fillRef>
-          <a:effectRef idx="0">
-            <a:scrgbClr r="0" g="0" b="0"/>
-          </a:effectRef>
-          <a:fontRef idx="none"/>
-        </p:style>
         <p:txBody>
-          <a:bodyPr rot="0" spcFirstLastPara="1" vertOverflow="overflow" horzOverflow="overflow" vert="horz" wrap="square" lIns="45719" tIns="45719" rIns="45719" bIns="45719" numCol="1" spcCol="38100" rtlCol="0" anchor="t">
+          <a:bodyPr lIns="45718" tIns="45718" rIns="45718" bIns="45718">
             <a:spAutoFit/>
           </a:bodyPr>
-          <a:lstStyle/>
-          <a:p>
-            <a:pPr marL="0" marR="0" indent="0" algn="l" defTabSz="914400" rtl="0" fontAlgn="auto" latinLnBrk="0" hangingPunct="0">
-              <a:lnSpc>
-                <a:spcPct val="100000"/>
-              </a:lnSpc>
-              <a:spcBef>
-                <a:spcPts val="0"/>
-              </a:spcBef>
-              <a:spcAft>
-                <a:spcPts val="0"/>
-              </a:spcAft>
-              <a:buClrTx/>
-              <a:buSzTx/>
-              <a:buFontTx/>
-              <a:buNone/>
-              <a:tabLst/>
-            </a:pPr>
-            <a:r>
-              <a:rPr kumimoji="0" lang="en-CA" sz="1400" b="0" i="0" u="none" strike="noStrike" cap="none" spc="0" normalizeH="0" baseline="0" dirty="0" smtClean="0">
-                <a:ln>
-                  <a:noFill/>
-                </a:ln>
+          <a:lstStyle>
+            <a:lvl1pPr>
+              <a:defRPr>
                 <a:solidFill>
                   <a:srgbClr val="2A3990"/>
                 </a:solidFill>
-                <a:effectLst/>
-                <a:uFillTx/>
                 <a:latin typeface="Arial"/>
                 <a:ea typeface="Arial"/>
                 <a:cs typeface="Arial"/>
                 <a:sym typeface="Arial"/>
-              </a:rPr>
-              <a:t>Release</a:t>
-            </a:r>
-            <a:r>
-              <a:rPr kumimoji="0" lang="en-CA" sz="1400" b="0" i="0" u="none" strike="noStrike" cap="none" spc="0" normalizeH="0" dirty="0" smtClean="0">
-                <a:ln>
-                  <a:noFill/>
-                </a:ln>
-                <a:solidFill>
-                  <a:srgbClr val="2A3990"/>
-                </a:solidFill>
-                <a:effectLst/>
-                <a:uFillTx/>
-                <a:latin typeface="Arial"/>
-                <a:ea typeface="Arial"/>
-                <a:cs typeface="Arial"/>
-                <a:sym typeface="Arial"/>
-              </a:rPr>
-              <a:t> 1</a:t>
-            </a:r>
-            <a:endParaRPr kumimoji="0" lang="en-CA" sz="1400" b="0" i="0" u="none" strike="noStrike" cap="none" spc="0" normalizeH="0" baseline="0" dirty="0">
-              <a:ln>
-                <a:noFill/>
-              </a:ln>
-              <a:solidFill>
-                <a:srgbClr val="2A3990"/>
-              </a:solidFill>
-              <a:effectLst/>
-              <a:uFillTx/>
-              <a:latin typeface="Arial"/>
-              <a:ea typeface="Arial"/>
-              <a:cs typeface="Arial"/>
-              <a:sym typeface="Arial"/>
-            </a:endParaRPr>
+              </a:defRPr>
+            </a:lvl1pPr>
+          </a:lstStyle>
+          <a:p>
+            <a:pPr/>
+            <a:r>
+              <a:t>Release 1</a:t>
+            </a:r>
           </a:p>
         </p:txBody>
       </p:sp>
-      <p:cxnSp>
-        <p:nvCxnSpPr>
-          <p:cNvPr id="10" name="Straight Connector 9"/>
-          <p:cNvCxnSpPr/>
+      <p:sp>
+        <p:nvSpPr>
+          <p:cNvPr id="198" name="Straight Connector 9"/>
+          <p:cNvSpPr/>
           <p:nvPr/>
-        </p:nvCxnSpPr>
+        </p:nvSpPr>
         <p:spPr>
           <a:xfrm>
-            <a:off x="-9920" y="3517725"/>
-            <a:ext cx="9144000" cy="0"/>
+            <a:off x="-9920" y="3517724"/>
+            <a:ext cx="9144001" cy="1"/>
           </a:xfrm>
           <a:prstGeom prst="line">
             <a:avLst/>
           </a:prstGeom>
-          <a:noFill/>
-          <a:ln w="25400" cap="flat">
+          <a:ln w="25400">
             <a:solidFill>
               <a:schemeClr val="accent1"/>
             </a:solidFill>
-            <a:prstDash val="solid"/>
-            <a:round/>
           </a:ln>
           <a:effectLst>
-            <a:outerShdw blurRad="38100" dist="20000" dir="5400000" rotWithShape="0">
+            <a:outerShdw sx="100000" sy="100000" kx="0" ky="0" algn="b" rotWithShape="0" blurRad="38100" dist="20000" dir="5400000">
               <a:srgbClr val="000000">
                 <a:alpha val="38000"/>
               </a:srgbClr>
             </a:outerShdw>
           </a:effectLst>
-          <a:sp3d/>
         </p:spPr>
-        <p:style>
-          <a:lnRef idx="0">
-            <a:scrgbClr r="0" g="0" b="0"/>
-          </a:lnRef>
-          <a:fillRef idx="0">
-            <a:scrgbClr r="0" g="0" b="0"/>
-          </a:fillRef>
-          <a:effectRef idx="0">
-            <a:scrgbClr r="0" g="0" b="0"/>
-          </a:effectRef>
-          <a:fontRef idx="none"/>
-        </p:style>
-      </p:cxnSp>
+        <p:txBody>
+          <a:bodyPr lIns="45718" tIns="45718" rIns="45718" bIns="45718"/>
+          <a:lstStyle/>
+          <a:p>
+            <a:pPr>
+              <a:defRPr>
+                <a:solidFill>
+                  <a:srgbClr val="2A3990"/>
+                </a:solidFill>
+              </a:defRPr>
+            </a:pPr>
+          </a:p>
+        </p:txBody>
+      </p:sp>
       <p:sp>
         <p:nvSpPr>
-          <p:cNvPr id="11" name="TextBox 10"/>
+          <p:cNvPr id="199" name="TextBox 10"/>
           <p:cNvSpPr txBox="1"/>
           <p:nvPr/>
         </p:nvSpPr>
         <p:spPr>
           <a:xfrm>
-            <a:off x="97584" y="3363838"/>
-            <a:ext cx="1008112" cy="307775"/>
+            <a:off x="97583" y="3363838"/>
+            <a:ext cx="1008114" cy="288822"/>
           </a:xfrm>
           <a:prstGeom prst="rect">
             <a:avLst/>
           </a:prstGeom>
           <a:solidFill>
-            <a:schemeClr val="bg2"/>
+            <a:srgbClr val="A7A7A7"/>
           </a:solidFill>
-          <a:ln w="12700" cap="flat">
-            <a:noFill/>
+          <a:ln w="12700">
             <a:miter lim="400000"/>
           </a:ln>
-          <a:effectLst/>
-          <a:sp3d/>
+          <a:extLst>
+            <a:ext uri="{C572A759-6A51-4108-AA02-DFA0A04FC94B}">
+              <ma14:wrappingTextBoxFlag xmlns:ma14="http://schemas.microsoft.com/office/mac/drawingml/2011/main" val="1"/>
+            </a:ext>
+          </a:extLst>
         </p:spPr>
-        <p:style>
-          <a:lnRef idx="0">
-            <a:scrgbClr r="0" g="0" b="0"/>
-          </a:lnRef>
-          <a:fillRef idx="0">
-            <a:scrgbClr r="0" g="0" b="0"/>
-          </a:fillRef>
-          <a:effectRef idx="0">
-            <a:scrgbClr r="0" g="0" b="0"/>
-          </a:effectRef>
-          <a:fontRef idx="none"/>
-        </p:style>
         <p:txBody>
-          <a:bodyPr rot="0" spcFirstLastPara="1" vertOverflow="overflow" horzOverflow="overflow" vert="horz" wrap="square" lIns="45719" tIns="45719" rIns="45719" bIns="45719" numCol="1" spcCol="38100" rtlCol="0" anchor="t">
+          <a:bodyPr lIns="45718" tIns="45718" rIns="45718" bIns="45718">
             <a:spAutoFit/>
           </a:bodyPr>
-          <a:lstStyle/>
-          <a:p>
-            <a:pPr marL="0" marR="0" indent="0" algn="l" defTabSz="914400" rtl="0" fontAlgn="auto" latinLnBrk="0" hangingPunct="0">
-              <a:lnSpc>
-                <a:spcPct val="100000"/>
-              </a:lnSpc>
-              <a:spcBef>
-                <a:spcPts val="0"/>
-              </a:spcBef>
-              <a:spcAft>
-                <a:spcPts val="0"/>
-              </a:spcAft>
-              <a:buClrTx/>
-              <a:buSzTx/>
-              <a:buFontTx/>
-              <a:buNone/>
-              <a:tabLst/>
-            </a:pPr>
-            <a:r>
-              <a:rPr kumimoji="0" lang="en-CA" sz="1400" b="0" i="0" u="none" strike="noStrike" cap="none" spc="0" normalizeH="0" baseline="0" dirty="0" smtClean="0">
-                <a:ln>
-                  <a:noFill/>
-                </a:ln>
+          <a:lstStyle>
+            <a:lvl1pPr>
+              <a:defRPr>
                 <a:solidFill>
                   <a:srgbClr val="2A3990"/>
                 </a:solidFill>
-                <a:effectLst/>
-                <a:uFillTx/>
                 <a:latin typeface="Arial"/>
                 <a:ea typeface="Arial"/>
                 <a:cs typeface="Arial"/>
                 <a:sym typeface="Arial"/>
-              </a:rPr>
-              <a:t>Release</a:t>
-            </a:r>
-            <a:r>
-              <a:rPr kumimoji="0" lang="en-CA" sz="1400" b="0" i="0" u="none" strike="noStrike" cap="none" spc="0" normalizeH="0" dirty="0" smtClean="0">
-                <a:ln>
-                  <a:noFill/>
-                </a:ln>
-                <a:solidFill>
-                  <a:srgbClr val="2A3990"/>
-                </a:solidFill>
-                <a:effectLst/>
-                <a:uFillTx/>
-                <a:latin typeface="Arial"/>
-                <a:ea typeface="Arial"/>
-                <a:cs typeface="Arial"/>
-                <a:sym typeface="Arial"/>
-              </a:rPr>
-              <a:t> 2</a:t>
-            </a:r>
-            <a:endParaRPr kumimoji="0" lang="en-CA" sz="1400" b="0" i="0" u="none" strike="noStrike" cap="none" spc="0" normalizeH="0" baseline="0" dirty="0">
-              <a:ln>
-                <a:noFill/>
-              </a:ln>
-              <a:solidFill>
-                <a:srgbClr val="2A3990"/>
-              </a:solidFill>
-              <a:effectLst/>
-              <a:uFillTx/>
-              <a:latin typeface="Arial"/>
-              <a:ea typeface="Arial"/>
-              <a:cs typeface="Arial"/>
-              <a:sym typeface="Arial"/>
-            </a:endParaRPr>
+              </a:defRPr>
+            </a:lvl1pPr>
+          </a:lstStyle>
+          <a:p>
+            <a:pPr/>
+            <a:r>
+              <a:t>Release 2</a:t>
+            </a:r>
           </a:p>
         </p:txBody>
       </p:sp>
       <p:sp>
         <p:nvSpPr>
-          <p:cNvPr id="2" name="TextBox 1"/>
+          <p:cNvPr id="200" name="TextBox 1"/>
           <p:cNvSpPr txBox="1"/>
           <p:nvPr/>
         </p:nvSpPr>
         <p:spPr>
           <a:xfrm>
-            <a:off x="4932040" y="339502"/>
-            <a:ext cx="4032448" cy="4616646"/>
+            <a:off x="4932040" y="339501"/>
+            <a:ext cx="4032449" cy="4352823"/>
           </a:xfrm>
           <a:prstGeom prst="rect">
             <a:avLst/>
           </a:prstGeom>
-          <a:noFill/>
-          <a:ln w="12700" cap="flat">
-            <a:noFill/>
+          <a:ln w="12700">
             <a:miter lim="400000"/>
           </a:ln>
-          <a:effectLst/>
-          <a:sp3d/>
+          <a:extLst>
+            <a:ext uri="{C572A759-6A51-4108-AA02-DFA0A04FC94B}">
+              <ma14:wrappingTextBoxFlag xmlns:ma14="http://schemas.microsoft.com/office/mac/drawingml/2011/main" val="1"/>
+            </a:ext>
+          </a:extLst>
         </p:spPr>
-        <p:style>
-          <a:lnRef idx="0">
-            <a:scrgbClr r="0" g="0" b="0"/>
-          </a:lnRef>
-          <a:fillRef idx="0">
-            <a:scrgbClr r="0" g="0" b="0"/>
-          </a:fillRef>
-          <a:effectRef idx="0">
-            <a:scrgbClr r="0" g="0" b="0"/>
-          </a:effectRef>
-          <a:fontRef idx="none"/>
-        </p:style>
         <p:txBody>
-          <a:bodyPr rot="0" spcFirstLastPara="1" vertOverflow="overflow" horzOverflow="overflow" vert="horz" wrap="square" lIns="45719" tIns="45719" rIns="45719" bIns="45719" numCol="1" spcCol="38100" rtlCol="0" anchor="t">
+          <a:bodyPr lIns="45718" tIns="45718" rIns="45718" bIns="45718">
             <a:spAutoFit/>
           </a:bodyPr>
           <a:lstStyle/>
           <a:p>
-            <a:r>
-              <a:rPr lang="en-CA" dirty="0"/>
-              <a:t>As an analyst</a:t>
-            </a:r>
-            <a:r>
-              <a:rPr lang="en-CA" dirty="0" smtClean="0"/>
-              <a:t>, I would </a:t>
-            </a:r>
-            <a:r>
-              <a:rPr lang="en-CA" dirty="0"/>
-              <a:t>like to process the request </a:t>
-            </a:r>
-            <a:r>
-              <a:rPr lang="en-CA" dirty="0" smtClean="0"/>
-              <a:t> electronically, to conveniently process these software request in a straightforward way.</a:t>
-            </a:r>
-          </a:p>
-          <a:p>
-            <a:endParaRPr lang="en-CA" dirty="0"/>
-          </a:p>
-          <a:p>
-            <a:r>
-              <a:rPr lang="en-CA" dirty="0" smtClean="0"/>
-              <a:t>As an analyst, </a:t>
-            </a:r>
-            <a:r>
-              <a:rPr lang="en-CA" dirty="0"/>
-              <a:t>I would like to have an account to sign </a:t>
-            </a:r>
-            <a:r>
-              <a:rPr lang="en-CA" dirty="0" smtClean="0"/>
-              <a:t>in, so </a:t>
-            </a:r>
-            <a:r>
-              <a:rPr lang="en-CA" dirty="0"/>
-              <a:t>I can track </a:t>
-            </a:r>
-            <a:r>
-              <a:rPr lang="en-CA" dirty="0" smtClean="0"/>
-              <a:t>all software </a:t>
-            </a:r>
-            <a:r>
-              <a:rPr lang="en-CA" dirty="0"/>
-              <a:t>requests </a:t>
-            </a:r>
-            <a:r>
-              <a:rPr lang="en-CA" dirty="0" smtClean="0"/>
-              <a:t>that are available to be processed.</a:t>
-            </a:r>
-            <a:endParaRPr lang="en-CA" dirty="0"/>
-          </a:p>
-          <a:p>
-            <a:endParaRPr lang="en-CA" dirty="0" smtClean="0"/>
-          </a:p>
-          <a:p>
-            <a:r>
-              <a:rPr lang="en-CA" dirty="0" smtClean="0"/>
-              <a:t>As </a:t>
-            </a:r>
-            <a:r>
-              <a:rPr lang="en-CA" dirty="0"/>
-              <a:t>an analyst, I would </a:t>
-            </a:r>
-            <a:r>
-              <a:rPr lang="en-CA" dirty="0" smtClean="0"/>
-              <a:t>to view a requester’s information to verify whether the requester is legitimate for the software.</a:t>
-            </a:r>
-          </a:p>
-          <a:p>
-            <a:endParaRPr lang="en-CA" dirty="0"/>
-          </a:p>
-          <a:p>
-            <a:endParaRPr kumimoji="0" lang="en-CA" sz="1400" b="0" i="0" u="none" strike="noStrike" cap="none" spc="0" normalizeH="0" baseline="0" dirty="0" smtClean="0">
-              <a:ln>
-                <a:noFill/>
-              </a:ln>
-              <a:solidFill>
-                <a:srgbClr val="2A3990"/>
-              </a:solidFill>
-              <a:effectLst/>
-              <a:uFillTx/>
-              <a:latin typeface="Arial"/>
-              <a:ea typeface="Arial"/>
-              <a:cs typeface="Arial"/>
-              <a:sym typeface="Arial"/>
-            </a:endParaRPr>
-          </a:p>
-          <a:p>
-            <a:endParaRPr lang="en-CA" dirty="0"/>
-          </a:p>
-          <a:p>
-            <a:endParaRPr kumimoji="0" lang="en-CA" sz="1400" b="0" i="0" u="none" strike="noStrike" cap="none" spc="0" normalizeH="0" baseline="0" dirty="0" smtClean="0">
-              <a:ln>
-                <a:noFill/>
-              </a:ln>
-              <a:solidFill>
-                <a:srgbClr val="2A3990"/>
-              </a:solidFill>
-              <a:effectLst/>
-              <a:uFillTx/>
-              <a:latin typeface="Arial"/>
-              <a:ea typeface="Arial"/>
-              <a:cs typeface="Arial"/>
-              <a:sym typeface="Arial"/>
-            </a:endParaRPr>
-          </a:p>
-          <a:p>
-            <a:r>
-              <a:rPr lang="en-CA" dirty="0"/>
+            <a:pPr>
+              <a:defRPr>
+                <a:solidFill>
+                  <a:srgbClr val="2A3990"/>
+                </a:solidFill>
+                <a:latin typeface="Arial"/>
+                <a:ea typeface="Arial"/>
+                <a:cs typeface="Arial"/>
+                <a:sym typeface="Arial"/>
+              </a:defRPr>
+            </a:pPr>
+            <a:r>
+              <a:t>As an analyst, I would like to process the request  electronically, to conveniently process these software request in a straightforward way.</a:t>
+            </a:r>
+          </a:p>
+          <a:p>
+            <a:pPr>
+              <a:defRPr>
+                <a:solidFill>
+                  <a:srgbClr val="2A3990"/>
+                </a:solidFill>
+                <a:latin typeface="Arial"/>
+                <a:ea typeface="Arial"/>
+                <a:cs typeface="Arial"/>
+                <a:sym typeface="Arial"/>
+              </a:defRPr>
+            </a:pPr>
+          </a:p>
+          <a:p>
+            <a:pPr>
+              <a:defRPr>
+                <a:solidFill>
+                  <a:srgbClr val="2A3990"/>
+                </a:solidFill>
+                <a:latin typeface="Arial"/>
+                <a:ea typeface="Arial"/>
+                <a:cs typeface="Arial"/>
+                <a:sym typeface="Arial"/>
+              </a:defRPr>
+            </a:pPr>
+            <a:r>
+              <a:t>As an analyst, I would like to have an account to sign in, so I can track all software requests that are available to be processed.</a:t>
+            </a:r>
+          </a:p>
+          <a:p>
+            <a:pPr>
+              <a:defRPr>
+                <a:solidFill>
+                  <a:srgbClr val="2A3990"/>
+                </a:solidFill>
+                <a:latin typeface="Arial"/>
+                <a:ea typeface="Arial"/>
+                <a:cs typeface="Arial"/>
+                <a:sym typeface="Arial"/>
+              </a:defRPr>
+            </a:pPr>
+          </a:p>
+          <a:p>
+            <a:pPr>
+              <a:defRPr>
+                <a:solidFill>
+                  <a:srgbClr val="2A3990"/>
+                </a:solidFill>
+                <a:latin typeface="Arial"/>
+                <a:ea typeface="Arial"/>
+                <a:cs typeface="Arial"/>
+                <a:sym typeface="Arial"/>
+              </a:defRPr>
+            </a:pPr>
+            <a:r>
+              <a:t>As an analyst, I would to view a requester’s information to verify whether the requester is legitimate for the software.</a:t>
+            </a:r>
+          </a:p>
+          <a:p>
+            <a:pPr>
+              <a:defRPr>
+                <a:solidFill>
+                  <a:srgbClr val="2A3990"/>
+                </a:solidFill>
+                <a:latin typeface="Arial"/>
+                <a:ea typeface="Arial"/>
+                <a:cs typeface="Arial"/>
+                <a:sym typeface="Arial"/>
+              </a:defRPr>
+            </a:pPr>
+          </a:p>
+          <a:p>
+            <a:pPr>
+              <a:defRPr>
+                <a:solidFill>
+                  <a:srgbClr val="2A3990"/>
+                </a:solidFill>
+                <a:latin typeface="Arial"/>
+                <a:ea typeface="Arial"/>
+                <a:cs typeface="Arial"/>
+                <a:sym typeface="Arial"/>
+              </a:defRPr>
+            </a:pPr>
+          </a:p>
+          <a:p>
+            <a:pPr>
+              <a:defRPr>
+                <a:solidFill>
+                  <a:srgbClr val="2A3990"/>
+                </a:solidFill>
+                <a:latin typeface="Arial"/>
+                <a:ea typeface="Arial"/>
+                <a:cs typeface="Arial"/>
+                <a:sym typeface="Arial"/>
+              </a:defRPr>
+            </a:pPr>
+          </a:p>
+          <a:p>
+            <a:pPr>
+              <a:defRPr>
+                <a:solidFill>
+                  <a:srgbClr val="2A3990"/>
+                </a:solidFill>
+                <a:latin typeface="Arial"/>
+                <a:ea typeface="Arial"/>
+                <a:cs typeface="Arial"/>
+                <a:sym typeface="Arial"/>
+              </a:defRPr>
+            </a:pPr>
+          </a:p>
+          <a:p>
+            <a:pPr>
+              <a:defRPr>
+                <a:solidFill>
+                  <a:srgbClr val="2A3990"/>
+                </a:solidFill>
+                <a:latin typeface="Arial"/>
+                <a:ea typeface="Arial"/>
+                <a:cs typeface="Arial"/>
+                <a:sym typeface="Arial"/>
+              </a:defRPr>
+            </a:pPr>
+            <a:r>
               <a:t>As an analyst, I would like to receive notifications (via email) to swiftly process these requests.</a:t>
             </a:r>
           </a:p>
           <a:p>
-            <a:endParaRPr kumimoji="0" lang="en-CA" sz="1400" b="0" i="0" u="none" strike="noStrike" cap="none" spc="0" normalizeH="0" baseline="0" dirty="0" smtClean="0">
-              <a:ln>
-                <a:noFill/>
-              </a:ln>
-              <a:solidFill>
-                <a:srgbClr val="2A3990"/>
-              </a:solidFill>
-              <a:effectLst/>
-              <a:uFillTx/>
-              <a:latin typeface="Arial"/>
-              <a:ea typeface="Arial"/>
-              <a:cs typeface="Arial"/>
-              <a:sym typeface="Arial"/>
-            </a:endParaRPr>
-          </a:p>
-          <a:p>
-            <a:r>
-              <a:rPr lang="en-CA" dirty="0"/>
-              <a:t>As an </a:t>
-            </a:r>
-            <a:r>
-              <a:rPr lang="en-CA" dirty="0" smtClean="0"/>
-              <a:t>user, </a:t>
-            </a:r>
-            <a:r>
-              <a:rPr lang="en-CA" dirty="0"/>
-              <a:t>I would like to receive notifications (via email) </a:t>
-            </a:r>
-            <a:r>
-              <a:rPr lang="en-CA" dirty="0" smtClean="0"/>
-              <a:t>to be informed that my software</a:t>
-            </a:r>
-            <a:br>
-              <a:rPr lang="en-CA" dirty="0" smtClean="0"/>
-            </a:br>
-            <a:r>
-              <a:rPr lang="en-CA" dirty="0" smtClean="0"/>
+            <a:pPr>
+              <a:defRPr>
+                <a:solidFill>
+                  <a:srgbClr val="2A3990"/>
+                </a:solidFill>
+                <a:latin typeface="Arial"/>
+                <a:ea typeface="Arial"/>
+                <a:cs typeface="Arial"/>
+                <a:sym typeface="Arial"/>
+              </a:defRPr>
+            </a:pPr>
+          </a:p>
+          <a:p>
+            <a:pPr>
+              <a:defRPr>
+                <a:solidFill>
+                  <a:srgbClr val="2A3990"/>
+                </a:solidFill>
+                <a:latin typeface="Arial"/>
+                <a:ea typeface="Arial"/>
+                <a:cs typeface="Arial"/>
+                <a:sym typeface="Arial"/>
+              </a:defRPr>
+            </a:pPr>
+            <a:r>
+              <a:t>As an user, I would like to receive notifications (via email) to be informed that my software</a:t>
+            </a:r>
+            <a:br/>
+            <a:r>
               <a:t>request has been processed</a:t>
             </a:r>
-            <a:endParaRPr kumimoji="0" lang="en-CA" sz="1400" b="0" i="0" u="none" strike="noStrike" cap="none" spc="0" normalizeH="0" baseline="0" dirty="0">
-              <a:ln>
-                <a:noFill/>
-              </a:ln>
-              <a:solidFill>
-                <a:srgbClr val="2A3990"/>
-              </a:solidFill>
-              <a:effectLst/>
-              <a:uFillTx/>
-              <a:latin typeface="Arial"/>
-              <a:ea typeface="Arial"/>
-              <a:cs typeface="Arial"/>
-              <a:sym typeface="Arial"/>
-            </a:endParaRPr>
           </a:p>
         </p:txBody>
       </p:sp>
     </p:spTree>
-    <p:extLst>
-      <p:ext uri="{BB962C8B-B14F-4D97-AF65-F5344CB8AC3E}">
-        <p14:creationId xmlns:p14="http://schemas.microsoft.com/office/powerpoint/2010/main" val="1434262025"/>
-      </p:ext>
-    </p:extLst>
   </p:cSld>
   <p:clrMapOvr>
     <a:masterClrMapping/>
   </p:clrMapOvr>
-  <p:transition spd="med"/>
+  <p:transition xmlns:p14="http://schemas.microsoft.com/office/powerpoint/2010/main" spd="med" advClick="1"/>
 </p:sld>
 </file>
 
 <file path=ppt/slides/slide9.xml><?xml version="1.0" encoding="utf-8"?>
-<p:sld xmlns:a="http://schemas.openxmlformats.org/drawingml/2006/main" xmlns:r="http://schemas.openxmlformats.org/officeDocument/2006/relationships" xmlns:p="http://schemas.openxmlformats.org/presentationml/2006/main">
+<p:sld xmlns:a="http://schemas.openxmlformats.org/drawingml/2006/main" xmlns:r="http://schemas.openxmlformats.org/officeDocument/2006/relationships" xmlns:p="http://schemas.openxmlformats.org/presentationml/2006/main" showMasterSp="1" showMasterPhAnim="1">
   <p:cSld>
     <p:spTree>
       <p:nvGrpSpPr>
@@ -8784,81 +8008,88 @@
       </p:grpSpPr>
       <p:sp>
         <p:nvSpPr>
-          <p:cNvPr id="2" name="Title 1"/>
-          <p:cNvSpPr>
-            <a:spLocks noGrp="1"/>
-          </p:cNvSpPr>
+          <p:cNvPr id="202" name="Title 1"/>
+          <p:cNvSpPr txBox="1"/>
           <p:nvPr>
             <p:ph type="title"/>
           </p:nvPr>
         </p:nvSpPr>
-        <p:spPr/>
+        <p:spPr>
+          <a:xfrm>
+            <a:off x="311698" y="410000"/>
+            <a:ext cx="8520604" cy="607805"/>
+          </a:xfrm>
+          <a:prstGeom prst="rect">
+            <a:avLst/>
+          </a:prstGeom>
+        </p:spPr>
         <p:txBody>
-          <a:bodyPr>
-            <a:normAutofit fontScale="90000"/>
-          </a:bodyPr>
-          <a:lstStyle/>
-          <a:p>
-            <a:r>
-              <a:rPr lang="en-CA" dirty="0" smtClean="0"/>
+          <a:bodyPr/>
+          <a:lstStyle>
+            <a:lvl1pPr>
+              <a:defRPr sz="2700"/>
+            </a:lvl1pPr>
+          </a:lstStyle>
+          <a:p>
+            <a:pPr/>
+            <a:r>
               <a:t>Changes and Misc.</a:t>
             </a:r>
-            <a:endParaRPr lang="en-CA" dirty="0"/>
           </a:p>
         </p:txBody>
       </p:sp>
       <p:sp>
         <p:nvSpPr>
-          <p:cNvPr id="3" name="Text Placeholder 2"/>
-          <p:cNvSpPr>
-            <a:spLocks noGrp="1"/>
-          </p:cNvSpPr>
+          <p:cNvPr id="203" name="Text Placeholder 2"/>
+          <p:cNvSpPr txBox="1"/>
           <p:nvPr>
             <p:ph type="body" idx="1"/>
           </p:nvPr>
         </p:nvSpPr>
-        <p:spPr/>
+        <p:spPr>
+          <a:xfrm>
+            <a:off x="311698" y="1229874"/>
+            <a:ext cx="8520604" cy="3339002"/>
+          </a:xfrm>
+          <a:prstGeom prst="rect">
+            <a:avLst/>
+          </a:prstGeom>
+        </p:spPr>
         <p:txBody>
           <a:bodyPr/>
           <a:lstStyle/>
           <a:p>
-            <a:r>
-              <a:rPr lang="en-CA" dirty="0" smtClean="0"/>
+            <a:pPr/>
+            <a:r>
               <a:t>Made us reconsider our previous understanding of the project</a:t>
             </a:r>
           </a:p>
           <a:p>
-            <a:r>
-              <a:rPr lang="en-CA" dirty="0" smtClean="0"/>
+            <a:pPr/>
+            <a:r>
               <a:t>Provided insights/ Forced us to think more of the detail</a:t>
             </a:r>
-            <a:endParaRPr lang="en-CA" dirty="0"/>
           </a:p>
         </p:txBody>
       </p:sp>
     </p:spTree>
-    <p:extLst>
-      <p:ext uri="{BB962C8B-B14F-4D97-AF65-F5344CB8AC3E}">
-        <p14:creationId xmlns:p14="http://schemas.microsoft.com/office/powerpoint/2010/main" val="1279590294"/>
-      </p:ext>
-    </p:extLst>
   </p:cSld>
   <p:clrMapOvr>
     <a:masterClrMapping/>
   </p:clrMapOvr>
-  <p:transition spd="med"/>
+  <p:transition xmlns:p14="http://schemas.microsoft.com/office/powerpoint/2010/main" spd="med" advClick="1"/>
 </p:sld>
 </file>
 
 <file path=ppt/theme/theme1.xml><?xml version="1.0" encoding="utf-8"?>
-<a:theme xmlns:a="http://schemas.openxmlformats.org/drawingml/2006/main" name="Geometric">
+<a:theme xmlns:a="http://schemas.openxmlformats.org/drawingml/2006/main" xmlns:r="http://schemas.openxmlformats.org/officeDocument/2006/relationships" name="Geometric">
   <a:themeElements>
     <a:clrScheme name="Geometric">
       <a:dk1>
         <a:srgbClr val="FFFFFF"/>
       </a:dk1>
       <a:lt1>
-        <a:srgbClr val="2A3990"/>
+        <a:srgbClr val="FFFFFF"/>
       </a:lt1>
       <a:dk2>
         <a:srgbClr val="A7A7A7"/>
@@ -8977,7 +8208,7 @@
       <a:effectStyleLst>
         <a:effectStyle>
           <a:effectLst>
-            <a:outerShdw blurRad="38100" dist="23000" dir="5400000" rotWithShape="0">
+            <a:outerShdw sx="100000" sy="100000" kx="0" ky="0" algn="b" rotWithShape="0" blurRad="38100" dist="23000" dir="5400000">
               <a:srgbClr val="000000">
                 <a:alpha val="35000"/>
               </a:srgbClr>
@@ -8986,7 +8217,7 @@
         </a:effectStyle>
         <a:effectStyle>
           <a:effectLst>
-            <a:outerShdw blurRad="38100" dist="23000" dir="5400000" rotWithShape="0">
+            <a:outerShdw sx="100000" sy="100000" kx="0" ky="0" algn="b" rotWithShape="0" blurRad="38100" dist="23000" dir="5400000">
               <a:srgbClr val="000000">
                 <a:alpha val="35000"/>
               </a:srgbClr>
@@ -8995,9 +8226,9 @@
         </a:effectStyle>
         <a:effectStyle>
           <a:effectLst>
-            <a:outerShdw blurRad="38100" dist="20000" dir="5400000" rotWithShape="0">
+            <a:outerShdw sx="100000" sy="100000" kx="0" ky="0" algn="b" rotWithShape="0" blurRad="38100" dist="23000" dir="5400000">
               <a:srgbClr val="000000">
-                <a:alpha val="38000"/>
+                <a:alpha val="35000"/>
               </a:srgbClr>
             </a:outerShdw>
           </a:effectLst>
@@ -9069,7 +8300,7 @@
           <a:round/>
         </a:ln>
         <a:effectLst>
-          <a:outerShdw blurRad="38100" dist="23000" dir="5400000" rotWithShape="0">
+          <a:outerShdw sx="100000" sy="100000" kx="0" ky="0" algn="b" rotWithShape="0" blurRad="38100" dist="23000" dir="5400000">
             <a:srgbClr val="000000">
               <a:alpha val="35000"/>
             </a:srgbClr>
@@ -9077,7 +8308,7 @@
         </a:effectLst>
         <a:sp3d/>
       </a:spPr>
-      <a:bodyPr rot="0" spcFirstLastPara="1" vertOverflow="overflow" horzOverflow="overflow" vert="horz" wrap="square" lIns="45719" tIns="45719" rIns="45719" bIns="45719" numCol="1" spcCol="38100" rtlCol="0" anchor="ctr">
+      <a:bodyPr rot="0" spcFirstLastPara="1" vertOverflow="overflow" horzOverflow="overflow" vert="horz" wrap="square" lIns="45718" tIns="45718" rIns="45718" bIns="45718" numCol="1" spcCol="38100" rtlCol="0" anchor="ctr" upright="0">
         <a:spAutoFit/>
       </a:bodyPr>
       <a:lstStyle>
@@ -9096,19 +8327,19 @@
           <a:buFontTx/>
           <a:buNone/>
           <a:tabLst/>
-          <a:defRPr kumimoji="0" sz="1400" b="0" i="0" u="none" strike="noStrike" cap="none" spc="0" normalizeH="0" baseline="0">
+          <a:defRPr b="0" baseline="0" cap="none" i="0" spc="0" strike="noStrike" sz="1400" u="none" kumimoji="0" normalizeH="0">
             <a:ln>
               <a:noFill/>
             </a:ln>
             <a:solidFill>
-              <a:srgbClr val="2A3990"/>
+              <a:srgbClr val="FFFFFF"/>
             </a:solidFill>
             <a:effectLst/>
             <a:uFillTx/>
-            <a:latin typeface="Arial"/>
-            <a:ea typeface="Arial"/>
-            <a:cs typeface="Arial"/>
-            <a:sym typeface="Arial"/>
+            <a:latin typeface="+mn-lt"/>
+            <a:ea typeface="+mn-ea"/>
+            <a:cs typeface="+mn-cs"/>
+            <a:sym typeface="Helvetica Neue"/>
           </a:defRPr>
         </a:defPPr>
         <a:lvl1pPr marL="0" marR="0" indent="0" algn="l" defTabSz="914400" rtl="0" fontAlgn="auto" latinLnBrk="1" hangingPunct="0">
@@ -9126,7 +8357,7 @@
           <a:buFontTx/>
           <a:buNone/>
           <a:tabLst/>
-          <a:defRPr kumimoji="0" sz="1800" b="0" i="0" u="none" strike="noStrike" cap="none" spc="0" normalizeH="0" baseline="0">
+          <a:defRPr b="0" baseline="0" cap="none" i="0" spc="0" strike="noStrike" sz="1800" u="none" kumimoji="0" normalizeH="0">
             <a:ln>
               <a:noFill/>
             </a:ln>
@@ -9152,7 +8383,7 @@
           <a:buFontTx/>
           <a:buNone/>
           <a:tabLst/>
-          <a:defRPr kumimoji="0" sz="1800" b="0" i="0" u="none" strike="noStrike" cap="none" spc="0" normalizeH="0" baseline="0">
+          <a:defRPr b="0" baseline="0" cap="none" i="0" spc="0" strike="noStrike" sz="1800" u="none" kumimoji="0" normalizeH="0">
             <a:ln>
               <a:noFill/>
             </a:ln>
@@ -9178,7 +8409,7 @@
           <a:buFontTx/>
           <a:buNone/>
           <a:tabLst/>
-          <a:defRPr kumimoji="0" sz="1800" b="0" i="0" u="none" strike="noStrike" cap="none" spc="0" normalizeH="0" baseline="0">
+          <a:defRPr b="0" baseline="0" cap="none" i="0" spc="0" strike="noStrike" sz="1800" u="none" kumimoji="0" normalizeH="0">
             <a:ln>
               <a:noFill/>
             </a:ln>
@@ -9204,7 +8435,7 @@
           <a:buFontTx/>
           <a:buNone/>
           <a:tabLst/>
-          <a:defRPr kumimoji="0" sz="1800" b="0" i="0" u="none" strike="noStrike" cap="none" spc="0" normalizeH="0" baseline="0">
+          <a:defRPr b="0" baseline="0" cap="none" i="0" spc="0" strike="noStrike" sz="1800" u="none" kumimoji="0" normalizeH="0">
             <a:ln>
               <a:noFill/>
             </a:ln>
@@ -9230,7 +8461,7 @@
           <a:buFontTx/>
           <a:buNone/>
           <a:tabLst/>
-          <a:defRPr kumimoji="0" sz="1800" b="0" i="0" u="none" strike="noStrike" cap="none" spc="0" normalizeH="0" baseline="0">
+          <a:defRPr b="0" baseline="0" cap="none" i="0" spc="0" strike="noStrike" sz="1800" u="none" kumimoji="0" normalizeH="0">
             <a:ln>
               <a:noFill/>
             </a:ln>
@@ -9256,7 +8487,7 @@
           <a:buFontTx/>
           <a:buNone/>
           <a:tabLst/>
-          <a:defRPr kumimoji="0" sz="1800" b="0" i="0" u="none" strike="noStrike" cap="none" spc="0" normalizeH="0" baseline="0">
+          <a:defRPr b="0" baseline="0" cap="none" i="0" spc="0" strike="noStrike" sz="1800" u="none" kumimoji="0" normalizeH="0">
             <a:ln>
               <a:noFill/>
             </a:ln>
@@ -9282,7 +8513,7 @@
           <a:buFontTx/>
           <a:buNone/>
           <a:tabLst/>
-          <a:defRPr kumimoji="0" sz="1800" b="0" i="0" u="none" strike="noStrike" cap="none" spc="0" normalizeH="0" baseline="0">
+          <a:defRPr b="0" baseline="0" cap="none" i="0" spc="0" strike="noStrike" sz="1800" u="none" kumimoji="0" normalizeH="0">
             <a:ln>
               <a:noFill/>
             </a:ln>
@@ -9308,7 +8539,7 @@
           <a:buFontTx/>
           <a:buNone/>
           <a:tabLst/>
-          <a:defRPr kumimoji="0" sz="1800" b="0" i="0" u="none" strike="noStrike" cap="none" spc="0" normalizeH="0" baseline="0">
+          <a:defRPr b="0" baseline="0" cap="none" i="0" spc="0" strike="noStrike" sz="1800" u="none" kumimoji="0" normalizeH="0">
             <a:ln>
               <a:noFill/>
             </a:ln>
@@ -9334,7 +8565,7 @@
           <a:buFontTx/>
           <a:buNone/>
           <a:tabLst/>
-          <a:defRPr kumimoji="0" sz="1800" b="0" i="0" u="none" strike="noStrike" cap="none" spc="0" normalizeH="0" baseline="0">
+          <a:defRPr b="0" baseline="0" cap="none" i="0" spc="0" strike="noStrike" sz="1800" u="none" kumimoji="0" normalizeH="0">
             <a:ln>
               <a:noFill/>
             </a:ln>
@@ -9347,15 +8578,9 @@
         </a:lvl9pPr>
       </a:lstStyle>
       <a:style>
-        <a:lnRef idx="0">
-          <a:scrgbClr r="0" g="0" b="0"/>
-        </a:lnRef>
-        <a:fillRef idx="0">
-          <a:scrgbClr r="0" g="0" b="0"/>
-        </a:fillRef>
-        <a:effectRef idx="0">
-          <a:scrgbClr r="0" g="0" b="0"/>
-        </a:effectRef>
+        <a:lnRef idx="0"/>
+        <a:fillRef idx="0"/>
+        <a:effectRef idx="0"/>
         <a:fontRef idx="none"/>
       </a:style>
     </a:spDef>
@@ -9370,15 +8595,15 @@
           <a:round/>
         </a:ln>
         <a:effectLst>
-          <a:outerShdw blurRad="38100" dist="20000" dir="5400000" rotWithShape="0">
+          <a:outerShdw sx="100000" sy="100000" kx="0" ky="0" algn="b" rotWithShape="0" blurRad="38100" dist="23000" dir="5400000">
             <a:srgbClr val="000000">
-              <a:alpha val="38000"/>
+              <a:alpha val="35000"/>
             </a:srgbClr>
           </a:outerShdw>
         </a:effectLst>
         <a:sp3d/>
       </a:spPr>
-      <a:bodyPr rot="0" spcFirstLastPara="1" vertOverflow="overflow" horzOverflow="overflow" vert="horz" wrap="square" lIns="91439" tIns="45719" rIns="91439" bIns="45719" numCol="1" spcCol="38100" rtlCol="0" anchor="t">
+      <a:bodyPr rot="0" spcFirstLastPara="1" vertOverflow="overflow" horzOverflow="overflow" vert="horz" wrap="square" lIns="91439" tIns="45719" rIns="91439" bIns="45719" numCol="1" spcCol="38100" rtlCol="0" anchor="t" upright="0">
         <a:noAutofit/>
       </a:bodyPr>
       <a:lstStyle>
@@ -9397,7 +8622,7 @@
           <a:buFontTx/>
           <a:buNone/>
           <a:tabLst/>
-          <a:defRPr kumimoji="0" sz="1800" b="0" i="0" u="none" strike="noStrike" cap="none" spc="0" normalizeH="0" baseline="0">
+          <a:defRPr b="0" baseline="0" cap="none" i="0" spc="0" strike="noStrike" sz="1800" u="none" kumimoji="0" normalizeH="0">
             <a:ln>
               <a:noFill/>
             </a:ln>
@@ -9423,7 +8648,7 @@
           <a:buFontTx/>
           <a:buNone/>
           <a:tabLst/>
-          <a:defRPr kumimoji="0" sz="1800" b="0" i="0" u="none" strike="noStrike" cap="none" spc="0" normalizeH="0" baseline="0">
+          <a:defRPr b="0" baseline="0" cap="none" i="0" spc="0" strike="noStrike" sz="1800" u="none" kumimoji="0" normalizeH="0">
             <a:ln>
               <a:noFill/>
             </a:ln>
@@ -9449,7 +8674,7 @@
           <a:buFontTx/>
           <a:buNone/>
           <a:tabLst/>
-          <a:defRPr kumimoji="0" sz="1800" b="0" i="0" u="none" strike="noStrike" cap="none" spc="0" normalizeH="0" baseline="0">
+          <a:defRPr b="0" baseline="0" cap="none" i="0" spc="0" strike="noStrike" sz="1800" u="none" kumimoji="0" normalizeH="0">
             <a:ln>
               <a:noFill/>
             </a:ln>
@@ -9475,7 +8700,7 @@
           <a:buFontTx/>
           <a:buNone/>
           <a:tabLst/>
-          <a:defRPr kumimoji="0" sz="1800" b="0" i="0" u="none" strike="noStrike" cap="none" spc="0" normalizeH="0" baseline="0">
+          <a:defRPr b="0" baseline="0" cap="none" i="0" spc="0" strike="noStrike" sz="1800" u="none" kumimoji="0" normalizeH="0">
             <a:ln>
               <a:noFill/>
             </a:ln>
@@ -9501,7 +8726,7 @@
           <a:buFontTx/>
           <a:buNone/>
           <a:tabLst/>
-          <a:defRPr kumimoji="0" sz="1800" b="0" i="0" u="none" strike="noStrike" cap="none" spc="0" normalizeH="0" baseline="0">
+          <a:defRPr b="0" baseline="0" cap="none" i="0" spc="0" strike="noStrike" sz="1800" u="none" kumimoji="0" normalizeH="0">
             <a:ln>
               <a:noFill/>
             </a:ln>
@@ -9527,7 +8752,7 @@
           <a:buFontTx/>
           <a:buNone/>
           <a:tabLst/>
-          <a:defRPr kumimoji="0" sz="1800" b="0" i="0" u="none" strike="noStrike" cap="none" spc="0" normalizeH="0" baseline="0">
+          <a:defRPr b="0" baseline="0" cap="none" i="0" spc="0" strike="noStrike" sz="1800" u="none" kumimoji="0" normalizeH="0">
             <a:ln>
               <a:noFill/>
             </a:ln>
@@ -9553,7 +8778,7 @@
           <a:buFontTx/>
           <a:buNone/>
           <a:tabLst/>
-          <a:defRPr kumimoji="0" sz="1800" b="0" i="0" u="none" strike="noStrike" cap="none" spc="0" normalizeH="0" baseline="0">
+          <a:defRPr b="0" baseline="0" cap="none" i="0" spc="0" strike="noStrike" sz="1800" u="none" kumimoji="0" normalizeH="0">
             <a:ln>
               <a:noFill/>
             </a:ln>
@@ -9579,7 +8804,7 @@
           <a:buFontTx/>
           <a:buNone/>
           <a:tabLst/>
-          <a:defRPr kumimoji="0" sz="1800" b="0" i="0" u="none" strike="noStrike" cap="none" spc="0" normalizeH="0" baseline="0">
+          <a:defRPr b="0" baseline="0" cap="none" i="0" spc="0" strike="noStrike" sz="1800" u="none" kumimoji="0" normalizeH="0">
             <a:ln>
               <a:noFill/>
             </a:ln>
@@ -9605,7 +8830,7 @@
           <a:buFontTx/>
           <a:buNone/>
           <a:tabLst/>
-          <a:defRPr kumimoji="0" sz="1800" b="0" i="0" u="none" strike="noStrike" cap="none" spc="0" normalizeH="0" baseline="0">
+          <a:defRPr b="0" baseline="0" cap="none" i="0" spc="0" strike="noStrike" sz="1800" u="none" kumimoji="0" normalizeH="0">
             <a:ln>
               <a:noFill/>
             </a:ln>
@@ -9631,7 +8856,7 @@
           <a:buFontTx/>
           <a:buNone/>
           <a:tabLst/>
-          <a:defRPr kumimoji="0" sz="1800" b="0" i="0" u="none" strike="noStrike" cap="none" spc="0" normalizeH="0" baseline="0">
+          <a:defRPr b="0" baseline="0" cap="none" i="0" spc="0" strike="noStrike" sz="1800" u="none" kumimoji="0" normalizeH="0">
             <a:ln>
               <a:noFill/>
             </a:ln>
@@ -9644,15 +8869,9 @@
         </a:lvl9pPr>
       </a:lstStyle>
       <a:style>
-        <a:lnRef idx="0">
-          <a:scrgbClr r="0" g="0" b="0"/>
-        </a:lnRef>
-        <a:fillRef idx="0">
-          <a:scrgbClr r="0" g="0" b="0"/>
-        </a:fillRef>
-        <a:effectRef idx="0">
-          <a:scrgbClr r="0" g="0" b="0"/>
-        </a:effectRef>
+        <a:lnRef idx="0"/>
+        <a:fillRef idx="0"/>
+        <a:effectRef idx="0"/>
         <a:fontRef idx="none"/>
       </a:style>
     </a:lnDef>
@@ -9666,7 +8885,7 @@
         <a:effectLst/>
         <a:sp3d/>
       </a:spPr>
-      <a:bodyPr rot="0" spcFirstLastPara="1" vertOverflow="overflow" horzOverflow="overflow" vert="horz" wrap="square" lIns="45719" tIns="45719" rIns="45719" bIns="45719" numCol="1" spcCol="38100" rtlCol="0" anchor="t">
+      <a:bodyPr rot="0" spcFirstLastPara="1" vertOverflow="overflow" horzOverflow="overflow" vert="horz" wrap="square" lIns="45718" tIns="45718" rIns="45718" bIns="45718" numCol="1" spcCol="38100" rtlCol="0" anchor="t" upright="0">
         <a:spAutoFit/>
       </a:bodyPr>
       <a:lstStyle>
@@ -9685,19 +8904,19 @@
           <a:buFontTx/>
           <a:buNone/>
           <a:tabLst/>
-          <a:defRPr kumimoji="0" sz="1400" b="0" i="0" u="none" strike="noStrike" cap="none" spc="0" normalizeH="0" baseline="0">
+          <a:defRPr b="0" baseline="0" cap="none" i="0" spc="0" strike="noStrike" sz="1400" u="none" kumimoji="0" normalizeH="0">
             <a:ln>
               <a:noFill/>
             </a:ln>
             <a:solidFill>
-              <a:srgbClr val="2A3990"/>
+              <a:srgbClr val="FFFFFF"/>
             </a:solidFill>
             <a:effectLst/>
             <a:uFillTx/>
-            <a:latin typeface="Arial"/>
-            <a:ea typeface="Arial"/>
-            <a:cs typeface="Arial"/>
-            <a:sym typeface="Arial"/>
+            <a:latin typeface="+mn-lt"/>
+            <a:ea typeface="+mn-ea"/>
+            <a:cs typeface="+mn-cs"/>
+            <a:sym typeface="Helvetica Neue"/>
           </a:defRPr>
         </a:defPPr>
         <a:lvl1pPr marL="0" marR="0" indent="0" algn="l" defTabSz="914400" rtl="0" fontAlgn="auto" latinLnBrk="1" hangingPunct="0">
@@ -9715,7 +8934,7 @@
           <a:buFontTx/>
           <a:buNone/>
           <a:tabLst/>
-          <a:defRPr kumimoji="0" sz="1800" b="0" i="0" u="none" strike="noStrike" cap="none" spc="0" normalizeH="0" baseline="0">
+          <a:defRPr b="0" baseline="0" cap="none" i="0" spc="0" strike="noStrike" sz="1800" u="none" kumimoji="0" normalizeH="0">
             <a:ln>
               <a:noFill/>
             </a:ln>
@@ -9741,7 +8960,7 @@
           <a:buFontTx/>
           <a:buNone/>
           <a:tabLst/>
-          <a:defRPr kumimoji="0" sz="1800" b="0" i="0" u="none" strike="noStrike" cap="none" spc="0" normalizeH="0" baseline="0">
+          <a:defRPr b="0" baseline="0" cap="none" i="0" spc="0" strike="noStrike" sz="1800" u="none" kumimoji="0" normalizeH="0">
             <a:ln>
               <a:noFill/>
             </a:ln>
@@ -9767,7 +8986,7 @@
           <a:buFontTx/>
           <a:buNone/>
           <a:tabLst/>
-          <a:defRPr kumimoji="0" sz="1800" b="0" i="0" u="none" strike="noStrike" cap="none" spc="0" normalizeH="0" baseline="0">
+          <a:defRPr b="0" baseline="0" cap="none" i="0" spc="0" strike="noStrike" sz="1800" u="none" kumimoji="0" normalizeH="0">
             <a:ln>
               <a:noFill/>
             </a:ln>
@@ -9793,7 +9012,7 @@
           <a:buFontTx/>
           <a:buNone/>
           <a:tabLst/>
-          <a:defRPr kumimoji="0" sz="1800" b="0" i="0" u="none" strike="noStrike" cap="none" spc="0" normalizeH="0" baseline="0">
+          <a:defRPr b="0" baseline="0" cap="none" i="0" spc="0" strike="noStrike" sz="1800" u="none" kumimoji="0" normalizeH="0">
             <a:ln>
               <a:noFill/>
             </a:ln>
@@ -9819,7 +9038,7 @@
           <a:buFontTx/>
           <a:buNone/>
           <a:tabLst/>
-          <a:defRPr kumimoji="0" sz="1800" b="0" i="0" u="none" strike="noStrike" cap="none" spc="0" normalizeH="0" baseline="0">
+          <a:defRPr b="0" baseline="0" cap="none" i="0" spc="0" strike="noStrike" sz="1800" u="none" kumimoji="0" normalizeH="0">
             <a:ln>
               <a:noFill/>
             </a:ln>
@@ -9845,7 +9064,7 @@
           <a:buFontTx/>
           <a:buNone/>
           <a:tabLst/>
-          <a:defRPr kumimoji="0" sz="1800" b="0" i="0" u="none" strike="noStrike" cap="none" spc="0" normalizeH="0" baseline="0">
+          <a:defRPr b="0" baseline="0" cap="none" i="0" spc="0" strike="noStrike" sz="1800" u="none" kumimoji="0" normalizeH="0">
             <a:ln>
               <a:noFill/>
             </a:ln>
@@ -9871,7 +9090,7 @@
           <a:buFontTx/>
           <a:buNone/>
           <a:tabLst/>
-          <a:defRPr kumimoji="0" sz="1800" b="0" i="0" u="none" strike="noStrike" cap="none" spc="0" normalizeH="0" baseline="0">
+          <a:defRPr b="0" baseline="0" cap="none" i="0" spc="0" strike="noStrike" sz="1800" u="none" kumimoji="0" normalizeH="0">
             <a:ln>
               <a:noFill/>
             </a:ln>
@@ -9897,7 +9116,7 @@
           <a:buFontTx/>
           <a:buNone/>
           <a:tabLst/>
-          <a:defRPr kumimoji="0" sz="1800" b="0" i="0" u="none" strike="noStrike" cap="none" spc="0" normalizeH="0" baseline="0">
+          <a:defRPr b="0" baseline="0" cap="none" i="0" spc="0" strike="noStrike" sz="1800" u="none" kumimoji="0" normalizeH="0">
             <a:ln>
               <a:noFill/>
             </a:ln>
@@ -9923,7 +9142,7 @@
           <a:buFontTx/>
           <a:buNone/>
           <a:tabLst/>
-          <a:defRPr kumimoji="0" sz="1800" b="0" i="0" u="none" strike="noStrike" cap="none" spc="0" normalizeH="0" baseline="0">
+          <a:defRPr b="0" baseline="0" cap="none" i="0" spc="0" strike="noStrike" sz="1800" u="none" kumimoji="0" normalizeH="0">
             <a:ln>
               <a:noFill/>
             </a:ln>
@@ -9936,25 +9155,18 @@
         </a:lvl9pPr>
       </a:lstStyle>
       <a:style>
-        <a:lnRef idx="0">
-          <a:scrgbClr r="0" g="0" b="0"/>
-        </a:lnRef>
-        <a:fillRef idx="0">
-          <a:scrgbClr r="0" g="0" b="0"/>
-        </a:fillRef>
-        <a:effectRef idx="0">
-          <a:scrgbClr r="0" g="0" b="0"/>
-        </a:effectRef>
+        <a:lnRef idx="0"/>
+        <a:fillRef idx="0"/>
+        <a:effectRef idx="0"/>
         <a:fontRef idx="none"/>
       </a:style>
     </a:txDef>
   </a:objectDefaults>
-  <a:extraClrSchemeLst/>
 </a:theme>
 </file>
 
 <file path=ppt/theme/theme2.xml><?xml version="1.0" encoding="utf-8"?>
-<a:theme xmlns:a="http://schemas.openxmlformats.org/drawingml/2006/main" name="Geometric">
+<a:theme xmlns:a="http://schemas.openxmlformats.org/drawingml/2006/main" xmlns:r="http://schemas.openxmlformats.org/officeDocument/2006/relationships" name="Geometric">
   <a:themeElements>
     <a:clrScheme name="Geometric">
       <a:dk1>
@@ -10080,7 +9292,7 @@
       <a:effectStyleLst>
         <a:effectStyle>
           <a:effectLst>
-            <a:outerShdw blurRad="38100" dist="23000" dir="5400000" rotWithShape="0">
+            <a:outerShdw sx="100000" sy="100000" kx="0" ky="0" algn="b" rotWithShape="0" blurRad="38100" dist="23000" dir="5400000">
               <a:srgbClr val="000000">
                 <a:alpha val="35000"/>
               </a:srgbClr>
@@ -10089,7 +9301,7 @@
         </a:effectStyle>
         <a:effectStyle>
           <a:effectLst>
-            <a:outerShdw blurRad="38100" dist="23000" dir="5400000" rotWithShape="0">
+            <a:outerShdw sx="100000" sy="100000" kx="0" ky="0" algn="b" rotWithShape="0" blurRad="38100" dist="23000" dir="5400000">
               <a:srgbClr val="000000">
                 <a:alpha val="35000"/>
               </a:srgbClr>
@@ -10098,9 +9310,9 @@
         </a:effectStyle>
         <a:effectStyle>
           <a:effectLst>
-            <a:outerShdw blurRad="38100" dist="20000" dir="5400000" rotWithShape="0">
+            <a:outerShdw sx="100000" sy="100000" kx="0" ky="0" algn="b" rotWithShape="0" blurRad="38100" dist="23000" dir="5400000">
               <a:srgbClr val="000000">
-                <a:alpha val="38000"/>
+                <a:alpha val="35000"/>
               </a:srgbClr>
             </a:outerShdw>
           </a:effectLst>
@@ -10172,7 +9384,7 @@
           <a:round/>
         </a:ln>
         <a:effectLst>
-          <a:outerShdw blurRad="38100" dist="23000" dir="5400000" rotWithShape="0">
+          <a:outerShdw sx="100000" sy="100000" kx="0" ky="0" algn="b" rotWithShape="0" blurRad="38100" dist="23000" dir="5400000">
             <a:srgbClr val="000000">
               <a:alpha val="35000"/>
             </a:srgbClr>
@@ -10180,7 +9392,7 @@
         </a:effectLst>
         <a:sp3d/>
       </a:spPr>
-      <a:bodyPr rot="0" spcFirstLastPara="1" vertOverflow="overflow" horzOverflow="overflow" vert="horz" wrap="square" lIns="45719" tIns="45719" rIns="45719" bIns="45719" numCol="1" spcCol="38100" rtlCol="0" anchor="ctr">
+      <a:bodyPr rot="0" spcFirstLastPara="1" vertOverflow="overflow" horzOverflow="overflow" vert="horz" wrap="square" lIns="45718" tIns="45718" rIns="45718" bIns="45718" numCol="1" spcCol="38100" rtlCol="0" anchor="ctr" upright="0">
         <a:spAutoFit/>
       </a:bodyPr>
       <a:lstStyle>
@@ -10199,19 +9411,19 @@
           <a:buFontTx/>
           <a:buNone/>
           <a:tabLst/>
-          <a:defRPr kumimoji="0" sz="1400" b="0" i="0" u="none" strike="noStrike" cap="none" spc="0" normalizeH="0" baseline="0">
+          <a:defRPr b="0" baseline="0" cap="none" i="0" spc="0" strike="noStrike" sz="1400" u="none" kumimoji="0" normalizeH="0">
             <a:ln>
               <a:noFill/>
             </a:ln>
             <a:solidFill>
-              <a:srgbClr val="2A3990"/>
+              <a:srgbClr val="FFFFFF"/>
             </a:solidFill>
             <a:effectLst/>
             <a:uFillTx/>
-            <a:latin typeface="Arial"/>
-            <a:ea typeface="Arial"/>
-            <a:cs typeface="Arial"/>
-            <a:sym typeface="Arial"/>
+            <a:latin typeface="+mn-lt"/>
+            <a:ea typeface="+mn-ea"/>
+            <a:cs typeface="+mn-cs"/>
+            <a:sym typeface="Helvetica Neue"/>
           </a:defRPr>
         </a:defPPr>
         <a:lvl1pPr marL="0" marR="0" indent="0" algn="l" defTabSz="914400" rtl="0" fontAlgn="auto" latinLnBrk="1" hangingPunct="0">
@@ -10229,7 +9441,7 @@
           <a:buFontTx/>
           <a:buNone/>
           <a:tabLst/>
-          <a:defRPr kumimoji="0" sz="1800" b="0" i="0" u="none" strike="noStrike" cap="none" spc="0" normalizeH="0" baseline="0">
+          <a:defRPr b="0" baseline="0" cap="none" i="0" spc="0" strike="noStrike" sz="1800" u="none" kumimoji="0" normalizeH="0">
             <a:ln>
               <a:noFill/>
             </a:ln>
@@ -10255,7 +9467,7 @@
           <a:buFontTx/>
           <a:buNone/>
           <a:tabLst/>
-          <a:defRPr kumimoji="0" sz="1800" b="0" i="0" u="none" strike="noStrike" cap="none" spc="0" normalizeH="0" baseline="0">
+          <a:defRPr b="0" baseline="0" cap="none" i="0" spc="0" strike="noStrike" sz="1800" u="none" kumimoji="0" normalizeH="0">
             <a:ln>
               <a:noFill/>
             </a:ln>
@@ -10281,7 +9493,7 @@
           <a:buFontTx/>
           <a:buNone/>
           <a:tabLst/>
-          <a:defRPr kumimoji="0" sz="1800" b="0" i="0" u="none" strike="noStrike" cap="none" spc="0" normalizeH="0" baseline="0">
+          <a:defRPr b="0" baseline="0" cap="none" i="0" spc="0" strike="noStrike" sz="1800" u="none" kumimoji="0" normalizeH="0">
             <a:ln>
               <a:noFill/>
             </a:ln>
@@ -10307,7 +9519,7 @@
           <a:buFontTx/>
           <a:buNone/>
           <a:tabLst/>
-          <a:defRPr kumimoji="0" sz="1800" b="0" i="0" u="none" strike="noStrike" cap="none" spc="0" normalizeH="0" baseline="0">
+          <a:defRPr b="0" baseline="0" cap="none" i="0" spc="0" strike="noStrike" sz="1800" u="none" kumimoji="0" normalizeH="0">
             <a:ln>
               <a:noFill/>
             </a:ln>
@@ -10333,7 +9545,7 @@
           <a:buFontTx/>
           <a:buNone/>
           <a:tabLst/>
-          <a:defRPr kumimoji="0" sz="1800" b="0" i="0" u="none" strike="noStrike" cap="none" spc="0" normalizeH="0" baseline="0">
+          <a:defRPr b="0" baseline="0" cap="none" i="0" spc="0" strike="noStrike" sz="1800" u="none" kumimoji="0" normalizeH="0">
             <a:ln>
               <a:noFill/>
             </a:ln>
@@ -10359,7 +9571,7 @@
           <a:buFontTx/>
           <a:buNone/>
           <a:tabLst/>
-          <a:defRPr kumimoji="0" sz="1800" b="0" i="0" u="none" strike="noStrike" cap="none" spc="0" normalizeH="0" baseline="0">
+          <a:defRPr b="0" baseline="0" cap="none" i="0" spc="0" strike="noStrike" sz="1800" u="none" kumimoji="0" normalizeH="0">
             <a:ln>
               <a:noFill/>
             </a:ln>
@@ -10385,7 +9597,7 @@
           <a:buFontTx/>
           <a:buNone/>
           <a:tabLst/>
-          <a:defRPr kumimoji="0" sz="1800" b="0" i="0" u="none" strike="noStrike" cap="none" spc="0" normalizeH="0" baseline="0">
+          <a:defRPr b="0" baseline="0" cap="none" i="0" spc="0" strike="noStrike" sz="1800" u="none" kumimoji="0" normalizeH="0">
             <a:ln>
               <a:noFill/>
             </a:ln>
@@ -10411,7 +9623,7 @@
           <a:buFontTx/>
           <a:buNone/>
           <a:tabLst/>
-          <a:defRPr kumimoji="0" sz="1800" b="0" i="0" u="none" strike="noStrike" cap="none" spc="0" normalizeH="0" baseline="0">
+          <a:defRPr b="0" baseline="0" cap="none" i="0" spc="0" strike="noStrike" sz="1800" u="none" kumimoji="0" normalizeH="0">
             <a:ln>
               <a:noFill/>
             </a:ln>
@@ -10437,7 +9649,7 @@
           <a:buFontTx/>
           <a:buNone/>
           <a:tabLst/>
-          <a:defRPr kumimoji="0" sz="1800" b="0" i="0" u="none" strike="noStrike" cap="none" spc="0" normalizeH="0" baseline="0">
+          <a:defRPr b="0" baseline="0" cap="none" i="0" spc="0" strike="noStrike" sz="1800" u="none" kumimoji="0" normalizeH="0">
             <a:ln>
               <a:noFill/>
             </a:ln>
@@ -10450,15 +9662,9 @@
         </a:lvl9pPr>
       </a:lstStyle>
       <a:style>
-        <a:lnRef idx="0">
-          <a:scrgbClr r="0" g="0" b="0"/>
-        </a:lnRef>
-        <a:fillRef idx="0">
-          <a:scrgbClr r="0" g="0" b="0"/>
-        </a:fillRef>
-        <a:effectRef idx="0">
-          <a:scrgbClr r="0" g="0" b="0"/>
-        </a:effectRef>
+        <a:lnRef idx="0"/>
+        <a:fillRef idx="0"/>
+        <a:effectRef idx="0"/>
         <a:fontRef idx="none"/>
       </a:style>
     </a:spDef>
@@ -10473,15 +9679,15 @@
           <a:round/>
         </a:ln>
         <a:effectLst>
-          <a:outerShdw blurRad="38100" dist="20000" dir="5400000" rotWithShape="0">
+          <a:outerShdw sx="100000" sy="100000" kx="0" ky="0" algn="b" rotWithShape="0" blurRad="38100" dist="23000" dir="5400000">
             <a:srgbClr val="000000">
-              <a:alpha val="38000"/>
+              <a:alpha val="35000"/>
             </a:srgbClr>
           </a:outerShdw>
         </a:effectLst>
         <a:sp3d/>
       </a:spPr>
-      <a:bodyPr rot="0" spcFirstLastPara="1" vertOverflow="overflow" horzOverflow="overflow" vert="horz" wrap="square" lIns="91439" tIns="45719" rIns="91439" bIns="45719" numCol="1" spcCol="38100" rtlCol="0" anchor="t">
+      <a:bodyPr rot="0" spcFirstLastPara="1" vertOverflow="overflow" horzOverflow="overflow" vert="horz" wrap="square" lIns="91439" tIns="45719" rIns="91439" bIns="45719" numCol="1" spcCol="38100" rtlCol="0" anchor="t" upright="0">
         <a:noAutofit/>
       </a:bodyPr>
       <a:lstStyle>
@@ -10500,7 +9706,7 @@
           <a:buFontTx/>
           <a:buNone/>
           <a:tabLst/>
-          <a:defRPr kumimoji="0" sz="1800" b="0" i="0" u="none" strike="noStrike" cap="none" spc="0" normalizeH="0" baseline="0">
+          <a:defRPr b="0" baseline="0" cap="none" i="0" spc="0" strike="noStrike" sz="1800" u="none" kumimoji="0" normalizeH="0">
             <a:ln>
               <a:noFill/>
             </a:ln>
@@ -10526,7 +9732,7 @@
           <a:buFontTx/>
           <a:buNone/>
           <a:tabLst/>
-          <a:defRPr kumimoji="0" sz="1800" b="0" i="0" u="none" strike="noStrike" cap="none" spc="0" normalizeH="0" baseline="0">
+          <a:defRPr b="0" baseline="0" cap="none" i="0" spc="0" strike="noStrike" sz="1800" u="none" kumimoji="0" normalizeH="0">
             <a:ln>
               <a:noFill/>
             </a:ln>
@@ -10552,7 +9758,7 @@
           <a:buFontTx/>
           <a:buNone/>
           <a:tabLst/>
-          <a:defRPr kumimoji="0" sz="1800" b="0" i="0" u="none" strike="noStrike" cap="none" spc="0" normalizeH="0" baseline="0">
+          <a:defRPr b="0" baseline="0" cap="none" i="0" spc="0" strike="noStrike" sz="1800" u="none" kumimoji="0" normalizeH="0">
             <a:ln>
               <a:noFill/>
             </a:ln>
@@ -10578,7 +9784,7 @@
           <a:buFontTx/>
           <a:buNone/>
           <a:tabLst/>
-          <a:defRPr kumimoji="0" sz="1800" b="0" i="0" u="none" strike="noStrike" cap="none" spc="0" normalizeH="0" baseline="0">
+          <a:defRPr b="0" baseline="0" cap="none" i="0" spc="0" strike="noStrike" sz="1800" u="none" kumimoji="0" normalizeH="0">
             <a:ln>
               <a:noFill/>
             </a:ln>
@@ -10604,7 +9810,7 @@
           <a:buFontTx/>
           <a:buNone/>
           <a:tabLst/>
-          <a:defRPr kumimoji="0" sz="1800" b="0" i="0" u="none" strike="noStrike" cap="none" spc="0" normalizeH="0" baseline="0">
+          <a:defRPr b="0" baseline="0" cap="none" i="0" spc="0" strike="noStrike" sz="1800" u="none" kumimoji="0" normalizeH="0">
             <a:ln>
               <a:noFill/>
             </a:ln>
@@ -10630,7 +9836,7 @@
           <a:buFontTx/>
           <a:buNone/>
           <a:tabLst/>
-          <a:defRPr kumimoji="0" sz="1800" b="0" i="0" u="none" strike="noStrike" cap="none" spc="0" normalizeH="0" baseline="0">
+          <a:defRPr b="0" baseline="0" cap="none" i="0" spc="0" strike="noStrike" sz="1800" u="none" kumimoji="0" normalizeH="0">
             <a:ln>
               <a:noFill/>
             </a:ln>
@@ -10656,7 +9862,7 @@
           <a:buFontTx/>
           <a:buNone/>
           <a:tabLst/>
-          <a:defRPr kumimoji="0" sz="1800" b="0" i="0" u="none" strike="noStrike" cap="none" spc="0" normalizeH="0" baseline="0">
+          <a:defRPr b="0" baseline="0" cap="none" i="0" spc="0" strike="noStrike" sz="1800" u="none" kumimoji="0" normalizeH="0">
             <a:ln>
               <a:noFill/>
             </a:ln>
@@ -10682,7 +9888,7 @@
           <a:buFontTx/>
           <a:buNone/>
           <a:tabLst/>
-          <a:defRPr kumimoji="0" sz="1800" b="0" i="0" u="none" strike="noStrike" cap="none" spc="0" normalizeH="0" baseline="0">
+          <a:defRPr b="0" baseline="0" cap="none" i="0" spc="0" strike="noStrike" sz="1800" u="none" kumimoji="0" normalizeH="0">
             <a:ln>
               <a:noFill/>
             </a:ln>
@@ -10708,7 +9914,7 @@
           <a:buFontTx/>
           <a:buNone/>
           <a:tabLst/>
-          <a:defRPr kumimoji="0" sz="1800" b="0" i="0" u="none" strike="noStrike" cap="none" spc="0" normalizeH="0" baseline="0">
+          <a:defRPr b="0" baseline="0" cap="none" i="0" spc="0" strike="noStrike" sz="1800" u="none" kumimoji="0" normalizeH="0">
             <a:ln>
               <a:noFill/>
             </a:ln>
@@ -10734,7 +9940,7 @@
           <a:buFontTx/>
           <a:buNone/>
           <a:tabLst/>
-          <a:defRPr kumimoji="0" sz="1800" b="0" i="0" u="none" strike="noStrike" cap="none" spc="0" normalizeH="0" baseline="0">
+          <a:defRPr b="0" baseline="0" cap="none" i="0" spc="0" strike="noStrike" sz="1800" u="none" kumimoji="0" normalizeH="0">
             <a:ln>
               <a:noFill/>
             </a:ln>
@@ -10747,15 +9953,9 @@
         </a:lvl9pPr>
       </a:lstStyle>
       <a:style>
-        <a:lnRef idx="0">
-          <a:scrgbClr r="0" g="0" b="0"/>
-        </a:lnRef>
-        <a:fillRef idx="0">
-          <a:scrgbClr r="0" g="0" b="0"/>
-        </a:fillRef>
-        <a:effectRef idx="0">
-          <a:scrgbClr r="0" g="0" b="0"/>
-        </a:effectRef>
+        <a:lnRef idx="0"/>
+        <a:fillRef idx="0"/>
+        <a:effectRef idx="0"/>
         <a:fontRef idx="none"/>
       </a:style>
     </a:lnDef>
@@ -10769,7 +9969,7 @@
         <a:effectLst/>
         <a:sp3d/>
       </a:spPr>
-      <a:bodyPr rot="0" spcFirstLastPara="1" vertOverflow="overflow" horzOverflow="overflow" vert="horz" wrap="square" lIns="45719" tIns="45719" rIns="45719" bIns="45719" numCol="1" spcCol="38100" rtlCol="0" anchor="t">
+      <a:bodyPr rot="0" spcFirstLastPara="1" vertOverflow="overflow" horzOverflow="overflow" vert="horz" wrap="square" lIns="45718" tIns="45718" rIns="45718" bIns="45718" numCol="1" spcCol="38100" rtlCol="0" anchor="t" upright="0">
         <a:spAutoFit/>
       </a:bodyPr>
       <a:lstStyle>
@@ -10788,19 +9988,19 @@
           <a:buFontTx/>
           <a:buNone/>
           <a:tabLst/>
-          <a:defRPr kumimoji="0" sz="1400" b="0" i="0" u="none" strike="noStrike" cap="none" spc="0" normalizeH="0" baseline="0">
+          <a:defRPr b="0" baseline="0" cap="none" i="0" spc="0" strike="noStrike" sz="1400" u="none" kumimoji="0" normalizeH="0">
             <a:ln>
               <a:noFill/>
             </a:ln>
             <a:solidFill>
-              <a:srgbClr val="2A3990"/>
+              <a:srgbClr val="FFFFFF"/>
             </a:solidFill>
             <a:effectLst/>
             <a:uFillTx/>
-            <a:latin typeface="Arial"/>
-            <a:ea typeface="Arial"/>
-            <a:cs typeface="Arial"/>
-            <a:sym typeface="Arial"/>
+            <a:latin typeface="+mn-lt"/>
+            <a:ea typeface="+mn-ea"/>
+            <a:cs typeface="+mn-cs"/>
+            <a:sym typeface="Helvetica Neue"/>
           </a:defRPr>
         </a:defPPr>
         <a:lvl1pPr marL="0" marR="0" indent="0" algn="l" defTabSz="914400" rtl="0" fontAlgn="auto" latinLnBrk="1" hangingPunct="0">
@@ -10818,7 +10018,7 @@
           <a:buFontTx/>
           <a:buNone/>
           <a:tabLst/>
-          <a:defRPr kumimoji="0" sz="1800" b="0" i="0" u="none" strike="noStrike" cap="none" spc="0" normalizeH="0" baseline="0">
+          <a:defRPr b="0" baseline="0" cap="none" i="0" spc="0" strike="noStrike" sz="1800" u="none" kumimoji="0" normalizeH="0">
             <a:ln>
               <a:noFill/>
             </a:ln>
@@ -10844,7 +10044,7 @@
           <a:buFontTx/>
           <a:buNone/>
           <a:tabLst/>
-          <a:defRPr kumimoji="0" sz="1800" b="0" i="0" u="none" strike="noStrike" cap="none" spc="0" normalizeH="0" baseline="0">
+          <a:defRPr b="0" baseline="0" cap="none" i="0" spc="0" strike="noStrike" sz="1800" u="none" kumimoji="0" normalizeH="0">
             <a:ln>
               <a:noFill/>
             </a:ln>
@@ -10870,7 +10070,7 @@
           <a:buFontTx/>
           <a:buNone/>
           <a:tabLst/>
-          <a:defRPr kumimoji="0" sz="1800" b="0" i="0" u="none" strike="noStrike" cap="none" spc="0" normalizeH="0" baseline="0">
+          <a:defRPr b="0" baseline="0" cap="none" i="0" spc="0" strike="noStrike" sz="1800" u="none" kumimoji="0" normalizeH="0">
             <a:ln>
               <a:noFill/>
             </a:ln>
@@ -10896,7 +10096,7 @@
           <a:buFontTx/>
           <a:buNone/>
           <a:tabLst/>
-          <a:defRPr kumimoji="0" sz="1800" b="0" i="0" u="none" strike="noStrike" cap="none" spc="0" normalizeH="0" baseline="0">
+          <a:defRPr b="0" baseline="0" cap="none" i="0" spc="0" strike="noStrike" sz="1800" u="none" kumimoji="0" normalizeH="0">
             <a:ln>
               <a:noFill/>
             </a:ln>
@@ -10922,7 +10122,7 @@
           <a:buFontTx/>
           <a:buNone/>
           <a:tabLst/>
-          <a:defRPr kumimoji="0" sz="1800" b="0" i="0" u="none" strike="noStrike" cap="none" spc="0" normalizeH="0" baseline="0">
+          <a:defRPr b="0" baseline="0" cap="none" i="0" spc="0" strike="noStrike" sz="1800" u="none" kumimoji="0" normalizeH="0">
             <a:ln>
               <a:noFill/>
             </a:ln>
@@ -10948,7 +10148,7 @@
           <a:buFontTx/>
           <a:buNone/>
           <a:tabLst/>
-          <a:defRPr kumimoji="0" sz="1800" b="0" i="0" u="none" strike="noStrike" cap="none" spc="0" normalizeH="0" baseline="0">
+          <a:defRPr b="0" baseline="0" cap="none" i="0" spc="0" strike="noStrike" sz="1800" u="none" kumimoji="0" normalizeH="0">
             <a:ln>
               <a:noFill/>
             </a:ln>
@@ -10974,7 +10174,7 @@
           <a:buFontTx/>
           <a:buNone/>
           <a:tabLst/>
-          <a:defRPr kumimoji="0" sz="1800" b="0" i="0" u="none" strike="noStrike" cap="none" spc="0" normalizeH="0" baseline="0">
+          <a:defRPr b="0" baseline="0" cap="none" i="0" spc="0" strike="noStrike" sz="1800" u="none" kumimoji="0" normalizeH="0">
             <a:ln>
               <a:noFill/>
             </a:ln>
@@ -11000,7 +10200,7 @@
           <a:buFontTx/>
           <a:buNone/>
           <a:tabLst/>
-          <a:defRPr kumimoji="0" sz="1800" b="0" i="0" u="none" strike="noStrike" cap="none" spc="0" normalizeH="0" baseline="0">
+          <a:defRPr b="0" baseline="0" cap="none" i="0" spc="0" strike="noStrike" sz="1800" u="none" kumimoji="0" normalizeH="0">
             <a:ln>
               <a:noFill/>
             </a:ln>
@@ -11026,7 +10226,7 @@
           <a:buFontTx/>
           <a:buNone/>
           <a:tabLst/>
-          <a:defRPr kumimoji="0" sz="1800" b="0" i="0" u="none" strike="noStrike" cap="none" spc="0" normalizeH="0" baseline="0">
+          <a:defRPr b="0" baseline="0" cap="none" i="0" spc="0" strike="noStrike" sz="1800" u="none" kumimoji="0" normalizeH="0">
             <a:ln>
               <a:noFill/>
             </a:ln>
@@ -11039,19 +10239,12 @@
         </a:lvl9pPr>
       </a:lstStyle>
       <a:style>
-        <a:lnRef idx="0">
-          <a:scrgbClr r="0" g="0" b="0"/>
-        </a:lnRef>
-        <a:fillRef idx="0">
-          <a:scrgbClr r="0" g="0" b="0"/>
-        </a:fillRef>
-        <a:effectRef idx="0">
-          <a:scrgbClr r="0" g="0" b="0"/>
-        </a:effectRef>
+        <a:lnRef idx="0"/>
+        <a:fillRef idx="0"/>
+        <a:effectRef idx="0"/>
         <a:fontRef idx="none"/>
       </a:style>
     </a:txDef>
   </a:objectDefaults>
-  <a:extraClrSchemeLst/>
 </a:theme>
 </file>